--- a/Data Mining Presentation.pptx
+++ b/Data Mining Presentation.pptx
@@ -1,45 +1,45 @@
 
 <file path=ppt/presentation.xml><?xml version="1.0" encoding="utf-8"?>
-<p:presentation xmlns:a="http://schemas.openxmlformats.org/drawingml/2006/main" xmlns:r="http://schemas.openxmlformats.org/officeDocument/2006/relationships" xmlns:mc="http://schemas.openxmlformats.org/markup-compatibility/2006" xmlns:mv="urn:schemas-microsoft-com:mac:vml" xmlns:p="http://schemas.openxmlformats.org/presentationml/2006/main" xmlns:c="http://schemas.openxmlformats.org/drawingml/2006/chart" xmlns:dgm="http://schemas.openxmlformats.org/drawingml/2006/diagram" xmlns:o="urn:schemas-microsoft-com:office:office" xmlns:v="urn:schemas-microsoft-com:vml" xmlns:pvml="urn:schemas-microsoft-com:office:powerpoint" xmlns:com="http://schemas.openxmlformats.org/drawingml/2006/compatibility" xmlns:p14="http://schemas.microsoft.com/office/powerpoint/2010/main" xmlns:p15="http://schemas.microsoft.com/office/powerpoint/2012/main" autoCompressPictures="0" embedTrueTypeFonts="1" strictFirstAndLastChars="0" saveSubsetFonts="1">
+<p:presentation xmlns:a="http://schemas.openxmlformats.org/drawingml/2006/main" xmlns:r="http://schemas.openxmlformats.org/officeDocument/2006/relationships" xmlns:p="http://schemas.openxmlformats.org/presentationml/2006/main" strictFirstAndLastChars="0" embedTrueTypeFonts="1" saveSubsetFonts="1" autoCompressPictures="0">
   <p:sldMasterIdLst>
-    <p:sldMasterId id="2147483659" r:id="rId4"/>
+    <p:sldMasterId id="2147483659" r:id="rId1"/>
   </p:sldMasterIdLst>
   <p:notesMasterIdLst>
-    <p:notesMasterId r:id="rId5"/>
+    <p:notesMasterId r:id="rId20"/>
   </p:notesMasterIdLst>
   <p:sldIdLst>
-    <p:sldId id="256" r:id="rId6"/>
-    <p:sldId id="257" r:id="rId7"/>
-    <p:sldId id="258" r:id="rId8"/>
-    <p:sldId id="259" r:id="rId9"/>
-    <p:sldId id="260" r:id="rId10"/>
-    <p:sldId id="261" r:id="rId11"/>
-    <p:sldId id="262" r:id="rId12"/>
-    <p:sldId id="263" r:id="rId13"/>
-    <p:sldId id="264" r:id="rId14"/>
-    <p:sldId id="265" r:id="rId15"/>
-    <p:sldId id="266" r:id="rId16"/>
-    <p:sldId id="267" r:id="rId17"/>
-    <p:sldId id="268" r:id="rId18"/>
-    <p:sldId id="269" r:id="rId19"/>
-    <p:sldId id="270" r:id="rId20"/>
-    <p:sldId id="271" r:id="rId21"/>
-    <p:sldId id="272" r:id="rId22"/>
-    <p:sldId id="273" r:id="rId23"/>
+    <p:sldId id="256" r:id="rId2"/>
+    <p:sldId id="257" r:id="rId3"/>
+    <p:sldId id="258" r:id="rId4"/>
+    <p:sldId id="259" r:id="rId5"/>
+    <p:sldId id="260" r:id="rId6"/>
+    <p:sldId id="261" r:id="rId7"/>
+    <p:sldId id="262" r:id="rId8"/>
+    <p:sldId id="263" r:id="rId9"/>
+    <p:sldId id="264" r:id="rId10"/>
+    <p:sldId id="265" r:id="rId11"/>
+    <p:sldId id="266" r:id="rId12"/>
+    <p:sldId id="267" r:id="rId13"/>
+    <p:sldId id="268" r:id="rId14"/>
+    <p:sldId id="269" r:id="rId15"/>
+    <p:sldId id="270" r:id="rId16"/>
+    <p:sldId id="271" r:id="rId17"/>
+    <p:sldId id="272" r:id="rId18"/>
+    <p:sldId id="273" r:id="rId19"/>
   </p:sldIdLst>
-  <p:sldSz cy="5143500" cx="9144000"/>
+  <p:sldSz cx="9144000" cy="5143500" type="screen16x9"/>
   <p:notesSz cx="6858000" cy="9144000"/>
   <p:embeddedFontLst>
     <p:embeddedFont>
-      <p:font typeface="Roboto"/>
-      <p:regular r:id="rId24"/>
-      <p:bold r:id="rId25"/>
-      <p:italic r:id="rId26"/>
-      <p:boldItalic r:id="rId27"/>
+      <p:font typeface="Roboto" panose="020B0604020202020204" charset="0"/>
+      <p:regular r:id="rId21"/>
+      <p:bold r:id="rId22"/>
+      <p:italic r:id="rId23"/>
+      <p:boldItalic r:id="rId24"/>
     </p:embeddedFont>
   </p:embeddedFontLst>
   <p:defaultTextStyle>
-    <a:defPPr lvl="0" marR="0" rtl="0" algn="l">
+    <a:defPPr marR="0" lvl="0" algn="l" rtl="0">
       <a:lnSpc>
         <a:spcPct val="100000"/>
       </a:lnSpc>
@@ -50,7 +50,7 @@
         <a:spcPts val="0"/>
       </a:spcAft>
     </a:defPPr>
-    <a:lvl1pPr lvl="0" marR="0" rtl="0" algn="l">
+    <a:lvl1pPr marR="0" lvl="0" algn="l" rtl="0">
       <a:lnSpc>
         <a:spcPct val="100000"/>
       </a:lnSpc>
@@ -64,7 +64,7 @@
         <a:srgbClr val="000000"/>
       </a:buClr>
       <a:buFont typeface="Arial"/>
-      <a:defRPr b="0" i="0" sz="1400" u="none" cap="none" strike="noStrike">
+      <a:defRPr sz="1400" b="0" i="0" u="none" strike="noStrike" cap="none">
         <a:solidFill>
           <a:srgbClr val="000000"/>
         </a:solidFill>
@@ -74,7 +74,7 @@
         <a:sym typeface="Arial"/>
       </a:defRPr>
     </a:lvl1pPr>
-    <a:lvl2pPr lvl="1" marR="0" rtl="0" algn="l">
+    <a:lvl2pPr marR="0" lvl="1" algn="l" rtl="0">
       <a:lnSpc>
         <a:spcPct val="100000"/>
       </a:lnSpc>
@@ -88,7 +88,7 @@
         <a:srgbClr val="000000"/>
       </a:buClr>
       <a:buFont typeface="Arial"/>
-      <a:defRPr b="0" i="0" sz="1400" u="none" cap="none" strike="noStrike">
+      <a:defRPr sz="1400" b="0" i="0" u="none" strike="noStrike" cap="none">
         <a:solidFill>
           <a:srgbClr val="000000"/>
         </a:solidFill>
@@ -98,7 +98,7 @@
         <a:sym typeface="Arial"/>
       </a:defRPr>
     </a:lvl2pPr>
-    <a:lvl3pPr lvl="2" marR="0" rtl="0" algn="l">
+    <a:lvl3pPr marR="0" lvl="2" algn="l" rtl="0">
       <a:lnSpc>
         <a:spcPct val="100000"/>
       </a:lnSpc>
@@ -112,7 +112,7 @@
         <a:srgbClr val="000000"/>
       </a:buClr>
       <a:buFont typeface="Arial"/>
-      <a:defRPr b="0" i="0" sz="1400" u="none" cap="none" strike="noStrike">
+      <a:defRPr sz="1400" b="0" i="0" u="none" strike="noStrike" cap="none">
         <a:solidFill>
           <a:srgbClr val="000000"/>
         </a:solidFill>
@@ -122,7 +122,7 @@
         <a:sym typeface="Arial"/>
       </a:defRPr>
     </a:lvl3pPr>
-    <a:lvl4pPr lvl="3" marR="0" rtl="0" algn="l">
+    <a:lvl4pPr marR="0" lvl="3" algn="l" rtl="0">
       <a:lnSpc>
         <a:spcPct val="100000"/>
       </a:lnSpc>
@@ -136,7 +136,7 @@
         <a:srgbClr val="000000"/>
       </a:buClr>
       <a:buFont typeface="Arial"/>
-      <a:defRPr b="0" i="0" sz="1400" u="none" cap="none" strike="noStrike">
+      <a:defRPr sz="1400" b="0" i="0" u="none" strike="noStrike" cap="none">
         <a:solidFill>
           <a:srgbClr val="000000"/>
         </a:solidFill>
@@ -146,7 +146,7 @@
         <a:sym typeface="Arial"/>
       </a:defRPr>
     </a:lvl4pPr>
-    <a:lvl5pPr lvl="4" marR="0" rtl="0" algn="l">
+    <a:lvl5pPr marR="0" lvl="4" algn="l" rtl="0">
       <a:lnSpc>
         <a:spcPct val="100000"/>
       </a:lnSpc>
@@ -160,7 +160,7 @@
         <a:srgbClr val="000000"/>
       </a:buClr>
       <a:buFont typeface="Arial"/>
-      <a:defRPr b="0" i="0" sz="1400" u="none" cap="none" strike="noStrike">
+      <a:defRPr sz="1400" b="0" i="0" u="none" strike="noStrike" cap="none">
         <a:solidFill>
           <a:srgbClr val="000000"/>
         </a:solidFill>
@@ -170,7 +170,7 @@
         <a:sym typeface="Arial"/>
       </a:defRPr>
     </a:lvl5pPr>
-    <a:lvl6pPr lvl="5" marR="0" rtl="0" algn="l">
+    <a:lvl6pPr marR="0" lvl="5" algn="l" rtl="0">
       <a:lnSpc>
         <a:spcPct val="100000"/>
       </a:lnSpc>
@@ -184,7 +184,7 @@
         <a:srgbClr val="000000"/>
       </a:buClr>
       <a:buFont typeface="Arial"/>
-      <a:defRPr b="0" i="0" sz="1400" u="none" cap="none" strike="noStrike">
+      <a:defRPr sz="1400" b="0" i="0" u="none" strike="noStrike" cap="none">
         <a:solidFill>
           <a:srgbClr val="000000"/>
         </a:solidFill>
@@ -194,7 +194,7 @@
         <a:sym typeface="Arial"/>
       </a:defRPr>
     </a:lvl6pPr>
-    <a:lvl7pPr lvl="6" marR="0" rtl="0" algn="l">
+    <a:lvl7pPr marR="0" lvl="6" algn="l" rtl="0">
       <a:lnSpc>
         <a:spcPct val="100000"/>
       </a:lnSpc>
@@ -208,7 +208,7 @@
         <a:srgbClr val="000000"/>
       </a:buClr>
       <a:buFont typeface="Arial"/>
-      <a:defRPr b="0" i="0" sz="1400" u="none" cap="none" strike="noStrike">
+      <a:defRPr sz="1400" b="0" i="0" u="none" strike="noStrike" cap="none">
         <a:solidFill>
           <a:srgbClr val="000000"/>
         </a:solidFill>
@@ -218,7 +218,7 @@
         <a:sym typeface="Arial"/>
       </a:defRPr>
     </a:lvl7pPr>
-    <a:lvl8pPr lvl="7" marR="0" rtl="0" algn="l">
+    <a:lvl8pPr marR="0" lvl="7" algn="l" rtl="0">
       <a:lnSpc>
         <a:spcPct val="100000"/>
       </a:lnSpc>
@@ -232,7 +232,7 @@
         <a:srgbClr val="000000"/>
       </a:buClr>
       <a:buFont typeface="Arial"/>
-      <a:defRPr b="0" i="0" sz="1400" u="none" cap="none" strike="noStrike">
+      <a:defRPr sz="1400" b="0" i="0" u="none" strike="noStrike" cap="none">
         <a:solidFill>
           <a:srgbClr val="000000"/>
         </a:solidFill>
@@ -242,7 +242,7 @@
         <a:sym typeface="Arial"/>
       </a:defRPr>
     </a:lvl8pPr>
-    <a:lvl9pPr lvl="8" marR="0" rtl="0" algn="l">
+    <a:lvl9pPr marR="0" lvl="8" algn="l" rtl="0">
       <a:lnSpc>
         <a:spcPct val="100000"/>
       </a:lnSpc>
@@ -256,7 +256,7 @@
         <a:srgbClr val="000000"/>
       </a:buClr>
       <a:buFont typeface="Arial"/>
-      <a:defRPr b="0" i="0" sz="1400" u="none" cap="none" strike="noStrike">
+      <a:defRPr sz="1400" b="0" i="0" u="none" strike="noStrike" cap="none">
         <a:solidFill>
           <a:srgbClr val="000000"/>
         </a:solidFill>
@@ -269,7 +269,7 @@
   </p:defaultTextStyle>
   <p:extLst>
     <p:ext uri="{EFAFB233-063F-42B5-8137-9DF3F51BA10A}">
-      <p15:sldGuideLst>
+      <p15:sldGuideLst xmlns:p15="http://schemas.microsoft.com/office/powerpoint/2012/main">
         <p15:guide id="1" orient="horz" pos="1620">
           <p15:clr>
             <a:srgbClr val="A4A3A4"/>
@@ -287,11 +287,16 @@
 </file>
 
 <file path=ppt/notesMasters/notesMaster1.xml><?xml version="1.0" encoding="utf-8"?>
-<p:notesMaster xmlns:a="http://schemas.openxmlformats.org/drawingml/2006/main" xmlns:r="http://schemas.openxmlformats.org/officeDocument/2006/relationships" xmlns:mc="http://schemas.openxmlformats.org/markup-compatibility/2006" xmlns:mv="urn:schemas-microsoft-com:mac:vml" xmlns:p="http://schemas.openxmlformats.org/presentationml/2006/main" xmlns:c="http://schemas.openxmlformats.org/drawingml/2006/chart" xmlns:dgm="http://schemas.openxmlformats.org/drawingml/2006/diagram" xmlns:o="urn:schemas-microsoft-com:office:office" xmlns:v="urn:schemas-microsoft-com:vml" xmlns:pvml="urn:schemas-microsoft-com:office:powerpoint" xmlns:com="http://schemas.openxmlformats.org/drawingml/2006/compatibility" xmlns:p14="http://schemas.microsoft.com/office/powerpoint/2010/main" xmlns:p15="http://schemas.microsoft.com/office/powerpoint/2012/main">
+<p:notesMaster xmlns:a="http://schemas.openxmlformats.org/drawingml/2006/main" xmlns:r="http://schemas.openxmlformats.org/officeDocument/2006/relationships" xmlns:p="http://schemas.openxmlformats.org/presentationml/2006/main">
   <p:cSld>
+    <p:bg>
+      <p:bgRef idx="1001">
+        <a:schemeClr val="bg1"/>
+      </p:bgRef>
+    </p:bg>
     <p:spTree>
       <p:nvGrpSpPr>
-        <p:cNvPr id="2" name="Shape 2"/>
+        <p:cNvPr id="1" name="Shape 2"/>
         <p:cNvGrpSpPr/>
         <p:nvPr/>
       </p:nvGrpSpPr>
@@ -306,9 +311,11 @@
       <p:sp>
         <p:nvSpPr>
           <p:cNvPr id="3" name="Google Shape;3;n"/>
-          <p:cNvSpPr/>
+          <p:cNvSpPr>
+            <a:spLocks noGrp="1" noRot="1" noChangeAspect="1"/>
+          </p:cNvSpPr>
           <p:nvPr>
-            <p:ph idx="2" type="sldImg"/>
+            <p:ph type="sldImg" idx="2"/>
           </p:nvPr>
         </p:nvSpPr>
         <p:spPr>
@@ -317,9 +324,13 @@
             <a:ext cx="6096075" cy="3429000"/>
           </a:xfrm>
           <a:custGeom>
-            <a:rect b="b" l="l" r="r" t="t"/>
+            <a:avLst/>
+            <a:gdLst/>
+            <a:ahLst/>
+            <a:cxnLst/>
+            <a:rect l="l" t="t" r="r" b="b"/>
             <a:pathLst>
-              <a:path extrusionOk="0" h="120000" w="120000">
+              <a:path w="120000" h="120000" extrusionOk="0">
                 <a:moveTo>
                   <a:pt x="0" y="0"/>
                 </a:moveTo>
@@ -337,23 +348,25 @@
             </a:pathLst>
           </a:custGeom>
           <a:noFill/>
-          <a:ln cap="flat" cmpd="sng" w="9525">
+          <a:ln w="9525" cap="flat" cmpd="sng">
             <a:solidFill>
               <a:srgbClr val="000000"/>
             </a:solidFill>
             <a:prstDash val="solid"/>
             <a:round/>
-            <a:headEnd len="sm" w="sm" type="none"/>
-            <a:tailEnd len="sm" w="sm" type="none"/>
+            <a:headEnd type="none" w="sm" len="sm"/>
+            <a:tailEnd type="none" w="sm" len="sm"/>
           </a:ln>
         </p:spPr>
       </p:sp>
       <p:sp>
         <p:nvSpPr>
           <p:cNvPr id="4" name="Google Shape;4;n"/>
-          <p:cNvSpPr txBox="1"/>
+          <p:cNvSpPr txBox="1">
+            <a:spLocks noGrp="1"/>
+          </p:cNvSpPr>
           <p:nvPr>
-            <p:ph idx="1" type="body"/>
+            <p:ph type="body" idx="1"/>
           </p:nvPr>
         </p:nvSpPr>
         <p:spPr>
@@ -370,11 +383,11 @@
           </a:ln>
         </p:spPr>
         <p:txBody>
-          <a:bodyPr anchorCtr="0" anchor="t" bIns="91425" lIns="91425" spcFirstLastPara="1" rIns="91425" wrap="square" tIns="91425">
+          <a:bodyPr spcFirstLastPara="1" wrap="square" lIns="91425" tIns="91425" rIns="91425" bIns="91425" anchor="t" anchorCtr="0">
             <a:noAutofit/>
           </a:bodyPr>
           <a:lstStyle>
-            <a:lvl1pPr indent="-298450" lvl="0" marL="457200">
+            <a:lvl1pPr marL="457200" lvl="0" indent="-298450">
               <a:spcBef>
                 <a:spcPts val="0"/>
               </a:spcBef>
@@ -385,7 +398,7 @@
               <a:buChar char="●"/>
               <a:defRPr sz="1100"/>
             </a:lvl1pPr>
-            <a:lvl2pPr indent="-298450" lvl="1" marL="914400">
+            <a:lvl2pPr marL="914400" lvl="1" indent="-298450">
               <a:spcBef>
                 <a:spcPts val="0"/>
               </a:spcBef>
@@ -396,7 +409,7 @@
               <a:buChar char="○"/>
               <a:defRPr sz="1100"/>
             </a:lvl2pPr>
-            <a:lvl3pPr indent="-298450" lvl="2" marL="1371600">
+            <a:lvl3pPr marL="1371600" lvl="2" indent="-298450">
               <a:spcBef>
                 <a:spcPts val="0"/>
               </a:spcBef>
@@ -407,7 +420,7 @@
               <a:buChar char="■"/>
               <a:defRPr sz="1100"/>
             </a:lvl3pPr>
-            <a:lvl4pPr indent="-298450" lvl="3" marL="1828800">
+            <a:lvl4pPr marL="1828800" lvl="3" indent="-298450">
               <a:spcBef>
                 <a:spcPts val="0"/>
               </a:spcBef>
@@ -418,7 +431,7 @@
               <a:buChar char="●"/>
               <a:defRPr sz="1100"/>
             </a:lvl4pPr>
-            <a:lvl5pPr indent="-298450" lvl="4" marL="2286000">
+            <a:lvl5pPr marL="2286000" lvl="4" indent="-298450">
               <a:spcBef>
                 <a:spcPts val="0"/>
               </a:spcBef>
@@ -429,7 +442,7 @@
               <a:buChar char="○"/>
               <a:defRPr sz="1100"/>
             </a:lvl5pPr>
-            <a:lvl6pPr indent="-298450" lvl="5" marL="2743200">
+            <a:lvl6pPr marL="2743200" lvl="5" indent="-298450">
               <a:spcBef>
                 <a:spcPts val="0"/>
               </a:spcBef>
@@ -440,7 +453,7 @@
               <a:buChar char="■"/>
               <a:defRPr sz="1100"/>
             </a:lvl6pPr>
-            <a:lvl7pPr indent="-298450" lvl="6" marL="3200400">
+            <a:lvl7pPr marL="3200400" lvl="6" indent="-298450">
               <a:spcBef>
                 <a:spcPts val="0"/>
               </a:spcBef>
@@ -451,7 +464,7 @@
               <a:buChar char="●"/>
               <a:defRPr sz="1100"/>
             </a:lvl7pPr>
-            <a:lvl8pPr indent="-298450" lvl="7" marL="3657600">
+            <a:lvl8pPr marL="3657600" lvl="7" indent="-298450">
               <a:spcBef>
                 <a:spcPts val="0"/>
               </a:spcBef>
@@ -462,7 +475,7 @@
               <a:buChar char="○"/>
               <a:defRPr sz="1100"/>
             </a:lvl8pPr>
-            <a:lvl9pPr indent="-298450" lvl="8" marL="4114800">
+            <a:lvl9pPr marL="4114800" lvl="8" indent="-298450">
               <a:spcBef>
                 <a:spcPts val="0"/>
               </a:spcBef>
@@ -474,14 +487,16 @@
               <a:defRPr sz="1100"/>
             </a:lvl9pPr>
           </a:lstStyle>
-          <a:p/>
+          <a:p>
+            <a:endParaRPr/>
+          </a:p>
         </p:txBody>
       </p:sp>
     </p:spTree>
   </p:cSld>
-  <p:clrMap accent1="accent1" accent2="accent2" accent3="accent3" accent4="accent4" accent5="accent5" accent6="accent6" bg1="lt1" bg2="dk2" tx1="dk1" tx2="lt2" folHlink="folHlink" hlink="hlink"/>
+  <p:clrMap bg1="lt1" tx1="dk1" bg2="dk2" tx2="lt2" accent1="accent1" accent2="accent2" accent3="accent3" accent4="accent4" accent5="accent5" accent6="accent6" hlink="hlink" folHlink="folHlink"/>
   <p:notesStyle>
-    <a:defPPr lvl="0" marR="0" rtl="0" algn="l">
+    <a:defPPr marR="0" lvl="0" algn="l" rtl="0">
       <a:lnSpc>
         <a:spcPct val="100000"/>
       </a:lnSpc>
@@ -492,7 +507,7 @@
         <a:spcPts val="0"/>
       </a:spcAft>
     </a:defPPr>
-    <a:lvl1pPr lvl="0" marR="0" rtl="0" algn="l">
+    <a:lvl1pPr marR="0" lvl="0" algn="l" rtl="0">
       <a:lnSpc>
         <a:spcPct val="100000"/>
       </a:lnSpc>
@@ -506,7 +521,7 @@
         <a:srgbClr val="000000"/>
       </a:buClr>
       <a:buFont typeface="Arial"/>
-      <a:defRPr b="0" i="0" sz="1400" u="none" cap="none" strike="noStrike">
+      <a:defRPr sz="1400" b="0" i="0" u="none" strike="noStrike" cap="none">
         <a:solidFill>
           <a:srgbClr val="000000"/>
         </a:solidFill>
@@ -516,7 +531,7 @@
         <a:sym typeface="Arial"/>
       </a:defRPr>
     </a:lvl1pPr>
-    <a:lvl2pPr lvl="1" marR="0" rtl="0" algn="l">
+    <a:lvl2pPr marR="0" lvl="1" algn="l" rtl="0">
       <a:lnSpc>
         <a:spcPct val="100000"/>
       </a:lnSpc>
@@ -530,7 +545,7 @@
         <a:srgbClr val="000000"/>
       </a:buClr>
       <a:buFont typeface="Arial"/>
-      <a:defRPr b="0" i="0" sz="1400" u="none" cap="none" strike="noStrike">
+      <a:defRPr sz="1400" b="0" i="0" u="none" strike="noStrike" cap="none">
         <a:solidFill>
           <a:srgbClr val="000000"/>
         </a:solidFill>
@@ -540,7 +555,7 @@
         <a:sym typeface="Arial"/>
       </a:defRPr>
     </a:lvl2pPr>
-    <a:lvl3pPr lvl="2" marR="0" rtl="0" algn="l">
+    <a:lvl3pPr marR="0" lvl="2" algn="l" rtl="0">
       <a:lnSpc>
         <a:spcPct val="100000"/>
       </a:lnSpc>
@@ -554,7 +569,7 @@
         <a:srgbClr val="000000"/>
       </a:buClr>
       <a:buFont typeface="Arial"/>
-      <a:defRPr b="0" i="0" sz="1400" u="none" cap="none" strike="noStrike">
+      <a:defRPr sz="1400" b="0" i="0" u="none" strike="noStrike" cap="none">
         <a:solidFill>
           <a:srgbClr val="000000"/>
         </a:solidFill>
@@ -564,7 +579,7 @@
         <a:sym typeface="Arial"/>
       </a:defRPr>
     </a:lvl3pPr>
-    <a:lvl4pPr lvl="3" marR="0" rtl="0" algn="l">
+    <a:lvl4pPr marR="0" lvl="3" algn="l" rtl="0">
       <a:lnSpc>
         <a:spcPct val="100000"/>
       </a:lnSpc>
@@ -578,7 +593,7 @@
         <a:srgbClr val="000000"/>
       </a:buClr>
       <a:buFont typeface="Arial"/>
-      <a:defRPr b="0" i="0" sz="1400" u="none" cap="none" strike="noStrike">
+      <a:defRPr sz="1400" b="0" i="0" u="none" strike="noStrike" cap="none">
         <a:solidFill>
           <a:srgbClr val="000000"/>
         </a:solidFill>
@@ -588,7 +603,7 @@
         <a:sym typeface="Arial"/>
       </a:defRPr>
     </a:lvl4pPr>
-    <a:lvl5pPr lvl="4" marR="0" rtl="0" algn="l">
+    <a:lvl5pPr marR="0" lvl="4" algn="l" rtl="0">
       <a:lnSpc>
         <a:spcPct val="100000"/>
       </a:lnSpc>
@@ -602,7 +617,7 @@
         <a:srgbClr val="000000"/>
       </a:buClr>
       <a:buFont typeface="Arial"/>
-      <a:defRPr b="0" i="0" sz="1400" u="none" cap="none" strike="noStrike">
+      <a:defRPr sz="1400" b="0" i="0" u="none" strike="noStrike" cap="none">
         <a:solidFill>
           <a:srgbClr val="000000"/>
         </a:solidFill>
@@ -612,7 +627,7 @@
         <a:sym typeface="Arial"/>
       </a:defRPr>
     </a:lvl5pPr>
-    <a:lvl6pPr lvl="5" marR="0" rtl="0" algn="l">
+    <a:lvl6pPr marR="0" lvl="5" algn="l" rtl="0">
       <a:lnSpc>
         <a:spcPct val="100000"/>
       </a:lnSpc>
@@ -626,7 +641,7 @@
         <a:srgbClr val="000000"/>
       </a:buClr>
       <a:buFont typeface="Arial"/>
-      <a:defRPr b="0" i="0" sz="1400" u="none" cap="none" strike="noStrike">
+      <a:defRPr sz="1400" b="0" i="0" u="none" strike="noStrike" cap="none">
         <a:solidFill>
           <a:srgbClr val="000000"/>
         </a:solidFill>
@@ -636,7 +651,7 @@
         <a:sym typeface="Arial"/>
       </a:defRPr>
     </a:lvl6pPr>
-    <a:lvl7pPr lvl="6" marR="0" rtl="0" algn="l">
+    <a:lvl7pPr marR="0" lvl="6" algn="l" rtl="0">
       <a:lnSpc>
         <a:spcPct val="100000"/>
       </a:lnSpc>
@@ -650,7 +665,7 @@
         <a:srgbClr val="000000"/>
       </a:buClr>
       <a:buFont typeface="Arial"/>
-      <a:defRPr b="0" i="0" sz="1400" u="none" cap="none" strike="noStrike">
+      <a:defRPr sz="1400" b="0" i="0" u="none" strike="noStrike" cap="none">
         <a:solidFill>
           <a:srgbClr val="000000"/>
         </a:solidFill>
@@ -660,7 +675,7 @@
         <a:sym typeface="Arial"/>
       </a:defRPr>
     </a:lvl7pPr>
-    <a:lvl8pPr lvl="7" marR="0" rtl="0" algn="l">
+    <a:lvl8pPr marR="0" lvl="7" algn="l" rtl="0">
       <a:lnSpc>
         <a:spcPct val="100000"/>
       </a:lnSpc>
@@ -674,7 +689,7 @@
         <a:srgbClr val="000000"/>
       </a:buClr>
       <a:buFont typeface="Arial"/>
-      <a:defRPr b="0" i="0" sz="1400" u="none" cap="none" strike="noStrike">
+      <a:defRPr sz="1400" b="0" i="0" u="none" strike="noStrike" cap="none">
         <a:solidFill>
           <a:srgbClr val="000000"/>
         </a:solidFill>
@@ -684,7 +699,7 @@
         <a:sym typeface="Arial"/>
       </a:defRPr>
     </a:lvl8pPr>
-    <a:lvl9pPr lvl="8" marR="0" rtl="0" algn="l">
+    <a:lvl9pPr marR="0" lvl="8" algn="l" rtl="0">
       <a:lnSpc>
         <a:spcPct val="100000"/>
       </a:lnSpc>
@@ -698,7 +713,7 @@
         <a:srgbClr val="000000"/>
       </a:buClr>
       <a:buFont typeface="Arial"/>
-      <a:defRPr b="0" i="0" sz="1400" u="none" cap="none" strike="noStrike">
+      <a:defRPr sz="1400" b="0" i="0" u="none" strike="noStrike" cap="none">
         <a:solidFill>
           <a:srgbClr val="000000"/>
         </a:solidFill>
@@ -713,11 +728,11 @@
 </file>
 
 <file path=ppt/notesSlides/notesSlide1.xml><?xml version="1.0" encoding="utf-8"?>
-<p:notes xmlns:a="http://schemas.openxmlformats.org/drawingml/2006/main" xmlns:r="http://schemas.openxmlformats.org/officeDocument/2006/relationships" xmlns:mc="http://schemas.openxmlformats.org/markup-compatibility/2006" xmlns:mv="urn:schemas-microsoft-com:mac:vml" xmlns:p="http://schemas.openxmlformats.org/presentationml/2006/main" xmlns:c="http://schemas.openxmlformats.org/drawingml/2006/chart" xmlns:dgm="http://schemas.openxmlformats.org/drawingml/2006/diagram" xmlns:o="urn:schemas-microsoft-com:office:office" xmlns:v="urn:schemas-microsoft-com:vml" xmlns:pvml="urn:schemas-microsoft-com:office:powerpoint" xmlns:com="http://schemas.openxmlformats.org/drawingml/2006/compatibility" xmlns:p14="http://schemas.microsoft.com/office/powerpoint/2010/main" xmlns:p15="http://schemas.microsoft.com/office/powerpoint/2012/main" showMasterPhAnim="0" showMasterSp="0">
+<p:notes xmlns:a="http://schemas.openxmlformats.org/drawingml/2006/main" xmlns:r="http://schemas.openxmlformats.org/officeDocument/2006/relationships" xmlns:p="http://schemas.openxmlformats.org/presentationml/2006/main" showMasterSp="0" showMasterPhAnim="0">
   <p:cSld>
     <p:spTree>
       <p:nvGrpSpPr>
-        <p:cNvPr id="63" name="Shape 63"/>
+        <p:cNvPr id="1" name="Shape 63"/>
         <p:cNvGrpSpPr/>
         <p:nvPr/>
       </p:nvGrpSpPr>
@@ -732,9 +747,11 @@
       <p:sp>
         <p:nvSpPr>
           <p:cNvPr id="64" name="Google Shape;64;p:notes"/>
-          <p:cNvSpPr/>
+          <p:cNvSpPr>
+            <a:spLocks noGrp="1" noRot="1" noChangeAspect="1"/>
+          </p:cNvSpPr>
           <p:nvPr>
-            <p:ph idx="2" type="sldImg"/>
+            <p:ph type="sldImg" idx="2"/>
           </p:nvPr>
         </p:nvSpPr>
         <p:spPr>
@@ -743,9 +760,13 @@
             <a:ext cx="6096075" cy="3429000"/>
           </a:xfrm>
           <a:custGeom>
-            <a:rect b="b" l="l" r="r" t="t"/>
+            <a:avLst/>
+            <a:gdLst/>
+            <a:ahLst/>
+            <a:cxnLst/>
+            <a:rect l="l" t="t" r="r" b="b"/>
             <a:pathLst>
-              <a:path extrusionOk="0" h="120000" w="120000">
+              <a:path w="120000" h="120000" extrusionOk="0">
                 <a:moveTo>
                   <a:pt x="0" y="0"/>
                 </a:moveTo>
@@ -767,9 +788,11 @@
       <p:sp>
         <p:nvSpPr>
           <p:cNvPr id="65" name="Google Shape;65;p:notes"/>
-          <p:cNvSpPr txBox="1"/>
+          <p:cNvSpPr txBox="1">
+            <a:spLocks noGrp="1"/>
+          </p:cNvSpPr>
           <p:nvPr>
-            <p:ph idx="1" type="body"/>
+            <p:ph type="body" idx="1"/>
           </p:nvPr>
         </p:nvSpPr>
         <p:spPr>
@@ -782,23 +805,20 @@
           </a:prstGeom>
         </p:spPr>
         <p:txBody>
-          <a:bodyPr anchorCtr="0" anchor="t" bIns="91425" lIns="91425" spcFirstLastPara="1" rIns="91425" wrap="square" tIns="91425">
+          <a:bodyPr spcFirstLastPara="1" wrap="square" lIns="91425" tIns="91425" rIns="91425" bIns="91425" anchor="t" anchorCtr="0">
             <a:noAutofit/>
           </a:bodyPr>
           <a:lstStyle/>
           <a:p>
-            <a:pPr indent="0" lvl="0" marL="0" rtl="0" algn="l">
-              <a:spcBef>
-                <a:spcPts val="0"/>
-              </a:spcBef>
-              <a:spcAft>
-                <a:spcPts val="0"/>
-              </a:spcAft>
-              <a:buNone/>
-            </a:pPr>
-            <a:r>
-              <a:t/>
-            </a:r>
+            <a:pPr marL="0" lvl="0" indent="0" algn="l" rtl="0">
+              <a:spcBef>
+                <a:spcPts val="0"/>
+              </a:spcBef>
+              <a:spcAft>
+                <a:spcPts val="0"/>
+              </a:spcAft>
+              <a:buNone/>
+            </a:pPr>
             <a:endParaRPr/>
           </a:p>
         </p:txBody>
@@ -812,11 +832,11 @@
 </file>
 
 <file path=ppt/notesSlides/notesSlide10.xml><?xml version="1.0" encoding="utf-8"?>
-<p:notes xmlns:a="http://schemas.openxmlformats.org/drawingml/2006/main" xmlns:r="http://schemas.openxmlformats.org/officeDocument/2006/relationships" xmlns:mc="http://schemas.openxmlformats.org/markup-compatibility/2006" xmlns:mv="urn:schemas-microsoft-com:mac:vml" xmlns:p="http://schemas.openxmlformats.org/presentationml/2006/main" xmlns:c="http://schemas.openxmlformats.org/drawingml/2006/chart" xmlns:dgm="http://schemas.openxmlformats.org/drawingml/2006/diagram" xmlns:o="urn:schemas-microsoft-com:office:office" xmlns:v="urn:schemas-microsoft-com:vml" xmlns:pvml="urn:schemas-microsoft-com:office:powerpoint" xmlns:com="http://schemas.openxmlformats.org/drawingml/2006/compatibility" xmlns:p14="http://schemas.microsoft.com/office/powerpoint/2010/main" xmlns:p15="http://schemas.microsoft.com/office/powerpoint/2012/main" showMasterPhAnim="0" showMasterSp="0">
+<p:notes xmlns:a="http://schemas.openxmlformats.org/drawingml/2006/main" xmlns:r="http://schemas.openxmlformats.org/officeDocument/2006/relationships" xmlns:p="http://schemas.openxmlformats.org/presentationml/2006/main" showMasterSp="0" showMasterPhAnim="0">
   <p:cSld>
     <p:spTree>
       <p:nvGrpSpPr>
-        <p:cNvPr id="123" name="Shape 123"/>
+        <p:cNvPr id="1" name="Shape 123"/>
         <p:cNvGrpSpPr/>
         <p:nvPr/>
       </p:nvGrpSpPr>
@@ -831,9 +851,11 @@
       <p:sp>
         <p:nvSpPr>
           <p:cNvPr id="124" name="Google Shape;124;g8d6f541822_0_22:notes"/>
-          <p:cNvSpPr/>
+          <p:cNvSpPr>
+            <a:spLocks noGrp="1" noRot="1" noChangeAspect="1"/>
+          </p:cNvSpPr>
           <p:nvPr>
-            <p:ph idx="2" type="sldImg"/>
+            <p:ph type="sldImg" idx="2"/>
           </p:nvPr>
         </p:nvSpPr>
         <p:spPr>
@@ -842,9 +864,13 @@
             <a:ext cx="6096000" cy="3429000"/>
           </a:xfrm>
           <a:custGeom>
-            <a:rect b="b" l="l" r="r" t="t"/>
+            <a:avLst/>
+            <a:gdLst/>
+            <a:ahLst/>
+            <a:cxnLst/>
+            <a:rect l="l" t="t" r="r" b="b"/>
             <a:pathLst>
-              <a:path extrusionOk="0" h="120000" w="120000">
+              <a:path w="120000" h="120000" extrusionOk="0">
                 <a:moveTo>
                   <a:pt x="0" y="0"/>
                 </a:moveTo>
@@ -866,9 +892,11 @@
       <p:sp>
         <p:nvSpPr>
           <p:cNvPr id="125" name="Google Shape;125;g8d6f541822_0_22:notes"/>
-          <p:cNvSpPr txBox="1"/>
+          <p:cNvSpPr txBox="1">
+            <a:spLocks noGrp="1"/>
+          </p:cNvSpPr>
           <p:nvPr>
-            <p:ph idx="1" type="body"/>
+            <p:ph type="body" idx="1"/>
           </p:nvPr>
         </p:nvSpPr>
         <p:spPr>
@@ -881,23 +909,20 @@
           </a:prstGeom>
         </p:spPr>
         <p:txBody>
-          <a:bodyPr anchorCtr="0" anchor="t" bIns="91425" lIns="91425" spcFirstLastPara="1" rIns="91425" wrap="square" tIns="91425">
+          <a:bodyPr spcFirstLastPara="1" wrap="square" lIns="91425" tIns="91425" rIns="91425" bIns="91425" anchor="t" anchorCtr="0">
             <a:noAutofit/>
           </a:bodyPr>
           <a:lstStyle/>
           <a:p>
-            <a:pPr indent="0" lvl="0" marL="0" rtl="0" algn="l">
-              <a:spcBef>
-                <a:spcPts val="0"/>
-              </a:spcBef>
-              <a:spcAft>
-                <a:spcPts val="0"/>
-              </a:spcAft>
-              <a:buNone/>
-            </a:pPr>
-            <a:r>
-              <a:t/>
-            </a:r>
+            <a:pPr marL="0" lvl="0" indent="0" algn="l" rtl="0">
+              <a:spcBef>
+                <a:spcPts val="0"/>
+              </a:spcBef>
+              <a:spcAft>
+                <a:spcPts val="0"/>
+              </a:spcAft>
+              <a:buNone/>
+            </a:pPr>
             <a:endParaRPr/>
           </a:p>
         </p:txBody>
@@ -911,11 +936,11 @@
 </file>
 
 <file path=ppt/notesSlides/notesSlide11.xml><?xml version="1.0" encoding="utf-8"?>
-<p:notes xmlns:a="http://schemas.openxmlformats.org/drawingml/2006/main" xmlns:r="http://schemas.openxmlformats.org/officeDocument/2006/relationships" xmlns:mc="http://schemas.openxmlformats.org/markup-compatibility/2006" xmlns:mv="urn:schemas-microsoft-com:mac:vml" xmlns:p="http://schemas.openxmlformats.org/presentationml/2006/main" xmlns:c="http://schemas.openxmlformats.org/drawingml/2006/chart" xmlns:dgm="http://schemas.openxmlformats.org/drawingml/2006/diagram" xmlns:o="urn:schemas-microsoft-com:office:office" xmlns:v="urn:schemas-microsoft-com:vml" xmlns:pvml="urn:schemas-microsoft-com:office:powerpoint" xmlns:com="http://schemas.openxmlformats.org/drawingml/2006/compatibility" xmlns:p14="http://schemas.microsoft.com/office/powerpoint/2010/main" xmlns:p15="http://schemas.microsoft.com/office/powerpoint/2012/main" showMasterPhAnim="0" showMasterSp="0">
+<p:notes xmlns:a="http://schemas.openxmlformats.org/drawingml/2006/main" xmlns:r="http://schemas.openxmlformats.org/officeDocument/2006/relationships" xmlns:p="http://schemas.openxmlformats.org/presentationml/2006/main" showMasterSp="0" showMasterPhAnim="0">
   <p:cSld>
     <p:spTree>
       <p:nvGrpSpPr>
-        <p:cNvPr id="129" name="Shape 129"/>
+        <p:cNvPr id="1" name="Shape 129"/>
         <p:cNvGrpSpPr/>
         <p:nvPr/>
       </p:nvGrpSpPr>
@@ -930,9 +955,11 @@
       <p:sp>
         <p:nvSpPr>
           <p:cNvPr id="130" name="Google Shape;130;g8b3bf016ec_0_88:notes"/>
-          <p:cNvSpPr/>
+          <p:cNvSpPr>
+            <a:spLocks noGrp="1" noRot="1" noChangeAspect="1"/>
+          </p:cNvSpPr>
           <p:nvPr>
-            <p:ph idx="2" type="sldImg"/>
+            <p:ph type="sldImg" idx="2"/>
           </p:nvPr>
         </p:nvSpPr>
         <p:spPr>
@@ -941,9 +968,13 @@
             <a:ext cx="6096000" cy="3429000"/>
           </a:xfrm>
           <a:custGeom>
-            <a:rect b="b" l="l" r="r" t="t"/>
+            <a:avLst/>
+            <a:gdLst/>
+            <a:ahLst/>
+            <a:cxnLst/>
+            <a:rect l="l" t="t" r="r" b="b"/>
             <a:pathLst>
-              <a:path extrusionOk="0" h="120000" w="120000">
+              <a:path w="120000" h="120000" extrusionOk="0">
                 <a:moveTo>
                   <a:pt x="0" y="0"/>
                 </a:moveTo>
@@ -965,9 +996,11 @@
       <p:sp>
         <p:nvSpPr>
           <p:cNvPr id="131" name="Google Shape;131;g8b3bf016ec_0_88:notes"/>
-          <p:cNvSpPr txBox="1"/>
+          <p:cNvSpPr txBox="1">
+            <a:spLocks noGrp="1"/>
+          </p:cNvSpPr>
           <p:nvPr>
-            <p:ph idx="1" type="body"/>
+            <p:ph type="body" idx="1"/>
           </p:nvPr>
         </p:nvSpPr>
         <p:spPr>
@@ -980,23 +1013,20 @@
           </a:prstGeom>
         </p:spPr>
         <p:txBody>
-          <a:bodyPr anchorCtr="0" anchor="t" bIns="91425" lIns="91425" spcFirstLastPara="1" rIns="91425" wrap="square" tIns="91425">
+          <a:bodyPr spcFirstLastPara="1" wrap="square" lIns="91425" tIns="91425" rIns="91425" bIns="91425" anchor="t" anchorCtr="0">
             <a:noAutofit/>
           </a:bodyPr>
           <a:lstStyle/>
           <a:p>
-            <a:pPr indent="0" lvl="0" marL="0" rtl="0" algn="l">
-              <a:spcBef>
-                <a:spcPts val="0"/>
-              </a:spcBef>
-              <a:spcAft>
-                <a:spcPts val="0"/>
-              </a:spcAft>
-              <a:buNone/>
-            </a:pPr>
-            <a:r>
-              <a:t/>
-            </a:r>
+            <a:pPr marL="0" lvl="0" indent="0" algn="l" rtl="0">
+              <a:spcBef>
+                <a:spcPts val="0"/>
+              </a:spcBef>
+              <a:spcAft>
+                <a:spcPts val="0"/>
+              </a:spcAft>
+              <a:buNone/>
+            </a:pPr>
             <a:endParaRPr/>
           </a:p>
         </p:txBody>
@@ -1010,11 +1040,11 @@
 </file>
 
 <file path=ppt/notesSlides/notesSlide12.xml><?xml version="1.0" encoding="utf-8"?>
-<p:notes xmlns:a="http://schemas.openxmlformats.org/drawingml/2006/main" xmlns:r="http://schemas.openxmlformats.org/officeDocument/2006/relationships" xmlns:mc="http://schemas.openxmlformats.org/markup-compatibility/2006" xmlns:mv="urn:schemas-microsoft-com:mac:vml" xmlns:p="http://schemas.openxmlformats.org/presentationml/2006/main" xmlns:c="http://schemas.openxmlformats.org/drawingml/2006/chart" xmlns:dgm="http://schemas.openxmlformats.org/drawingml/2006/diagram" xmlns:o="urn:schemas-microsoft-com:office:office" xmlns:v="urn:schemas-microsoft-com:vml" xmlns:pvml="urn:schemas-microsoft-com:office:powerpoint" xmlns:com="http://schemas.openxmlformats.org/drawingml/2006/compatibility" xmlns:p14="http://schemas.microsoft.com/office/powerpoint/2010/main" xmlns:p15="http://schemas.microsoft.com/office/powerpoint/2012/main" showMasterPhAnim="0" showMasterSp="0">
+<p:notes xmlns:a="http://schemas.openxmlformats.org/drawingml/2006/main" xmlns:r="http://schemas.openxmlformats.org/officeDocument/2006/relationships" xmlns:p="http://schemas.openxmlformats.org/presentationml/2006/main" showMasterSp="0" showMasterPhAnim="0">
   <p:cSld>
     <p:spTree>
       <p:nvGrpSpPr>
-        <p:cNvPr id="135" name="Shape 135"/>
+        <p:cNvPr id="1" name="Shape 135"/>
         <p:cNvGrpSpPr/>
         <p:nvPr/>
       </p:nvGrpSpPr>
@@ -1029,9 +1059,11 @@
       <p:sp>
         <p:nvSpPr>
           <p:cNvPr id="136" name="Google Shape;136;g8d6f541822_0_31:notes"/>
-          <p:cNvSpPr/>
+          <p:cNvSpPr>
+            <a:spLocks noGrp="1" noRot="1" noChangeAspect="1"/>
+          </p:cNvSpPr>
           <p:nvPr>
-            <p:ph idx="2" type="sldImg"/>
+            <p:ph type="sldImg" idx="2"/>
           </p:nvPr>
         </p:nvSpPr>
         <p:spPr>
@@ -1040,9 +1072,13 @@
             <a:ext cx="6096000" cy="3429000"/>
           </a:xfrm>
           <a:custGeom>
-            <a:rect b="b" l="l" r="r" t="t"/>
+            <a:avLst/>
+            <a:gdLst/>
+            <a:ahLst/>
+            <a:cxnLst/>
+            <a:rect l="l" t="t" r="r" b="b"/>
             <a:pathLst>
-              <a:path extrusionOk="0" h="120000" w="120000">
+              <a:path w="120000" h="120000" extrusionOk="0">
                 <a:moveTo>
                   <a:pt x="0" y="0"/>
                 </a:moveTo>
@@ -1064,9 +1100,11 @@
       <p:sp>
         <p:nvSpPr>
           <p:cNvPr id="137" name="Google Shape;137;g8d6f541822_0_31:notes"/>
-          <p:cNvSpPr txBox="1"/>
+          <p:cNvSpPr txBox="1">
+            <a:spLocks noGrp="1"/>
+          </p:cNvSpPr>
           <p:nvPr>
-            <p:ph idx="1" type="body"/>
+            <p:ph type="body" idx="1"/>
           </p:nvPr>
         </p:nvSpPr>
         <p:spPr>
@@ -1079,23 +1117,20 @@
           </a:prstGeom>
         </p:spPr>
         <p:txBody>
-          <a:bodyPr anchorCtr="0" anchor="t" bIns="91425" lIns="91425" spcFirstLastPara="1" rIns="91425" wrap="square" tIns="91425">
+          <a:bodyPr spcFirstLastPara="1" wrap="square" lIns="91425" tIns="91425" rIns="91425" bIns="91425" anchor="t" anchorCtr="0">
             <a:noAutofit/>
           </a:bodyPr>
           <a:lstStyle/>
           <a:p>
-            <a:pPr indent="0" lvl="0" marL="0" rtl="0" algn="l">
-              <a:spcBef>
-                <a:spcPts val="0"/>
-              </a:spcBef>
-              <a:spcAft>
-                <a:spcPts val="0"/>
-              </a:spcAft>
-              <a:buNone/>
-            </a:pPr>
-            <a:r>
-              <a:t/>
-            </a:r>
+            <a:pPr marL="0" lvl="0" indent="0" algn="l" rtl="0">
+              <a:spcBef>
+                <a:spcPts val="0"/>
+              </a:spcBef>
+              <a:spcAft>
+                <a:spcPts val="0"/>
+              </a:spcAft>
+              <a:buNone/>
+            </a:pPr>
             <a:endParaRPr/>
           </a:p>
         </p:txBody>
@@ -1109,11 +1144,11 @@
 </file>
 
 <file path=ppt/notesSlides/notesSlide13.xml><?xml version="1.0" encoding="utf-8"?>
-<p:notes xmlns:a="http://schemas.openxmlformats.org/drawingml/2006/main" xmlns:r="http://schemas.openxmlformats.org/officeDocument/2006/relationships" xmlns:mc="http://schemas.openxmlformats.org/markup-compatibility/2006" xmlns:mv="urn:schemas-microsoft-com:mac:vml" xmlns:p="http://schemas.openxmlformats.org/presentationml/2006/main" xmlns:c="http://schemas.openxmlformats.org/drawingml/2006/chart" xmlns:dgm="http://schemas.openxmlformats.org/drawingml/2006/diagram" xmlns:o="urn:schemas-microsoft-com:office:office" xmlns:v="urn:schemas-microsoft-com:vml" xmlns:pvml="urn:schemas-microsoft-com:office:powerpoint" xmlns:com="http://schemas.openxmlformats.org/drawingml/2006/compatibility" xmlns:p14="http://schemas.microsoft.com/office/powerpoint/2010/main" xmlns:p15="http://schemas.microsoft.com/office/powerpoint/2012/main" showMasterPhAnim="0" showMasterSp="0">
+<p:notes xmlns:a="http://schemas.openxmlformats.org/drawingml/2006/main" xmlns:r="http://schemas.openxmlformats.org/officeDocument/2006/relationships" xmlns:p="http://schemas.openxmlformats.org/presentationml/2006/main" showMasterSp="0" showMasterPhAnim="0">
   <p:cSld>
     <p:spTree>
       <p:nvGrpSpPr>
-        <p:cNvPr id="141" name="Shape 141"/>
+        <p:cNvPr id="1" name="Shape 141"/>
         <p:cNvGrpSpPr/>
         <p:nvPr/>
       </p:nvGrpSpPr>
@@ -1128,9 +1163,11 @@
       <p:sp>
         <p:nvSpPr>
           <p:cNvPr id="142" name="Google Shape;142;g8d6f541822_0_38:notes"/>
-          <p:cNvSpPr/>
+          <p:cNvSpPr>
+            <a:spLocks noGrp="1" noRot="1" noChangeAspect="1"/>
+          </p:cNvSpPr>
           <p:nvPr>
-            <p:ph idx="2" type="sldImg"/>
+            <p:ph type="sldImg" idx="2"/>
           </p:nvPr>
         </p:nvSpPr>
         <p:spPr>
@@ -1139,9 +1176,13 @@
             <a:ext cx="6096000" cy="3429000"/>
           </a:xfrm>
           <a:custGeom>
-            <a:rect b="b" l="l" r="r" t="t"/>
+            <a:avLst/>
+            <a:gdLst/>
+            <a:ahLst/>
+            <a:cxnLst/>
+            <a:rect l="l" t="t" r="r" b="b"/>
             <a:pathLst>
-              <a:path extrusionOk="0" h="120000" w="120000">
+              <a:path w="120000" h="120000" extrusionOk="0">
                 <a:moveTo>
                   <a:pt x="0" y="0"/>
                 </a:moveTo>
@@ -1163,9 +1204,11 @@
       <p:sp>
         <p:nvSpPr>
           <p:cNvPr id="143" name="Google Shape;143;g8d6f541822_0_38:notes"/>
-          <p:cNvSpPr txBox="1"/>
+          <p:cNvSpPr txBox="1">
+            <a:spLocks noGrp="1"/>
+          </p:cNvSpPr>
           <p:nvPr>
-            <p:ph idx="1" type="body"/>
+            <p:ph type="body" idx="1"/>
           </p:nvPr>
         </p:nvSpPr>
         <p:spPr>
@@ -1178,23 +1221,20 @@
           </a:prstGeom>
         </p:spPr>
         <p:txBody>
-          <a:bodyPr anchorCtr="0" anchor="t" bIns="91425" lIns="91425" spcFirstLastPara="1" rIns="91425" wrap="square" tIns="91425">
+          <a:bodyPr spcFirstLastPara="1" wrap="square" lIns="91425" tIns="91425" rIns="91425" bIns="91425" anchor="t" anchorCtr="0">
             <a:noAutofit/>
           </a:bodyPr>
           <a:lstStyle/>
           <a:p>
-            <a:pPr indent="0" lvl="0" marL="0" rtl="0" algn="l">
-              <a:spcBef>
-                <a:spcPts val="0"/>
-              </a:spcBef>
-              <a:spcAft>
-                <a:spcPts val="0"/>
-              </a:spcAft>
-              <a:buNone/>
-            </a:pPr>
-            <a:r>
-              <a:t/>
-            </a:r>
+            <a:pPr marL="0" lvl="0" indent="0" algn="l" rtl="0">
+              <a:spcBef>
+                <a:spcPts val="0"/>
+              </a:spcBef>
+              <a:spcAft>
+                <a:spcPts val="0"/>
+              </a:spcAft>
+              <a:buNone/>
+            </a:pPr>
             <a:endParaRPr/>
           </a:p>
         </p:txBody>
@@ -1208,11 +1248,11 @@
 </file>
 
 <file path=ppt/notesSlides/notesSlide14.xml><?xml version="1.0" encoding="utf-8"?>
-<p:notes xmlns:a="http://schemas.openxmlformats.org/drawingml/2006/main" xmlns:r="http://schemas.openxmlformats.org/officeDocument/2006/relationships" xmlns:mc="http://schemas.openxmlformats.org/markup-compatibility/2006" xmlns:mv="urn:schemas-microsoft-com:mac:vml" xmlns:p="http://schemas.openxmlformats.org/presentationml/2006/main" xmlns:c="http://schemas.openxmlformats.org/drawingml/2006/chart" xmlns:dgm="http://schemas.openxmlformats.org/drawingml/2006/diagram" xmlns:o="urn:schemas-microsoft-com:office:office" xmlns:v="urn:schemas-microsoft-com:vml" xmlns:pvml="urn:schemas-microsoft-com:office:powerpoint" xmlns:com="http://schemas.openxmlformats.org/drawingml/2006/compatibility" xmlns:p14="http://schemas.microsoft.com/office/powerpoint/2010/main" xmlns:p15="http://schemas.microsoft.com/office/powerpoint/2012/main" showMasterPhAnim="0" showMasterSp="0">
+<p:notes xmlns:a="http://schemas.openxmlformats.org/drawingml/2006/main" xmlns:r="http://schemas.openxmlformats.org/officeDocument/2006/relationships" xmlns:p="http://schemas.openxmlformats.org/presentationml/2006/main" showMasterSp="0" showMasterPhAnim="0">
   <p:cSld>
     <p:spTree>
       <p:nvGrpSpPr>
-        <p:cNvPr id="147" name="Shape 147"/>
+        <p:cNvPr id="1" name="Shape 147"/>
         <p:cNvGrpSpPr/>
         <p:nvPr/>
       </p:nvGrpSpPr>
@@ -1227,9 +1267,11 @@
       <p:sp>
         <p:nvSpPr>
           <p:cNvPr id="148" name="Google Shape;148;g8d6f541822_0_43:notes"/>
-          <p:cNvSpPr/>
+          <p:cNvSpPr>
+            <a:spLocks noGrp="1" noRot="1" noChangeAspect="1"/>
+          </p:cNvSpPr>
           <p:nvPr>
-            <p:ph idx="2" type="sldImg"/>
+            <p:ph type="sldImg" idx="2"/>
           </p:nvPr>
         </p:nvSpPr>
         <p:spPr>
@@ -1238,9 +1280,13 @@
             <a:ext cx="6096000" cy="3429000"/>
           </a:xfrm>
           <a:custGeom>
-            <a:rect b="b" l="l" r="r" t="t"/>
+            <a:avLst/>
+            <a:gdLst/>
+            <a:ahLst/>
+            <a:cxnLst/>
+            <a:rect l="l" t="t" r="r" b="b"/>
             <a:pathLst>
-              <a:path extrusionOk="0" h="120000" w="120000">
+              <a:path w="120000" h="120000" extrusionOk="0">
                 <a:moveTo>
                   <a:pt x="0" y="0"/>
                 </a:moveTo>
@@ -1262,9 +1308,11 @@
       <p:sp>
         <p:nvSpPr>
           <p:cNvPr id="149" name="Google Shape;149;g8d6f541822_0_43:notes"/>
-          <p:cNvSpPr txBox="1"/>
+          <p:cNvSpPr txBox="1">
+            <a:spLocks noGrp="1"/>
+          </p:cNvSpPr>
           <p:nvPr>
-            <p:ph idx="1" type="body"/>
+            <p:ph type="body" idx="1"/>
           </p:nvPr>
         </p:nvSpPr>
         <p:spPr>
@@ -1277,23 +1325,20 @@
           </a:prstGeom>
         </p:spPr>
         <p:txBody>
-          <a:bodyPr anchorCtr="0" anchor="t" bIns="91425" lIns="91425" spcFirstLastPara="1" rIns="91425" wrap="square" tIns="91425">
+          <a:bodyPr spcFirstLastPara="1" wrap="square" lIns="91425" tIns="91425" rIns="91425" bIns="91425" anchor="t" anchorCtr="0">
             <a:noAutofit/>
           </a:bodyPr>
           <a:lstStyle/>
           <a:p>
-            <a:pPr indent="0" lvl="0" marL="0" rtl="0" algn="l">
-              <a:spcBef>
-                <a:spcPts val="0"/>
-              </a:spcBef>
-              <a:spcAft>
-                <a:spcPts val="0"/>
-              </a:spcAft>
-              <a:buNone/>
-            </a:pPr>
-            <a:r>
-              <a:t/>
-            </a:r>
+            <a:pPr marL="0" lvl="0" indent="0" algn="l" rtl="0">
+              <a:spcBef>
+                <a:spcPts val="0"/>
+              </a:spcBef>
+              <a:spcAft>
+                <a:spcPts val="0"/>
+              </a:spcAft>
+              <a:buNone/>
+            </a:pPr>
             <a:endParaRPr/>
           </a:p>
         </p:txBody>
@@ -1307,11 +1352,11 @@
 </file>
 
 <file path=ppt/notesSlides/notesSlide15.xml><?xml version="1.0" encoding="utf-8"?>
-<p:notes xmlns:a="http://schemas.openxmlformats.org/drawingml/2006/main" xmlns:r="http://schemas.openxmlformats.org/officeDocument/2006/relationships" xmlns:mc="http://schemas.openxmlformats.org/markup-compatibility/2006" xmlns:mv="urn:schemas-microsoft-com:mac:vml" xmlns:p="http://schemas.openxmlformats.org/presentationml/2006/main" xmlns:c="http://schemas.openxmlformats.org/drawingml/2006/chart" xmlns:dgm="http://schemas.openxmlformats.org/drawingml/2006/diagram" xmlns:o="urn:schemas-microsoft-com:office:office" xmlns:v="urn:schemas-microsoft-com:vml" xmlns:pvml="urn:schemas-microsoft-com:office:powerpoint" xmlns:com="http://schemas.openxmlformats.org/drawingml/2006/compatibility" xmlns:p14="http://schemas.microsoft.com/office/powerpoint/2010/main" xmlns:p15="http://schemas.microsoft.com/office/powerpoint/2012/main" showMasterPhAnim="0" showMasterSp="0">
+<p:notes xmlns:a="http://schemas.openxmlformats.org/drawingml/2006/main" xmlns:r="http://schemas.openxmlformats.org/officeDocument/2006/relationships" xmlns:p="http://schemas.openxmlformats.org/presentationml/2006/main" showMasterSp="0" showMasterPhAnim="0">
   <p:cSld>
     <p:spTree>
       <p:nvGrpSpPr>
-        <p:cNvPr id="153" name="Shape 153"/>
+        <p:cNvPr id="1" name="Shape 153"/>
         <p:cNvGrpSpPr/>
         <p:nvPr/>
       </p:nvGrpSpPr>
@@ -1326,9 +1371,11 @@
       <p:sp>
         <p:nvSpPr>
           <p:cNvPr id="154" name="Google Shape;154;g8d6f541822_0_48:notes"/>
-          <p:cNvSpPr/>
+          <p:cNvSpPr>
+            <a:spLocks noGrp="1" noRot="1" noChangeAspect="1"/>
+          </p:cNvSpPr>
           <p:nvPr>
-            <p:ph idx="2" type="sldImg"/>
+            <p:ph type="sldImg" idx="2"/>
           </p:nvPr>
         </p:nvSpPr>
         <p:spPr>
@@ -1337,9 +1384,13 @@
             <a:ext cx="6096000" cy="3429000"/>
           </a:xfrm>
           <a:custGeom>
-            <a:rect b="b" l="l" r="r" t="t"/>
+            <a:avLst/>
+            <a:gdLst/>
+            <a:ahLst/>
+            <a:cxnLst/>
+            <a:rect l="l" t="t" r="r" b="b"/>
             <a:pathLst>
-              <a:path extrusionOk="0" h="120000" w="120000">
+              <a:path w="120000" h="120000" extrusionOk="0">
                 <a:moveTo>
                   <a:pt x="0" y="0"/>
                 </a:moveTo>
@@ -1361,9 +1412,11 @@
       <p:sp>
         <p:nvSpPr>
           <p:cNvPr id="155" name="Google Shape;155;g8d6f541822_0_48:notes"/>
-          <p:cNvSpPr txBox="1"/>
+          <p:cNvSpPr txBox="1">
+            <a:spLocks noGrp="1"/>
+          </p:cNvSpPr>
           <p:nvPr>
-            <p:ph idx="1" type="body"/>
+            <p:ph type="body" idx="1"/>
           </p:nvPr>
         </p:nvSpPr>
         <p:spPr>
@@ -1376,23 +1429,20 @@
           </a:prstGeom>
         </p:spPr>
         <p:txBody>
-          <a:bodyPr anchorCtr="0" anchor="t" bIns="91425" lIns="91425" spcFirstLastPara="1" rIns="91425" wrap="square" tIns="91425">
+          <a:bodyPr spcFirstLastPara="1" wrap="square" lIns="91425" tIns="91425" rIns="91425" bIns="91425" anchor="t" anchorCtr="0">
             <a:noAutofit/>
           </a:bodyPr>
           <a:lstStyle/>
           <a:p>
-            <a:pPr indent="0" lvl="0" marL="0" rtl="0" algn="l">
-              <a:spcBef>
-                <a:spcPts val="0"/>
-              </a:spcBef>
-              <a:spcAft>
-                <a:spcPts val="0"/>
-              </a:spcAft>
-              <a:buNone/>
-            </a:pPr>
-            <a:r>
-              <a:t/>
-            </a:r>
+            <a:pPr marL="0" lvl="0" indent="0" algn="l" rtl="0">
+              <a:spcBef>
+                <a:spcPts val="0"/>
+              </a:spcBef>
+              <a:spcAft>
+                <a:spcPts val="0"/>
+              </a:spcAft>
+              <a:buNone/>
+            </a:pPr>
             <a:endParaRPr/>
           </a:p>
         </p:txBody>
@@ -1406,11 +1456,11 @@
 </file>
 
 <file path=ppt/notesSlides/notesSlide16.xml><?xml version="1.0" encoding="utf-8"?>
-<p:notes xmlns:a="http://schemas.openxmlformats.org/drawingml/2006/main" xmlns:r="http://schemas.openxmlformats.org/officeDocument/2006/relationships" xmlns:mc="http://schemas.openxmlformats.org/markup-compatibility/2006" xmlns:mv="urn:schemas-microsoft-com:mac:vml" xmlns:p="http://schemas.openxmlformats.org/presentationml/2006/main" xmlns:c="http://schemas.openxmlformats.org/drawingml/2006/chart" xmlns:dgm="http://schemas.openxmlformats.org/drawingml/2006/diagram" xmlns:o="urn:schemas-microsoft-com:office:office" xmlns:v="urn:schemas-microsoft-com:vml" xmlns:pvml="urn:schemas-microsoft-com:office:powerpoint" xmlns:com="http://schemas.openxmlformats.org/drawingml/2006/compatibility" xmlns:p14="http://schemas.microsoft.com/office/powerpoint/2010/main" xmlns:p15="http://schemas.microsoft.com/office/powerpoint/2012/main" showMasterPhAnim="0" showMasterSp="0">
+<p:notes xmlns:a="http://schemas.openxmlformats.org/drawingml/2006/main" xmlns:r="http://schemas.openxmlformats.org/officeDocument/2006/relationships" xmlns:p="http://schemas.openxmlformats.org/presentationml/2006/main" showMasterSp="0" showMasterPhAnim="0">
   <p:cSld>
     <p:spTree>
       <p:nvGrpSpPr>
-        <p:cNvPr id="160" name="Shape 160"/>
+        <p:cNvPr id="1" name="Shape 160"/>
         <p:cNvGrpSpPr/>
         <p:nvPr/>
       </p:nvGrpSpPr>
@@ -1425,9 +1475,11 @@
       <p:sp>
         <p:nvSpPr>
           <p:cNvPr id="161" name="Google Shape;161;g8d6f541822_0_55:notes"/>
-          <p:cNvSpPr/>
+          <p:cNvSpPr>
+            <a:spLocks noGrp="1" noRot="1" noChangeAspect="1"/>
+          </p:cNvSpPr>
           <p:nvPr>
-            <p:ph idx="2" type="sldImg"/>
+            <p:ph type="sldImg" idx="2"/>
           </p:nvPr>
         </p:nvSpPr>
         <p:spPr>
@@ -1436,9 +1488,13 @@
             <a:ext cx="6096000" cy="3429000"/>
           </a:xfrm>
           <a:custGeom>
-            <a:rect b="b" l="l" r="r" t="t"/>
+            <a:avLst/>
+            <a:gdLst/>
+            <a:ahLst/>
+            <a:cxnLst/>
+            <a:rect l="l" t="t" r="r" b="b"/>
             <a:pathLst>
-              <a:path extrusionOk="0" h="120000" w="120000">
+              <a:path w="120000" h="120000" extrusionOk="0">
                 <a:moveTo>
                   <a:pt x="0" y="0"/>
                 </a:moveTo>
@@ -1460,9 +1516,11 @@
       <p:sp>
         <p:nvSpPr>
           <p:cNvPr id="162" name="Google Shape;162;g8d6f541822_0_55:notes"/>
-          <p:cNvSpPr txBox="1"/>
+          <p:cNvSpPr txBox="1">
+            <a:spLocks noGrp="1"/>
+          </p:cNvSpPr>
           <p:nvPr>
-            <p:ph idx="1" type="body"/>
+            <p:ph type="body" idx="1"/>
           </p:nvPr>
         </p:nvSpPr>
         <p:spPr>
@@ -1475,23 +1533,20 @@
           </a:prstGeom>
         </p:spPr>
         <p:txBody>
-          <a:bodyPr anchorCtr="0" anchor="t" bIns="91425" lIns="91425" spcFirstLastPara="1" rIns="91425" wrap="square" tIns="91425">
+          <a:bodyPr spcFirstLastPara="1" wrap="square" lIns="91425" tIns="91425" rIns="91425" bIns="91425" anchor="t" anchorCtr="0">
             <a:noAutofit/>
           </a:bodyPr>
           <a:lstStyle/>
           <a:p>
-            <a:pPr indent="0" lvl="0" marL="0" rtl="0" algn="l">
-              <a:spcBef>
-                <a:spcPts val="0"/>
-              </a:spcBef>
-              <a:spcAft>
-                <a:spcPts val="0"/>
-              </a:spcAft>
-              <a:buNone/>
-            </a:pPr>
-            <a:r>
-              <a:t/>
-            </a:r>
+            <a:pPr marL="0" lvl="0" indent="0" algn="l" rtl="0">
+              <a:spcBef>
+                <a:spcPts val="0"/>
+              </a:spcBef>
+              <a:spcAft>
+                <a:spcPts val="0"/>
+              </a:spcAft>
+              <a:buNone/>
+            </a:pPr>
             <a:endParaRPr/>
           </a:p>
         </p:txBody>
@@ -1505,11 +1560,11 @@
 </file>
 
 <file path=ppt/notesSlides/notesSlide17.xml><?xml version="1.0" encoding="utf-8"?>
-<p:notes xmlns:a="http://schemas.openxmlformats.org/drawingml/2006/main" xmlns:r="http://schemas.openxmlformats.org/officeDocument/2006/relationships" xmlns:mc="http://schemas.openxmlformats.org/markup-compatibility/2006" xmlns:mv="urn:schemas-microsoft-com:mac:vml" xmlns:p="http://schemas.openxmlformats.org/presentationml/2006/main" xmlns:c="http://schemas.openxmlformats.org/drawingml/2006/chart" xmlns:dgm="http://schemas.openxmlformats.org/drawingml/2006/diagram" xmlns:o="urn:schemas-microsoft-com:office:office" xmlns:v="urn:schemas-microsoft-com:vml" xmlns:pvml="urn:schemas-microsoft-com:office:powerpoint" xmlns:com="http://schemas.openxmlformats.org/drawingml/2006/compatibility" xmlns:p14="http://schemas.microsoft.com/office/powerpoint/2010/main" xmlns:p15="http://schemas.microsoft.com/office/powerpoint/2012/main" showMasterPhAnim="0" showMasterSp="0">
+<p:notes xmlns:a="http://schemas.openxmlformats.org/drawingml/2006/main" xmlns:r="http://schemas.openxmlformats.org/officeDocument/2006/relationships" xmlns:p="http://schemas.openxmlformats.org/presentationml/2006/main" showMasterSp="0" showMasterPhAnim="0">
   <p:cSld>
     <p:spTree>
       <p:nvGrpSpPr>
-        <p:cNvPr id="166" name="Shape 166"/>
+        <p:cNvPr id="1" name="Shape 166"/>
         <p:cNvGrpSpPr/>
         <p:nvPr/>
       </p:nvGrpSpPr>
@@ -1524,9 +1579,11 @@
       <p:sp>
         <p:nvSpPr>
           <p:cNvPr id="167" name="Google Shape;167;g8d6f541822_0_60:notes"/>
-          <p:cNvSpPr/>
+          <p:cNvSpPr>
+            <a:spLocks noGrp="1" noRot="1" noChangeAspect="1"/>
+          </p:cNvSpPr>
           <p:nvPr>
-            <p:ph idx="2" type="sldImg"/>
+            <p:ph type="sldImg" idx="2"/>
           </p:nvPr>
         </p:nvSpPr>
         <p:spPr>
@@ -1535,9 +1592,13 @@
             <a:ext cx="6096000" cy="3429000"/>
           </a:xfrm>
           <a:custGeom>
-            <a:rect b="b" l="l" r="r" t="t"/>
+            <a:avLst/>
+            <a:gdLst/>
+            <a:ahLst/>
+            <a:cxnLst/>
+            <a:rect l="l" t="t" r="r" b="b"/>
             <a:pathLst>
-              <a:path extrusionOk="0" h="120000" w="120000">
+              <a:path w="120000" h="120000" extrusionOk="0">
                 <a:moveTo>
                   <a:pt x="0" y="0"/>
                 </a:moveTo>
@@ -1559,9 +1620,11 @@
       <p:sp>
         <p:nvSpPr>
           <p:cNvPr id="168" name="Google Shape;168;g8d6f541822_0_60:notes"/>
-          <p:cNvSpPr txBox="1"/>
+          <p:cNvSpPr txBox="1">
+            <a:spLocks noGrp="1"/>
+          </p:cNvSpPr>
           <p:nvPr>
-            <p:ph idx="1" type="body"/>
+            <p:ph type="body" idx="1"/>
           </p:nvPr>
         </p:nvSpPr>
         <p:spPr>
@@ -1574,23 +1637,20 @@
           </a:prstGeom>
         </p:spPr>
         <p:txBody>
-          <a:bodyPr anchorCtr="0" anchor="t" bIns="91425" lIns="91425" spcFirstLastPara="1" rIns="91425" wrap="square" tIns="91425">
+          <a:bodyPr spcFirstLastPara="1" wrap="square" lIns="91425" tIns="91425" rIns="91425" bIns="91425" anchor="t" anchorCtr="0">
             <a:noAutofit/>
           </a:bodyPr>
           <a:lstStyle/>
           <a:p>
-            <a:pPr indent="0" lvl="0" marL="0" rtl="0" algn="l">
-              <a:spcBef>
-                <a:spcPts val="0"/>
-              </a:spcBef>
-              <a:spcAft>
-                <a:spcPts val="0"/>
-              </a:spcAft>
-              <a:buNone/>
-            </a:pPr>
-            <a:r>
-              <a:t/>
-            </a:r>
+            <a:pPr marL="0" lvl="0" indent="0" algn="l" rtl="0">
+              <a:spcBef>
+                <a:spcPts val="0"/>
+              </a:spcBef>
+              <a:spcAft>
+                <a:spcPts val="0"/>
+              </a:spcAft>
+              <a:buNone/>
+            </a:pPr>
             <a:endParaRPr/>
           </a:p>
         </p:txBody>
@@ -1604,11 +1664,11 @@
 </file>
 
 <file path=ppt/notesSlides/notesSlide18.xml><?xml version="1.0" encoding="utf-8"?>
-<p:notes xmlns:a="http://schemas.openxmlformats.org/drawingml/2006/main" xmlns:r="http://schemas.openxmlformats.org/officeDocument/2006/relationships" xmlns:mc="http://schemas.openxmlformats.org/markup-compatibility/2006" xmlns:mv="urn:schemas-microsoft-com:mac:vml" xmlns:p="http://schemas.openxmlformats.org/presentationml/2006/main" xmlns:c="http://schemas.openxmlformats.org/drawingml/2006/chart" xmlns:dgm="http://schemas.openxmlformats.org/drawingml/2006/diagram" xmlns:o="urn:schemas-microsoft-com:office:office" xmlns:v="urn:schemas-microsoft-com:vml" xmlns:pvml="urn:schemas-microsoft-com:office:powerpoint" xmlns:com="http://schemas.openxmlformats.org/drawingml/2006/compatibility" xmlns:p14="http://schemas.microsoft.com/office/powerpoint/2010/main" xmlns:p15="http://schemas.microsoft.com/office/powerpoint/2012/main" showMasterPhAnim="0" showMasterSp="0">
+<p:notes xmlns:a="http://schemas.openxmlformats.org/drawingml/2006/main" xmlns:r="http://schemas.openxmlformats.org/officeDocument/2006/relationships" xmlns:p="http://schemas.openxmlformats.org/presentationml/2006/main" showMasterSp="0" showMasterPhAnim="0">
   <p:cSld>
     <p:spTree>
       <p:nvGrpSpPr>
-        <p:cNvPr id="173" name="Shape 173"/>
+        <p:cNvPr id="1" name="Shape 173"/>
         <p:cNvGrpSpPr/>
         <p:nvPr/>
       </p:nvGrpSpPr>
@@ -1623,9 +1683,11 @@
       <p:sp>
         <p:nvSpPr>
           <p:cNvPr id="174" name="Google Shape;174;g8b3bf016ec_0_93:notes"/>
-          <p:cNvSpPr/>
+          <p:cNvSpPr>
+            <a:spLocks noGrp="1" noRot="1" noChangeAspect="1"/>
+          </p:cNvSpPr>
           <p:nvPr>
-            <p:ph idx="2" type="sldImg"/>
+            <p:ph type="sldImg" idx="2"/>
           </p:nvPr>
         </p:nvSpPr>
         <p:spPr>
@@ -1634,9 +1696,13 @@
             <a:ext cx="6096000" cy="3429000"/>
           </a:xfrm>
           <a:custGeom>
-            <a:rect b="b" l="l" r="r" t="t"/>
+            <a:avLst/>
+            <a:gdLst/>
+            <a:ahLst/>
+            <a:cxnLst/>
+            <a:rect l="l" t="t" r="r" b="b"/>
             <a:pathLst>
-              <a:path extrusionOk="0" h="120000" w="120000">
+              <a:path w="120000" h="120000" extrusionOk="0">
                 <a:moveTo>
                   <a:pt x="0" y="0"/>
                 </a:moveTo>
@@ -1658,9 +1724,11 @@
       <p:sp>
         <p:nvSpPr>
           <p:cNvPr id="175" name="Google Shape;175;g8b3bf016ec_0_93:notes"/>
-          <p:cNvSpPr txBox="1"/>
+          <p:cNvSpPr txBox="1">
+            <a:spLocks noGrp="1"/>
+          </p:cNvSpPr>
           <p:nvPr>
-            <p:ph idx="1" type="body"/>
+            <p:ph type="body" idx="1"/>
           </p:nvPr>
         </p:nvSpPr>
         <p:spPr>
@@ -1673,23 +1741,20 @@
           </a:prstGeom>
         </p:spPr>
         <p:txBody>
-          <a:bodyPr anchorCtr="0" anchor="t" bIns="91425" lIns="91425" spcFirstLastPara="1" rIns="91425" wrap="square" tIns="91425">
+          <a:bodyPr spcFirstLastPara="1" wrap="square" lIns="91425" tIns="91425" rIns="91425" bIns="91425" anchor="t" anchorCtr="0">
             <a:noAutofit/>
           </a:bodyPr>
           <a:lstStyle/>
           <a:p>
-            <a:pPr indent="0" lvl="0" marL="0" rtl="0" algn="l">
-              <a:spcBef>
-                <a:spcPts val="0"/>
-              </a:spcBef>
-              <a:spcAft>
-                <a:spcPts val="0"/>
-              </a:spcAft>
-              <a:buNone/>
-            </a:pPr>
-            <a:r>
-              <a:t/>
-            </a:r>
+            <a:pPr marL="0" lvl="0" indent="0" algn="l" rtl="0">
+              <a:spcBef>
+                <a:spcPts val="0"/>
+              </a:spcBef>
+              <a:spcAft>
+                <a:spcPts val="0"/>
+              </a:spcAft>
+              <a:buNone/>
+            </a:pPr>
             <a:endParaRPr/>
           </a:p>
         </p:txBody>
@@ -1703,11 +1768,11 @@
 </file>
 
 <file path=ppt/notesSlides/notesSlide2.xml><?xml version="1.0" encoding="utf-8"?>
-<p:notes xmlns:a="http://schemas.openxmlformats.org/drawingml/2006/main" xmlns:r="http://schemas.openxmlformats.org/officeDocument/2006/relationships" xmlns:mc="http://schemas.openxmlformats.org/markup-compatibility/2006" xmlns:mv="urn:schemas-microsoft-com:mac:vml" xmlns:p="http://schemas.openxmlformats.org/presentationml/2006/main" xmlns:c="http://schemas.openxmlformats.org/drawingml/2006/chart" xmlns:dgm="http://schemas.openxmlformats.org/drawingml/2006/diagram" xmlns:o="urn:schemas-microsoft-com:office:office" xmlns:v="urn:schemas-microsoft-com:vml" xmlns:pvml="urn:schemas-microsoft-com:office:powerpoint" xmlns:com="http://schemas.openxmlformats.org/drawingml/2006/compatibility" xmlns:p14="http://schemas.microsoft.com/office/powerpoint/2010/main" xmlns:p15="http://schemas.microsoft.com/office/powerpoint/2012/main" showMasterPhAnim="0" showMasterSp="0">
+<p:notes xmlns:a="http://schemas.openxmlformats.org/drawingml/2006/main" xmlns:r="http://schemas.openxmlformats.org/officeDocument/2006/relationships" xmlns:p="http://schemas.openxmlformats.org/presentationml/2006/main" showMasterSp="0" showMasterPhAnim="0">
   <p:cSld>
     <p:spTree>
       <p:nvGrpSpPr>
-        <p:cNvPr id="69" name="Shape 69"/>
+        <p:cNvPr id="1" name="Shape 69"/>
         <p:cNvGrpSpPr/>
         <p:nvPr/>
       </p:nvGrpSpPr>
@@ -1722,9 +1787,11 @@
       <p:sp>
         <p:nvSpPr>
           <p:cNvPr id="70" name="Google Shape;70;g8b3bf016ec_0_58:notes"/>
-          <p:cNvSpPr/>
+          <p:cNvSpPr>
+            <a:spLocks noGrp="1" noRot="1" noChangeAspect="1"/>
+          </p:cNvSpPr>
           <p:nvPr>
-            <p:ph idx="2" type="sldImg"/>
+            <p:ph type="sldImg" idx="2"/>
           </p:nvPr>
         </p:nvSpPr>
         <p:spPr>
@@ -1733,9 +1800,13 @@
             <a:ext cx="6096000" cy="3429000"/>
           </a:xfrm>
           <a:custGeom>
-            <a:rect b="b" l="l" r="r" t="t"/>
+            <a:avLst/>
+            <a:gdLst/>
+            <a:ahLst/>
+            <a:cxnLst/>
+            <a:rect l="l" t="t" r="r" b="b"/>
             <a:pathLst>
-              <a:path extrusionOk="0" h="120000" w="120000">
+              <a:path w="120000" h="120000" extrusionOk="0">
                 <a:moveTo>
                   <a:pt x="0" y="0"/>
                 </a:moveTo>
@@ -1757,9 +1828,11 @@
       <p:sp>
         <p:nvSpPr>
           <p:cNvPr id="71" name="Google Shape;71;g8b3bf016ec_0_58:notes"/>
-          <p:cNvSpPr txBox="1"/>
+          <p:cNvSpPr txBox="1">
+            <a:spLocks noGrp="1"/>
+          </p:cNvSpPr>
           <p:nvPr>
-            <p:ph idx="1" type="body"/>
+            <p:ph type="body" idx="1"/>
           </p:nvPr>
         </p:nvSpPr>
         <p:spPr>
@@ -1772,23 +1845,20 @@
           </a:prstGeom>
         </p:spPr>
         <p:txBody>
-          <a:bodyPr anchorCtr="0" anchor="t" bIns="91425" lIns="91425" spcFirstLastPara="1" rIns="91425" wrap="square" tIns="91425">
+          <a:bodyPr spcFirstLastPara="1" wrap="square" lIns="91425" tIns="91425" rIns="91425" bIns="91425" anchor="t" anchorCtr="0">
             <a:noAutofit/>
           </a:bodyPr>
           <a:lstStyle/>
           <a:p>
-            <a:pPr indent="0" lvl="0" marL="0" rtl="0" algn="l">
-              <a:spcBef>
-                <a:spcPts val="0"/>
-              </a:spcBef>
-              <a:spcAft>
-                <a:spcPts val="0"/>
-              </a:spcAft>
-              <a:buNone/>
-            </a:pPr>
-            <a:r>
-              <a:t/>
-            </a:r>
+            <a:pPr marL="0" lvl="0" indent="0" algn="l" rtl="0">
+              <a:spcBef>
+                <a:spcPts val="0"/>
+              </a:spcBef>
+              <a:spcAft>
+                <a:spcPts val="0"/>
+              </a:spcAft>
+              <a:buNone/>
+            </a:pPr>
             <a:endParaRPr/>
           </a:p>
         </p:txBody>
@@ -1802,11 +1872,11 @@
 </file>
 
 <file path=ppt/notesSlides/notesSlide3.xml><?xml version="1.0" encoding="utf-8"?>
-<p:notes xmlns:a="http://schemas.openxmlformats.org/drawingml/2006/main" xmlns:r="http://schemas.openxmlformats.org/officeDocument/2006/relationships" xmlns:mc="http://schemas.openxmlformats.org/markup-compatibility/2006" xmlns:mv="urn:schemas-microsoft-com:mac:vml" xmlns:p="http://schemas.openxmlformats.org/presentationml/2006/main" xmlns:c="http://schemas.openxmlformats.org/drawingml/2006/chart" xmlns:dgm="http://schemas.openxmlformats.org/drawingml/2006/diagram" xmlns:o="urn:schemas-microsoft-com:office:office" xmlns:v="urn:schemas-microsoft-com:vml" xmlns:pvml="urn:schemas-microsoft-com:office:powerpoint" xmlns:com="http://schemas.openxmlformats.org/drawingml/2006/compatibility" xmlns:p14="http://schemas.microsoft.com/office/powerpoint/2010/main" xmlns:p15="http://schemas.microsoft.com/office/powerpoint/2012/main" showMasterPhAnim="0" showMasterSp="0">
+<p:notes xmlns:a="http://schemas.openxmlformats.org/drawingml/2006/main" xmlns:r="http://schemas.openxmlformats.org/officeDocument/2006/relationships" xmlns:p="http://schemas.openxmlformats.org/presentationml/2006/main" showMasterSp="0" showMasterPhAnim="0">
   <p:cSld>
     <p:spTree>
       <p:nvGrpSpPr>
-        <p:cNvPr id="75" name="Shape 75"/>
+        <p:cNvPr id="1" name="Shape 75"/>
         <p:cNvGrpSpPr/>
         <p:nvPr/>
       </p:nvGrpSpPr>
@@ -1821,9 +1891,11 @@
       <p:sp>
         <p:nvSpPr>
           <p:cNvPr id="76" name="Google Shape;76;g8d6f541822_0_1:notes"/>
-          <p:cNvSpPr/>
+          <p:cNvSpPr>
+            <a:spLocks noGrp="1" noRot="1" noChangeAspect="1"/>
+          </p:cNvSpPr>
           <p:nvPr>
-            <p:ph idx="2" type="sldImg"/>
+            <p:ph type="sldImg" idx="2"/>
           </p:nvPr>
         </p:nvSpPr>
         <p:spPr>
@@ -1832,9 +1904,13 @@
             <a:ext cx="6096000" cy="3429000"/>
           </a:xfrm>
           <a:custGeom>
-            <a:rect b="b" l="l" r="r" t="t"/>
+            <a:avLst/>
+            <a:gdLst/>
+            <a:ahLst/>
+            <a:cxnLst/>
+            <a:rect l="l" t="t" r="r" b="b"/>
             <a:pathLst>
-              <a:path extrusionOk="0" h="120000" w="120000">
+              <a:path w="120000" h="120000" extrusionOk="0">
                 <a:moveTo>
                   <a:pt x="0" y="0"/>
                 </a:moveTo>
@@ -1856,9 +1932,11 @@
       <p:sp>
         <p:nvSpPr>
           <p:cNvPr id="77" name="Google Shape;77;g8d6f541822_0_1:notes"/>
-          <p:cNvSpPr txBox="1"/>
+          <p:cNvSpPr txBox="1">
+            <a:spLocks noGrp="1"/>
+          </p:cNvSpPr>
           <p:nvPr>
-            <p:ph idx="1" type="body"/>
+            <p:ph type="body" idx="1"/>
           </p:nvPr>
         </p:nvSpPr>
         <p:spPr>
@@ -1871,23 +1949,20 @@
           </a:prstGeom>
         </p:spPr>
         <p:txBody>
-          <a:bodyPr anchorCtr="0" anchor="t" bIns="91425" lIns="91425" spcFirstLastPara="1" rIns="91425" wrap="square" tIns="91425">
+          <a:bodyPr spcFirstLastPara="1" wrap="square" lIns="91425" tIns="91425" rIns="91425" bIns="91425" anchor="t" anchorCtr="0">
             <a:noAutofit/>
           </a:bodyPr>
           <a:lstStyle/>
           <a:p>
-            <a:pPr indent="0" lvl="0" marL="0" rtl="0" algn="l">
-              <a:spcBef>
-                <a:spcPts val="0"/>
-              </a:spcBef>
-              <a:spcAft>
-                <a:spcPts val="0"/>
-              </a:spcAft>
-              <a:buNone/>
-            </a:pPr>
-            <a:r>
-              <a:t/>
-            </a:r>
+            <a:pPr marL="0" lvl="0" indent="0" algn="l" rtl="0">
+              <a:spcBef>
+                <a:spcPts val="0"/>
+              </a:spcBef>
+              <a:spcAft>
+                <a:spcPts val="0"/>
+              </a:spcAft>
+              <a:buNone/>
+            </a:pPr>
             <a:endParaRPr/>
           </a:p>
         </p:txBody>
@@ -1901,11 +1976,11 @@
 </file>
 
 <file path=ppt/notesSlides/notesSlide4.xml><?xml version="1.0" encoding="utf-8"?>
-<p:notes xmlns:a="http://schemas.openxmlformats.org/drawingml/2006/main" xmlns:r="http://schemas.openxmlformats.org/officeDocument/2006/relationships" xmlns:mc="http://schemas.openxmlformats.org/markup-compatibility/2006" xmlns:mv="urn:schemas-microsoft-com:mac:vml" xmlns:p="http://schemas.openxmlformats.org/presentationml/2006/main" xmlns:c="http://schemas.openxmlformats.org/drawingml/2006/chart" xmlns:dgm="http://schemas.openxmlformats.org/drawingml/2006/diagram" xmlns:o="urn:schemas-microsoft-com:office:office" xmlns:v="urn:schemas-microsoft-com:vml" xmlns:pvml="urn:schemas-microsoft-com:office:powerpoint" xmlns:com="http://schemas.openxmlformats.org/drawingml/2006/compatibility" xmlns:p14="http://schemas.microsoft.com/office/powerpoint/2010/main" xmlns:p15="http://schemas.microsoft.com/office/powerpoint/2012/main" showMasterPhAnim="0" showMasterSp="0">
+<p:notes xmlns:a="http://schemas.openxmlformats.org/drawingml/2006/main" xmlns:r="http://schemas.openxmlformats.org/officeDocument/2006/relationships" xmlns:p="http://schemas.openxmlformats.org/presentationml/2006/main" showMasterSp="0" showMasterPhAnim="0">
   <p:cSld>
     <p:spTree>
       <p:nvGrpSpPr>
-        <p:cNvPr id="82" name="Shape 82"/>
+        <p:cNvPr id="1" name="Shape 82"/>
         <p:cNvGrpSpPr/>
         <p:nvPr/>
       </p:nvGrpSpPr>
@@ -1920,20 +1995,26 @@
       <p:sp>
         <p:nvSpPr>
           <p:cNvPr id="83" name="Google Shape;83;g8d6f541822_0_7:notes"/>
-          <p:cNvSpPr/>
+          <p:cNvSpPr>
+            <a:spLocks noGrp="1" noRot="1" noChangeAspect="1"/>
+          </p:cNvSpPr>
           <p:nvPr>
-            <p:ph idx="2" type="sldImg"/>
+            <p:ph type="sldImg" idx="2"/>
           </p:nvPr>
         </p:nvSpPr>
         <p:spPr>
           <a:xfrm>
-            <a:off x="381300" y="685800"/>
+            <a:off x="381000" y="685800"/>
             <a:ext cx="6096000" cy="3429000"/>
           </a:xfrm>
           <a:custGeom>
-            <a:rect b="b" l="l" r="r" t="t"/>
+            <a:avLst/>
+            <a:gdLst/>
+            <a:ahLst/>
+            <a:cxnLst/>
+            <a:rect l="l" t="t" r="r" b="b"/>
             <a:pathLst>
-              <a:path extrusionOk="0" h="120000" w="120000">
+              <a:path w="120000" h="120000" extrusionOk="0">
                 <a:moveTo>
                   <a:pt x="0" y="0"/>
                 </a:moveTo>
@@ -1955,9 +2036,11 @@
       <p:sp>
         <p:nvSpPr>
           <p:cNvPr id="84" name="Google Shape;84;g8d6f541822_0_7:notes"/>
-          <p:cNvSpPr txBox="1"/>
+          <p:cNvSpPr txBox="1">
+            <a:spLocks noGrp="1"/>
+          </p:cNvSpPr>
           <p:nvPr>
-            <p:ph idx="1" type="body"/>
+            <p:ph type="body" idx="1"/>
           </p:nvPr>
         </p:nvSpPr>
         <p:spPr>
@@ -1970,23 +2053,20 @@
           </a:prstGeom>
         </p:spPr>
         <p:txBody>
-          <a:bodyPr anchorCtr="0" anchor="t" bIns="91425" lIns="91425" spcFirstLastPara="1" rIns="91425" wrap="square" tIns="91425">
+          <a:bodyPr spcFirstLastPara="1" wrap="square" lIns="91425" tIns="91425" rIns="91425" bIns="91425" anchor="t" anchorCtr="0">
             <a:noAutofit/>
           </a:bodyPr>
           <a:lstStyle/>
           <a:p>
-            <a:pPr indent="0" lvl="0" marL="0" rtl="0" algn="l">
-              <a:spcBef>
-                <a:spcPts val="0"/>
-              </a:spcBef>
-              <a:spcAft>
-                <a:spcPts val="0"/>
-              </a:spcAft>
-              <a:buNone/>
-            </a:pPr>
-            <a:r>
-              <a:t/>
-            </a:r>
+            <a:pPr marL="0" lvl="0" indent="0" algn="l" rtl="0">
+              <a:spcBef>
+                <a:spcPts val="0"/>
+              </a:spcBef>
+              <a:spcAft>
+                <a:spcPts val="0"/>
+              </a:spcAft>
+              <a:buNone/>
+            </a:pPr>
             <a:endParaRPr/>
           </a:p>
         </p:txBody>
@@ -2000,11 +2080,11 @@
 </file>
 
 <file path=ppt/notesSlides/notesSlide5.xml><?xml version="1.0" encoding="utf-8"?>
-<p:notes xmlns:a="http://schemas.openxmlformats.org/drawingml/2006/main" xmlns:r="http://schemas.openxmlformats.org/officeDocument/2006/relationships" xmlns:mc="http://schemas.openxmlformats.org/markup-compatibility/2006" xmlns:mv="urn:schemas-microsoft-com:mac:vml" xmlns:p="http://schemas.openxmlformats.org/presentationml/2006/main" xmlns:c="http://schemas.openxmlformats.org/drawingml/2006/chart" xmlns:dgm="http://schemas.openxmlformats.org/drawingml/2006/diagram" xmlns:o="urn:schemas-microsoft-com:office:office" xmlns:v="urn:schemas-microsoft-com:vml" xmlns:pvml="urn:schemas-microsoft-com:office:powerpoint" xmlns:com="http://schemas.openxmlformats.org/drawingml/2006/compatibility" xmlns:p14="http://schemas.microsoft.com/office/powerpoint/2010/main" xmlns:p15="http://schemas.microsoft.com/office/powerpoint/2012/main" showMasterPhAnim="0" showMasterSp="0">
+<p:notes xmlns:a="http://schemas.openxmlformats.org/drawingml/2006/main" xmlns:r="http://schemas.openxmlformats.org/officeDocument/2006/relationships" xmlns:p="http://schemas.openxmlformats.org/presentationml/2006/main" showMasterSp="0" showMasterPhAnim="0">
   <p:cSld>
     <p:spTree>
       <p:nvGrpSpPr>
-        <p:cNvPr id="88" name="Shape 88"/>
+        <p:cNvPr id="1" name="Shape 88"/>
         <p:cNvGrpSpPr/>
         <p:nvPr/>
       </p:nvGrpSpPr>
@@ -2019,9 +2099,11 @@
       <p:sp>
         <p:nvSpPr>
           <p:cNvPr id="89" name="Google Shape;89;g8b3bf016ec_0_63:notes"/>
-          <p:cNvSpPr/>
+          <p:cNvSpPr>
+            <a:spLocks noGrp="1" noRot="1" noChangeAspect="1"/>
+          </p:cNvSpPr>
           <p:nvPr>
-            <p:ph idx="2" type="sldImg"/>
+            <p:ph type="sldImg" idx="2"/>
           </p:nvPr>
         </p:nvSpPr>
         <p:spPr>
@@ -2030,9 +2112,13 @@
             <a:ext cx="6096000" cy="3429000"/>
           </a:xfrm>
           <a:custGeom>
-            <a:rect b="b" l="l" r="r" t="t"/>
+            <a:avLst/>
+            <a:gdLst/>
+            <a:ahLst/>
+            <a:cxnLst/>
+            <a:rect l="l" t="t" r="r" b="b"/>
             <a:pathLst>
-              <a:path extrusionOk="0" h="120000" w="120000">
+              <a:path w="120000" h="120000" extrusionOk="0">
                 <a:moveTo>
                   <a:pt x="0" y="0"/>
                 </a:moveTo>
@@ -2054,9 +2140,11 @@
       <p:sp>
         <p:nvSpPr>
           <p:cNvPr id="90" name="Google Shape;90;g8b3bf016ec_0_63:notes"/>
-          <p:cNvSpPr txBox="1"/>
+          <p:cNvSpPr txBox="1">
+            <a:spLocks noGrp="1"/>
+          </p:cNvSpPr>
           <p:nvPr>
-            <p:ph idx="1" type="body"/>
+            <p:ph type="body" idx="1"/>
           </p:nvPr>
         </p:nvSpPr>
         <p:spPr>
@@ -2069,23 +2157,20 @@
           </a:prstGeom>
         </p:spPr>
         <p:txBody>
-          <a:bodyPr anchorCtr="0" anchor="t" bIns="91425" lIns="91425" spcFirstLastPara="1" rIns="91425" wrap="square" tIns="91425">
+          <a:bodyPr spcFirstLastPara="1" wrap="square" lIns="91425" tIns="91425" rIns="91425" bIns="91425" anchor="t" anchorCtr="0">
             <a:noAutofit/>
           </a:bodyPr>
           <a:lstStyle/>
           <a:p>
-            <a:pPr indent="0" lvl="0" marL="0" rtl="0" algn="l">
-              <a:spcBef>
-                <a:spcPts val="0"/>
-              </a:spcBef>
-              <a:spcAft>
-                <a:spcPts val="0"/>
-              </a:spcAft>
-              <a:buNone/>
-            </a:pPr>
-            <a:r>
-              <a:t/>
-            </a:r>
+            <a:pPr marL="0" lvl="0" indent="0" algn="l" rtl="0">
+              <a:spcBef>
+                <a:spcPts val="0"/>
+              </a:spcBef>
+              <a:spcAft>
+                <a:spcPts val="0"/>
+              </a:spcAft>
+              <a:buNone/>
+            </a:pPr>
             <a:endParaRPr/>
           </a:p>
         </p:txBody>
@@ -2099,11 +2184,11 @@
 </file>
 
 <file path=ppt/notesSlides/notesSlide6.xml><?xml version="1.0" encoding="utf-8"?>
-<p:notes xmlns:a="http://schemas.openxmlformats.org/drawingml/2006/main" xmlns:r="http://schemas.openxmlformats.org/officeDocument/2006/relationships" xmlns:mc="http://schemas.openxmlformats.org/markup-compatibility/2006" xmlns:mv="urn:schemas-microsoft-com:mac:vml" xmlns:p="http://schemas.openxmlformats.org/presentationml/2006/main" xmlns:c="http://schemas.openxmlformats.org/drawingml/2006/chart" xmlns:dgm="http://schemas.openxmlformats.org/drawingml/2006/diagram" xmlns:o="urn:schemas-microsoft-com:office:office" xmlns:v="urn:schemas-microsoft-com:vml" xmlns:pvml="urn:schemas-microsoft-com:office:powerpoint" xmlns:com="http://schemas.openxmlformats.org/drawingml/2006/compatibility" xmlns:p14="http://schemas.microsoft.com/office/powerpoint/2010/main" xmlns:p15="http://schemas.microsoft.com/office/powerpoint/2012/main" showMasterPhAnim="0" showMasterSp="0">
+<p:notes xmlns:a="http://schemas.openxmlformats.org/drawingml/2006/main" xmlns:r="http://schemas.openxmlformats.org/officeDocument/2006/relationships" xmlns:p="http://schemas.openxmlformats.org/presentationml/2006/main" showMasterSp="0" showMasterPhAnim="0">
   <p:cSld>
     <p:spTree>
       <p:nvGrpSpPr>
-        <p:cNvPr id="95" name="Shape 95"/>
+        <p:cNvPr id="1" name="Shape 95"/>
         <p:cNvGrpSpPr/>
         <p:nvPr/>
       </p:nvGrpSpPr>
@@ -2118,20 +2203,26 @@
       <p:sp>
         <p:nvSpPr>
           <p:cNvPr id="96" name="Google Shape;96;g8b3bf016ec_0_68:notes"/>
-          <p:cNvSpPr/>
+          <p:cNvSpPr>
+            <a:spLocks noGrp="1" noRot="1" noChangeAspect="1"/>
+          </p:cNvSpPr>
           <p:nvPr>
-            <p:ph idx="2" type="sldImg"/>
+            <p:ph type="sldImg" idx="2"/>
           </p:nvPr>
         </p:nvSpPr>
         <p:spPr>
           <a:xfrm>
-            <a:off x="381300" y="685800"/>
+            <a:off x="381000" y="685800"/>
             <a:ext cx="6096000" cy="3429000"/>
           </a:xfrm>
           <a:custGeom>
-            <a:rect b="b" l="l" r="r" t="t"/>
+            <a:avLst/>
+            <a:gdLst/>
+            <a:ahLst/>
+            <a:cxnLst/>
+            <a:rect l="l" t="t" r="r" b="b"/>
             <a:pathLst>
-              <a:path extrusionOk="0" h="120000" w="120000">
+              <a:path w="120000" h="120000" extrusionOk="0">
                 <a:moveTo>
                   <a:pt x="0" y="0"/>
                 </a:moveTo>
@@ -2153,9 +2244,11 @@
       <p:sp>
         <p:nvSpPr>
           <p:cNvPr id="97" name="Google Shape;97;g8b3bf016ec_0_68:notes"/>
-          <p:cNvSpPr txBox="1"/>
+          <p:cNvSpPr txBox="1">
+            <a:spLocks noGrp="1"/>
+          </p:cNvSpPr>
           <p:nvPr>
-            <p:ph idx="1" type="body"/>
+            <p:ph type="body" idx="1"/>
           </p:nvPr>
         </p:nvSpPr>
         <p:spPr>
@@ -2168,23 +2261,20 @@
           </a:prstGeom>
         </p:spPr>
         <p:txBody>
-          <a:bodyPr anchorCtr="0" anchor="t" bIns="91425" lIns="91425" spcFirstLastPara="1" rIns="91425" wrap="square" tIns="91425">
+          <a:bodyPr spcFirstLastPara="1" wrap="square" lIns="91425" tIns="91425" rIns="91425" bIns="91425" anchor="t" anchorCtr="0">
             <a:noAutofit/>
           </a:bodyPr>
           <a:lstStyle/>
           <a:p>
-            <a:pPr indent="0" lvl="0" marL="0" rtl="0" algn="l">
-              <a:spcBef>
-                <a:spcPts val="0"/>
-              </a:spcBef>
-              <a:spcAft>
-                <a:spcPts val="0"/>
-              </a:spcAft>
-              <a:buNone/>
-            </a:pPr>
-            <a:r>
-              <a:t/>
-            </a:r>
+            <a:pPr marL="0" lvl="0" indent="0" algn="l" rtl="0">
+              <a:spcBef>
+                <a:spcPts val="0"/>
+              </a:spcBef>
+              <a:spcAft>
+                <a:spcPts val="0"/>
+              </a:spcAft>
+              <a:buNone/>
+            </a:pPr>
             <a:endParaRPr/>
           </a:p>
         </p:txBody>
@@ -2198,11 +2288,11 @@
 </file>
 
 <file path=ppt/notesSlides/notesSlide7.xml><?xml version="1.0" encoding="utf-8"?>
-<p:notes xmlns:a="http://schemas.openxmlformats.org/drawingml/2006/main" xmlns:r="http://schemas.openxmlformats.org/officeDocument/2006/relationships" xmlns:mc="http://schemas.openxmlformats.org/markup-compatibility/2006" xmlns:mv="urn:schemas-microsoft-com:mac:vml" xmlns:p="http://schemas.openxmlformats.org/presentationml/2006/main" xmlns:c="http://schemas.openxmlformats.org/drawingml/2006/chart" xmlns:dgm="http://schemas.openxmlformats.org/drawingml/2006/diagram" xmlns:o="urn:schemas-microsoft-com:office:office" xmlns:v="urn:schemas-microsoft-com:vml" xmlns:pvml="urn:schemas-microsoft-com:office:powerpoint" xmlns:com="http://schemas.openxmlformats.org/drawingml/2006/compatibility" xmlns:p14="http://schemas.microsoft.com/office/powerpoint/2010/main" xmlns:p15="http://schemas.microsoft.com/office/powerpoint/2012/main" showMasterPhAnim="0" showMasterSp="0">
+<p:notes xmlns:a="http://schemas.openxmlformats.org/drawingml/2006/main" xmlns:r="http://schemas.openxmlformats.org/officeDocument/2006/relationships" xmlns:p="http://schemas.openxmlformats.org/presentationml/2006/main" showMasterSp="0" showMasterPhAnim="0">
   <p:cSld>
     <p:spTree>
       <p:nvGrpSpPr>
-        <p:cNvPr id="101" name="Shape 101"/>
+        <p:cNvPr id="1" name="Shape 101"/>
         <p:cNvGrpSpPr/>
         <p:nvPr/>
       </p:nvGrpSpPr>
@@ -2217,9 +2307,11 @@
       <p:sp>
         <p:nvSpPr>
           <p:cNvPr id="102" name="Google Shape;102;g8b3bf016ec_0_73:notes"/>
-          <p:cNvSpPr/>
+          <p:cNvSpPr>
+            <a:spLocks noGrp="1" noRot="1" noChangeAspect="1"/>
+          </p:cNvSpPr>
           <p:nvPr>
-            <p:ph idx="2" type="sldImg"/>
+            <p:ph type="sldImg" idx="2"/>
           </p:nvPr>
         </p:nvSpPr>
         <p:spPr>
@@ -2228,9 +2320,13 @@
             <a:ext cx="6096000" cy="3429000"/>
           </a:xfrm>
           <a:custGeom>
-            <a:rect b="b" l="l" r="r" t="t"/>
+            <a:avLst/>
+            <a:gdLst/>
+            <a:ahLst/>
+            <a:cxnLst/>
+            <a:rect l="l" t="t" r="r" b="b"/>
             <a:pathLst>
-              <a:path extrusionOk="0" h="120000" w="120000">
+              <a:path w="120000" h="120000" extrusionOk="0">
                 <a:moveTo>
                   <a:pt x="0" y="0"/>
                 </a:moveTo>
@@ -2252,9 +2348,11 @@
       <p:sp>
         <p:nvSpPr>
           <p:cNvPr id="103" name="Google Shape;103;g8b3bf016ec_0_73:notes"/>
-          <p:cNvSpPr txBox="1"/>
+          <p:cNvSpPr txBox="1">
+            <a:spLocks noGrp="1"/>
+          </p:cNvSpPr>
           <p:nvPr>
-            <p:ph idx="1" type="body"/>
+            <p:ph type="body" idx="1"/>
           </p:nvPr>
         </p:nvSpPr>
         <p:spPr>
@@ -2267,23 +2365,20 @@
           </a:prstGeom>
         </p:spPr>
         <p:txBody>
-          <a:bodyPr anchorCtr="0" anchor="t" bIns="91425" lIns="91425" spcFirstLastPara="1" rIns="91425" wrap="square" tIns="91425">
+          <a:bodyPr spcFirstLastPara="1" wrap="square" lIns="91425" tIns="91425" rIns="91425" bIns="91425" anchor="t" anchorCtr="0">
             <a:noAutofit/>
           </a:bodyPr>
           <a:lstStyle/>
           <a:p>
-            <a:pPr indent="0" lvl="0" marL="0" rtl="0" algn="l">
-              <a:spcBef>
-                <a:spcPts val="0"/>
-              </a:spcBef>
-              <a:spcAft>
-                <a:spcPts val="0"/>
-              </a:spcAft>
-              <a:buNone/>
-            </a:pPr>
-            <a:r>
-              <a:t/>
-            </a:r>
+            <a:pPr marL="0" lvl="0" indent="0" algn="l" rtl="0">
+              <a:spcBef>
+                <a:spcPts val="0"/>
+              </a:spcBef>
+              <a:spcAft>
+                <a:spcPts val="0"/>
+              </a:spcAft>
+              <a:buNone/>
+            </a:pPr>
             <a:endParaRPr/>
           </a:p>
         </p:txBody>
@@ -2297,11 +2392,11 @@
 </file>
 
 <file path=ppt/notesSlides/notesSlide8.xml><?xml version="1.0" encoding="utf-8"?>
-<p:notes xmlns:a="http://schemas.openxmlformats.org/drawingml/2006/main" xmlns:r="http://schemas.openxmlformats.org/officeDocument/2006/relationships" xmlns:mc="http://schemas.openxmlformats.org/markup-compatibility/2006" xmlns:mv="urn:schemas-microsoft-com:mac:vml" xmlns:p="http://schemas.openxmlformats.org/presentationml/2006/main" xmlns:c="http://schemas.openxmlformats.org/drawingml/2006/chart" xmlns:dgm="http://schemas.openxmlformats.org/drawingml/2006/diagram" xmlns:o="urn:schemas-microsoft-com:office:office" xmlns:v="urn:schemas-microsoft-com:vml" xmlns:pvml="urn:schemas-microsoft-com:office:powerpoint" xmlns:com="http://schemas.openxmlformats.org/drawingml/2006/compatibility" xmlns:p14="http://schemas.microsoft.com/office/powerpoint/2010/main" xmlns:p15="http://schemas.microsoft.com/office/powerpoint/2012/main" showMasterPhAnim="0" showMasterSp="0">
+<p:notes xmlns:a="http://schemas.openxmlformats.org/drawingml/2006/main" xmlns:r="http://schemas.openxmlformats.org/officeDocument/2006/relationships" xmlns:p="http://schemas.openxmlformats.org/presentationml/2006/main" showMasterSp="0" showMasterPhAnim="0">
   <p:cSld>
     <p:spTree>
       <p:nvGrpSpPr>
-        <p:cNvPr id="107" name="Shape 107"/>
+        <p:cNvPr id="1" name="Shape 107"/>
         <p:cNvGrpSpPr/>
         <p:nvPr/>
       </p:nvGrpSpPr>
@@ -2316,9 +2411,11 @@
       <p:sp>
         <p:nvSpPr>
           <p:cNvPr id="108" name="Google Shape;108;g8b3bf016ec_0_78:notes"/>
-          <p:cNvSpPr/>
+          <p:cNvSpPr>
+            <a:spLocks noGrp="1" noRot="1" noChangeAspect="1"/>
+          </p:cNvSpPr>
           <p:nvPr>
-            <p:ph idx="2" type="sldImg"/>
+            <p:ph type="sldImg" idx="2"/>
           </p:nvPr>
         </p:nvSpPr>
         <p:spPr>
@@ -2327,9 +2424,13 @@
             <a:ext cx="6096000" cy="3429000"/>
           </a:xfrm>
           <a:custGeom>
-            <a:rect b="b" l="l" r="r" t="t"/>
+            <a:avLst/>
+            <a:gdLst/>
+            <a:ahLst/>
+            <a:cxnLst/>
+            <a:rect l="l" t="t" r="r" b="b"/>
             <a:pathLst>
-              <a:path extrusionOk="0" h="120000" w="120000">
+              <a:path w="120000" h="120000" extrusionOk="0">
                 <a:moveTo>
                   <a:pt x="0" y="0"/>
                 </a:moveTo>
@@ -2351,9 +2452,11 @@
       <p:sp>
         <p:nvSpPr>
           <p:cNvPr id="109" name="Google Shape;109;g8b3bf016ec_0_78:notes"/>
-          <p:cNvSpPr txBox="1"/>
+          <p:cNvSpPr txBox="1">
+            <a:spLocks noGrp="1"/>
+          </p:cNvSpPr>
           <p:nvPr>
-            <p:ph idx="1" type="body"/>
+            <p:ph type="body" idx="1"/>
           </p:nvPr>
         </p:nvSpPr>
         <p:spPr>
@@ -2366,23 +2469,20 @@
           </a:prstGeom>
         </p:spPr>
         <p:txBody>
-          <a:bodyPr anchorCtr="0" anchor="t" bIns="91425" lIns="91425" spcFirstLastPara="1" rIns="91425" wrap="square" tIns="91425">
+          <a:bodyPr spcFirstLastPara="1" wrap="square" lIns="91425" tIns="91425" rIns="91425" bIns="91425" anchor="t" anchorCtr="0">
             <a:noAutofit/>
           </a:bodyPr>
           <a:lstStyle/>
           <a:p>
-            <a:pPr indent="0" lvl="0" marL="0" rtl="0" algn="l">
-              <a:spcBef>
-                <a:spcPts val="0"/>
-              </a:spcBef>
-              <a:spcAft>
-                <a:spcPts val="0"/>
-              </a:spcAft>
-              <a:buNone/>
-            </a:pPr>
-            <a:r>
-              <a:t/>
-            </a:r>
+            <a:pPr marL="0" lvl="0" indent="0" algn="l" rtl="0">
+              <a:spcBef>
+                <a:spcPts val="0"/>
+              </a:spcBef>
+              <a:spcAft>
+                <a:spcPts val="0"/>
+              </a:spcAft>
+              <a:buNone/>
+            </a:pPr>
             <a:endParaRPr/>
           </a:p>
         </p:txBody>
@@ -2396,11 +2496,11 @@
 </file>
 
 <file path=ppt/notesSlides/notesSlide9.xml><?xml version="1.0" encoding="utf-8"?>
-<p:notes xmlns:a="http://schemas.openxmlformats.org/drawingml/2006/main" xmlns:r="http://schemas.openxmlformats.org/officeDocument/2006/relationships" xmlns:mc="http://schemas.openxmlformats.org/markup-compatibility/2006" xmlns:mv="urn:schemas-microsoft-com:mac:vml" xmlns:p="http://schemas.openxmlformats.org/presentationml/2006/main" xmlns:c="http://schemas.openxmlformats.org/drawingml/2006/chart" xmlns:dgm="http://schemas.openxmlformats.org/drawingml/2006/diagram" xmlns:o="urn:schemas-microsoft-com:office:office" xmlns:v="urn:schemas-microsoft-com:vml" xmlns:pvml="urn:schemas-microsoft-com:office:powerpoint" xmlns:com="http://schemas.openxmlformats.org/drawingml/2006/compatibility" xmlns:p14="http://schemas.microsoft.com/office/powerpoint/2010/main" xmlns:p15="http://schemas.microsoft.com/office/powerpoint/2012/main" showMasterPhAnim="0" showMasterSp="0">
+<p:notes xmlns:a="http://schemas.openxmlformats.org/drawingml/2006/main" xmlns:r="http://schemas.openxmlformats.org/officeDocument/2006/relationships" xmlns:p="http://schemas.openxmlformats.org/presentationml/2006/main" showMasterSp="0" showMasterPhAnim="0">
   <p:cSld>
     <p:spTree>
       <p:nvGrpSpPr>
-        <p:cNvPr id="117" name="Shape 117"/>
+        <p:cNvPr id="1" name="Shape 117"/>
         <p:cNvGrpSpPr/>
         <p:nvPr/>
       </p:nvGrpSpPr>
@@ -2415,9 +2515,11 @@
       <p:sp>
         <p:nvSpPr>
           <p:cNvPr id="118" name="Google Shape;118;g8b3bf016ec_0_83:notes"/>
-          <p:cNvSpPr/>
+          <p:cNvSpPr>
+            <a:spLocks noGrp="1" noRot="1" noChangeAspect="1"/>
+          </p:cNvSpPr>
           <p:nvPr>
-            <p:ph idx="2" type="sldImg"/>
+            <p:ph type="sldImg" idx="2"/>
           </p:nvPr>
         </p:nvSpPr>
         <p:spPr>
@@ -2426,9 +2528,13 @@
             <a:ext cx="6096000" cy="3429000"/>
           </a:xfrm>
           <a:custGeom>
-            <a:rect b="b" l="l" r="r" t="t"/>
+            <a:avLst/>
+            <a:gdLst/>
+            <a:ahLst/>
+            <a:cxnLst/>
+            <a:rect l="l" t="t" r="r" b="b"/>
             <a:pathLst>
-              <a:path extrusionOk="0" h="120000" w="120000">
+              <a:path w="120000" h="120000" extrusionOk="0">
                 <a:moveTo>
                   <a:pt x="0" y="0"/>
                 </a:moveTo>
@@ -2450,9 +2556,11 @@
       <p:sp>
         <p:nvSpPr>
           <p:cNvPr id="119" name="Google Shape;119;g8b3bf016ec_0_83:notes"/>
-          <p:cNvSpPr txBox="1"/>
+          <p:cNvSpPr txBox="1">
+            <a:spLocks noGrp="1"/>
+          </p:cNvSpPr>
           <p:nvPr>
-            <p:ph idx="1" type="body"/>
+            <p:ph type="body" idx="1"/>
           </p:nvPr>
         </p:nvSpPr>
         <p:spPr>
@@ -2465,23 +2573,20 @@
           </a:prstGeom>
         </p:spPr>
         <p:txBody>
-          <a:bodyPr anchorCtr="0" anchor="t" bIns="91425" lIns="91425" spcFirstLastPara="1" rIns="91425" wrap="square" tIns="91425">
+          <a:bodyPr spcFirstLastPara="1" wrap="square" lIns="91425" tIns="91425" rIns="91425" bIns="91425" anchor="t" anchorCtr="0">
             <a:noAutofit/>
           </a:bodyPr>
           <a:lstStyle/>
           <a:p>
-            <a:pPr indent="0" lvl="0" marL="0" rtl="0" algn="l">
-              <a:spcBef>
-                <a:spcPts val="0"/>
-              </a:spcBef>
-              <a:spcAft>
-                <a:spcPts val="0"/>
-              </a:spcAft>
-              <a:buNone/>
-            </a:pPr>
-            <a:r>
-              <a:t/>
-            </a:r>
+            <a:pPr marL="0" lvl="0" indent="0" algn="l" rtl="0">
+              <a:spcBef>
+                <a:spcPts val="0"/>
+              </a:spcBef>
+              <a:spcAft>
+                <a:spcPts val="0"/>
+              </a:spcAft>
+              <a:buNone/>
+            </a:pPr>
             <a:endParaRPr/>
           </a:p>
         </p:txBody>
@@ -2495,11 +2600,11 @@
 </file>
 
 <file path=ppt/slideLayouts/slideLayout1.xml><?xml version="1.0" encoding="utf-8"?>
-<p:sldLayout xmlns:a="http://schemas.openxmlformats.org/drawingml/2006/main" xmlns:r="http://schemas.openxmlformats.org/officeDocument/2006/relationships" xmlns:mc="http://schemas.openxmlformats.org/markup-compatibility/2006" xmlns:mv="urn:schemas-microsoft-com:mac:vml" xmlns:p="http://schemas.openxmlformats.org/presentationml/2006/main" xmlns:c="http://schemas.openxmlformats.org/drawingml/2006/chart" xmlns:dgm="http://schemas.openxmlformats.org/drawingml/2006/diagram" xmlns:o="urn:schemas-microsoft-com:office:office" xmlns:v="urn:schemas-microsoft-com:vml" xmlns:pvml="urn:schemas-microsoft-com:office:powerpoint" xmlns:com="http://schemas.openxmlformats.org/drawingml/2006/compatibility" xmlns:p14="http://schemas.microsoft.com/office/powerpoint/2010/main" xmlns:p15="http://schemas.microsoft.com/office/powerpoint/2012/main" matchingName="Title slide" type="title">
+<p:sldLayout xmlns:a="http://schemas.openxmlformats.org/drawingml/2006/main" xmlns:r="http://schemas.openxmlformats.org/officeDocument/2006/relationships" xmlns:p="http://schemas.openxmlformats.org/presentationml/2006/main" matchingName="Title slide" type="title">
   <p:cSld name="TITLE">
     <p:spTree>
       <p:nvGrpSpPr>
-        <p:cNvPr id="9" name="Shape 9"/>
+        <p:cNvPr id="1" name="Shape 9"/>
         <p:cNvGrpSpPr/>
         <p:nvPr/>
       </p:nvGrpSpPr>
@@ -2533,23 +2638,20 @@
           </a:ln>
         </p:spPr>
         <p:txBody>
-          <a:bodyPr anchorCtr="0" anchor="ctr" bIns="91425" lIns="91425" spcFirstLastPara="1" rIns="91425" wrap="square" tIns="91425">
+          <a:bodyPr spcFirstLastPara="1" wrap="square" lIns="91425" tIns="91425" rIns="91425" bIns="91425" anchor="ctr" anchorCtr="0">
             <a:noAutofit/>
           </a:bodyPr>
           <a:lstStyle/>
           <a:p>
-            <a:pPr indent="0" lvl="0" marL="0" rtl="0" algn="l">
-              <a:spcBef>
-                <a:spcPts val="0"/>
-              </a:spcBef>
-              <a:spcAft>
-                <a:spcPts val="0"/>
-              </a:spcAft>
-              <a:buNone/>
-            </a:pPr>
-            <a:r>
-              <a:t/>
-            </a:r>
+            <a:pPr marL="0" lvl="0" indent="0" algn="l" rtl="0">
+              <a:spcBef>
+                <a:spcPts val="0"/>
+              </a:spcBef>
+              <a:spcAft>
+                <a:spcPts val="0"/>
+              </a:spcAft>
+              <a:buNone/>
+            </a:pPr>
             <a:endParaRPr/>
           </a:p>
         </p:txBody>
@@ -2567,7 +2669,7 @@
           </a:xfrm>
           <a:prstGeom prst="round1Rect">
             <a:avLst>
-              <a:gd fmla="val 16667" name="adj"/>
+              <a:gd name="adj" fmla="val 16667"/>
             </a:avLst>
           </a:prstGeom>
           <a:solidFill>
@@ -2580,23 +2682,20 @@
           </a:ln>
         </p:spPr>
         <p:txBody>
-          <a:bodyPr anchorCtr="0" anchor="ctr" bIns="91425" lIns="91425" spcFirstLastPara="1" rIns="91425" wrap="square" tIns="91425">
+          <a:bodyPr spcFirstLastPara="1" wrap="square" lIns="91425" tIns="91425" rIns="91425" bIns="91425" anchor="ctr" anchorCtr="0">
             <a:noAutofit/>
           </a:bodyPr>
           <a:lstStyle/>
           <a:p>
-            <a:pPr indent="0" lvl="0" marL="0" rtl="0" algn="l">
-              <a:spcBef>
-                <a:spcPts val="0"/>
-              </a:spcBef>
-              <a:spcAft>
-                <a:spcPts val="0"/>
-              </a:spcAft>
-              <a:buNone/>
-            </a:pPr>
-            <a:r>
-              <a:t/>
-            </a:r>
+            <a:pPr marL="0" lvl="0" indent="0" algn="l" rtl="0">
+              <a:spcBef>
+                <a:spcPts val="0"/>
+              </a:spcBef>
+              <a:spcAft>
+                <a:spcPts val="0"/>
+              </a:spcAft>
+              <a:buNone/>
+            </a:pPr>
             <a:endParaRPr/>
           </a:p>
         </p:txBody>
@@ -2604,7 +2703,9 @@
       <p:sp>
         <p:nvSpPr>
           <p:cNvPr id="12" name="Google Shape;12;p2"/>
-          <p:cNvSpPr txBox="1"/>
+          <p:cNvSpPr txBox="1">
+            <a:spLocks noGrp="1"/>
+          </p:cNvSpPr>
           <p:nvPr>
             <p:ph type="ctrTitle"/>
           </p:nvPr>
@@ -2619,7 +2720,7 @@
           </a:prstGeom>
         </p:spPr>
         <p:txBody>
-          <a:bodyPr anchorCtr="0" anchor="b" bIns="91425" lIns="91425" spcFirstLastPara="1" rIns="91425" wrap="square" tIns="91425">
+          <a:bodyPr spcFirstLastPara="1" wrap="square" lIns="91425" tIns="91425" rIns="91425" bIns="91425" anchor="b" anchorCtr="0">
             <a:noAutofit/>
           </a:bodyPr>
           <a:lstStyle>
@@ -2723,15 +2824,19 @@
               <a:defRPr sz="4800"/>
             </a:lvl9pPr>
           </a:lstStyle>
-          <a:p/>
+          <a:p>
+            <a:endParaRPr/>
+          </a:p>
         </p:txBody>
       </p:sp>
       <p:sp>
         <p:nvSpPr>
           <p:cNvPr id="13" name="Google Shape;13;p2"/>
-          <p:cNvSpPr txBox="1"/>
+          <p:cNvSpPr txBox="1">
+            <a:spLocks noGrp="1"/>
+          </p:cNvSpPr>
           <p:nvPr>
-            <p:ph idx="1" type="subTitle"/>
+            <p:ph type="subTitle" idx="1"/>
           </p:nvPr>
         </p:nvSpPr>
         <p:spPr>
@@ -2744,7 +2849,7 @@
           </a:prstGeom>
         </p:spPr>
         <p:txBody>
-          <a:bodyPr anchorCtr="0" anchor="t" bIns="91425" lIns="91425" spcFirstLastPara="1" rIns="91425" wrap="square" tIns="91425">
+          <a:bodyPr spcFirstLastPara="1" wrap="square" lIns="91425" tIns="91425" rIns="91425" bIns="91425" anchor="t" anchorCtr="0">
             <a:noAutofit/>
           </a:bodyPr>
           <a:lstStyle>
@@ -2938,15 +3043,19 @@
               </a:defRPr>
             </a:lvl9pPr>
           </a:lstStyle>
-          <a:p/>
+          <a:p>
+            <a:endParaRPr/>
+          </a:p>
         </p:txBody>
       </p:sp>
       <p:sp>
         <p:nvSpPr>
           <p:cNvPr id="14" name="Google Shape;14;p2"/>
-          <p:cNvSpPr txBox="1"/>
+          <p:cNvSpPr txBox="1">
+            <a:spLocks noGrp="1"/>
+          </p:cNvSpPr>
           <p:nvPr>
-            <p:ph idx="12" type="sldNum"/>
+            <p:ph type="sldNum" idx="12"/>
           </p:nvPr>
         </p:nvSpPr>
         <p:spPr>
@@ -2959,7 +3068,7 @@
           </a:prstGeom>
         </p:spPr>
         <p:txBody>
-          <a:bodyPr anchorCtr="0" anchor="ctr" bIns="91425" lIns="91425" spcFirstLastPara="1" rIns="91425" wrap="square" tIns="91425">
+          <a:bodyPr spcFirstLastPara="1" wrap="square" lIns="91425" tIns="91425" rIns="91425" bIns="91425" anchor="ctr" anchorCtr="0">
             <a:noAutofit/>
           </a:bodyPr>
           <a:lstStyle>
@@ -3001,7 +3110,7 @@
             </a:lvl9pPr>
           </a:lstStyle>
           <a:p>
-            <a:pPr indent="0" lvl="0" marL="0" rtl="0" algn="r">
+            <a:pPr marL="0" lvl="0" indent="0" algn="r" rtl="0">
               <a:spcBef>
                 <a:spcPts val="0"/>
               </a:spcBef>
@@ -3027,18 +3136,19 @@
 </file>
 
 <file path=ppt/slideLayouts/slideLayout10.xml><?xml version="1.0" encoding="utf-8"?>
-<p:sldLayout xmlns:a="http://schemas.openxmlformats.org/drawingml/2006/main" xmlns:r="http://schemas.openxmlformats.org/officeDocument/2006/relationships" xmlns:mc="http://schemas.openxmlformats.org/markup-compatibility/2006" xmlns:mv="urn:schemas-microsoft-com:mac:vml" xmlns:p="http://schemas.openxmlformats.org/presentationml/2006/main" xmlns:c="http://schemas.openxmlformats.org/drawingml/2006/chart" xmlns:dgm="http://schemas.openxmlformats.org/drawingml/2006/diagram" xmlns:o="urn:schemas-microsoft-com:office:office" xmlns:v="urn:schemas-microsoft-com:vml" xmlns:pvml="urn:schemas-microsoft-com:office:powerpoint" xmlns:com="http://schemas.openxmlformats.org/drawingml/2006/compatibility" xmlns:p14="http://schemas.microsoft.com/office/powerpoint/2010/main" xmlns:p15="http://schemas.microsoft.com/office/powerpoint/2012/main" matchingName="Big number">
+<p:sldLayout xmlns:a="http://schemas.openxmlformats.org/drawingml/2006/main" xmlns:r="http://schemas.openxmlformats.org/officeDocument/2006/relationships" xmlns:p="http://schemas.openxmlformats.org/presentationml/2006/main" matchingName="Big number">
   <p:cSld name="BIG_NUMBER">
     <p:bg>
       <p:bgPr>
         <a:solidFill>
           <a:schemeClr val="accent4"/>
         </a:solidFill>
+        <a:effectLst/>
       </p:bgPr>
     </p:bg>
     <p:spTree>
       <p:nvGrpSpPr>
-        <p:cNvPr id="57" name="Shape 57"/>
+        <p:cNvPr id="1" name="Shape 57"/>
         <p:cNvGrpSpPr/>
         <p:nvPr/>
       </p:nvGrpSpPr>
@@ -3053,9 +3163,11 @@
       <p:sp>
         <p:nvSpPr>
           <p:cNvPr id="58" name="Google Shape;58;p11"/>
-          <p:cNvSpPr txBox="1"/>
+          <p:cNvSpPr txBox="1">
+            <a:spLocks noGrp="1"/>
+          </p:cNvSpPr>
           <p:nvPr>
-            <p:ph hasCustomPrompt="1" type="title"/>
+            <p:ph type="title" hasCustomPrompt="1"/>
           </p:nvPr>
         </p:nvSpPr>
         <p:spPr>
@@ -3068,7 +3180,7 @@
           </a:prstGeom>
         </p:spPr>
         <p:txBody>
-          <a:bodyPr anchorCtr="0" anchor="b" bIns="91425" lIns="91425" spcFirstLastPara="1" rIns="91425" wrap="square" tIns="91425">
+          <a:bodyPr spcFirstLastPara="1" wrap="square" lIns="91425" tIns="91425" rIns="91425" bIns="91425" anchor="b" anchorCtr="0">
             <a:noAutofit/>
           </a:bodyPr>
           <a:lstStyle>
@@ -3245,9 +3357,11 @@
       <p:sp>
         <p:nvSpPr>
           <p:cNvPr id="59" name="Google Shape;59;p11"/>
-          <p:cNvSpPr txBox="1"/>
+          <p:cNvSpPr txBox="1">
+            <a:spLocks noGrp="1"/>
+          </p:cNvSpPr>
           <p:nvPr>
-            <p:ph idx="1" type="body"/>
+            <p:ph type="body" idx="1"/>
           </p:nvPr>
         </p:nvSpPr>
         <p:spPr>
@@ -3260,11 +3374,11 @@
           </a:prstGeom>
         </p:spPr>
         <p:txBody>
-          <a:bodyPr anchorCtr="0" anchor="t" bIns="91425" lIns="91425" spcFirstLastPara="1" rIns="91425" wrap="square" tIns="91425">
+          <a:bodyPr spcFirstLastPara="1" wrap="square" lIns="91425" tIns="91425" rIns="91425" bIns="91425" anchor="t" anchorCtr="0">
             <a:noAutofit/>
           </a:bodyPr>
           <a:lstStyle>
-            <a:lvl1pPr indent="-342900" lvl="0" marL="457200" algn="ctr">
+            <a:lvl1pPr marL="457200" lvl="0" indent="-342900" algn="ctr">
               <a:spcBef>
                 <a:spcPts val="0"/>
               </a:spcBef>
@@ -3275,7 +3389,7 @@
               <a:buChar char="●"/>
               <a:defRPr/>
             </a:lvl1pPr>
-            <a:lvl2pPr indent="-317500" lvl="1" marL="914400" algn="ctr">
+            <a:lvl2pPr marL="914400" lvl="1" indent="-317500" algn="ctr">
               <a:spcBef>
                 <a:spcPts val="1600"/>
               </a:spcBef>
@@ -3286,7 +3400,7 @@
               <a:buChar char="○"/>
               <a:defRPr/>
             </a:lvl2pPr>
-            <a:lvl3pPr indent="-317500" lvl="2" marL="1371600" algn="ctr">
+            <a:lvl3pPr marL="1371600" lvl="2" indent="-317500" algn="ctr">
               <a:spcBef>
                 <a:spcPts val="1600"/>
               </a:spcBef>
@@ -3297,7 +3411,7 @@
               <a:buChar char="■"/>
               <a:defRPr/>
             </a:lvl3pPr>
-            <a:lvl4pPr indent="-317500" lvl="3" marL="1828800" algn="ctr">
+            <a:lvl4pPr marL="1828800" lvl="3" indent="-317500" algn="ctr">
               <a:spcBef>
                 <a:spcPts val="1600"/>
               </a:spcBef>
@@ -3308,7 +3422,7 @@
               <a:buChar char="●"/>
               <a:defRPr/>
             </a:lvl4pPr>
-            <a:lvl5pPr indent="-317500" lvl="4" marL="2286000" algn="ctr">
+            <a:lvl5pPr marL="2286000" lvl="4" indent="-317500" algn="ctr">
               <a:spcBef>
                 <a:spcPts val="1600"/>
               </a:spcBef>
@@ -3319,7 +3433,7 @@
               <a:buChar char="○"/>
               <a:defRPr/>
             </a:lvl5pPr>
-            <a:lvl6pPr indent="-317500" lvl="5" marL="2743200" algn="ctr">
+            <a:lvl6pPr marL="2743200" lvl="5" indent="-317500" algn="ctr">
               <a:spcBef>
                 <a:spcPts val="1600"/>
               </a:spcBef>
@@ -3330,7 +3444,7 @@
               <a:buChar char="■"/>
               <a:defRPr/>
             </a:lvl6pPr>
-            <a:lvl7pPr indent="-317500" lvl="6" marL="3200400" algn="ctr">
+            <a:lvl7pPr marL="3200400" lvl="6" indent="-317500" algn="ctr">
               <a:spcBef>
                 <a:spcPts val="1600"/>
               </a:spcBef>
@@ -3341,7 +3455,7 @@
               <a:buChar char="●"/>
               <a:defRPr/>
             </a:lvl7pPr>
-            <a:lvl8pPr indent="-317500" lvl="7" marL="3657600" algn="ctr">
+            <a:lvl8pPr marL="3657600" lvl="7" indent="-317500" algn="ctr">
               <a:spcBef>
                 <a:spcPts val="1600"/>
               </a:spcBef>
@@ -3352,7 +3466,7 @@
               <a:buChar char="○"/>
               <a:defRPr/>
             </a:lvl8pPr>
-            <a:lvl9pPr indent="-317500" lvl="8" marL="4114800" algn="ctr">
+            <a:lvl9pPr marL="4114800" lvl="8" indent="-317500" algn="ctr">
               <a:spcBef>
                 <a:spcPts val="1600"/>
               </a:spcBef>
@@ -3364,15 +3478,19 @@
               <a:defRPr/>
             </a:lvl9pPr>
           </a:lstStyle>
-          <a:p/>
+          <a:p>
+            <a:endParaRPr/>
+          </a:p>
         </p:txBody>
       </p:sp>
       <p:sp>
         <p:nvSpPr>
           <p:cNvPr id="60" name="Google Shape;60;p11"/>
-          <p:cNvSpPr txBox="1"/>
+          <p:cNvSpPr txBox="1">
+            <a:spLocks noGrp="1"/>
+          </p:cNvSpPr>
           <p:nvPr>
-            <p:ph idx="12" type="sldNum"/>
+            <p:ph type="sldNum" idx="12"/>
           </p:nvPr>
         </p:nvSpPr>
         <p:spPr>
@@ -3385,7 +3503,7 @@
           </a:prstGeom>
         </p:spPr>
         <p:txBody>
-          <a:bodyPr anchorCtr="0" anchor="ctr" bIns="91425" lIns="91425" spcFirstLastPara="1" rIns="91425" wrap="square" tIns="91425">
+          <a:bodyPr spcFirstLastPara="1" wrap="square" lIns="91425" tIns="91425" rIns="91425" bIns="91425" anchor="ctr" anchorCtr="0">
             <a:noAutofit/>
           </a:bodyPr>
           <a:lstStyle>
@@ -3427,7 +3545,7 @@
             </a:lvl9pPr>
           </a:lstStyle>
           <a:p>
-            <a:pPr indent="0" lvl="0" marL="0" rtl="0" algn="r">
+            <a:pPr marL="0" lvl="0" indent="0" algn="r" rtl="0">
               <a:spcBef>
                 <a:spcPts val="0"/>
               </a:spcBef>
@@ -3453,18 +3571,19 @@
 </file>
 
 <file path=ppt/slideLayouts/slideLayout11.xml><?xml version="1.0" encoding="utf-8"?>
-<p:sldLayout xmlns:a="http://schemas.openxmlformats.org/drawingml/2006/main" xmlns:r="http://schemas.openxmlformats.org/officeDocument/2006/relationships" xmlns:mc="http://schemas.openxmlformats.org/markup-compatibility/2006" xmlns:mv="urn:schemas-microsoft-com:mac:vml" xmlns:p="http://schemas.openxmlformats.org/presentationml/2006/main" xmlns:c="http://schemas.openxmlformats.org/drawingml/2006/chart" xmlns:dgm="http://schemas.openxmlformats.org/drawingml/2006/diagram" xmlns:o="urn:schemas-microsoft-com:office:office" xmlns:v="urn:schemas-microsoft-com:vml" xmlns:pvml="urn:schemas-microsoft-com:office:powerpoint" xmlns:com="http://schemas.openxmlformats.org/drawingml/2006/compatibility" xmlns:p14="http://schemas.microsoft.com/office/powerpoint/2010/main" xmlns:p15="http://schemas.microsoft.com/office/powerpoint/2012/main" matchingName="Blank" type="blank">
+<p:sldLayout xmlns:a="http://schemas.openxmlformats.org/drawingml/2006/main" xmlns:r="http://schemas.openxmlformats.org/officeDocument/2006/relationships" xmlns:p="http://schemas.openxmlformats.org/presentationml/2006/main" matchingName="Blank" type="blank">
   <p:cSld name="BLANK">
     <p:bg>
       <p:bgPr>
         <a:solidFill>
           <a:schemeClr val="accent4"/>
         </a:solidFill>
+        <a:effectLst/>
       </p:bgPr>
     </p:bg>
     <p:spTree>
       <p:nvGrpSpPr>
-        <p:cNvPr id="61" name="Shape 61"/>
+        <p:cNvPr id="1" name="Shape 61"/>
         <p:cNvGrpSpPr/>
         <p:nvPr/>
       </p:nvGrpSpPr>
@@ -3479,9 +3598,11 @@
       <p:sp>
         <p:nvSpPr>
           <p:cNvPr id="62" name="Google Shape;62;p12"/>
-          <p:cNvSpPr txBox="1"/>
+          <p:cNvSpPr txBox="1">
+            <a:spLocks noGrp="1"/>
+          </p:cNvSpPr>
           <p:nvPr>
-            <p:ph idx="12" type="sldNum"/>
+            <p:ph type="sldNum" idx="12"/>
           </p:nvPr>
         </p:nvSpPr>
         <p:spPr>
@@ -3494,7 +3615,7 @@
           </a:prstGeom>
         </p:spPr>
         <p:txBody>
-          <a:bodyPr anchorCtr="0" anchor="ctr" bIns="91425" lIns="91425" spcFirstLastPara="1" rIns="91425" wrap="square" tIns="91425">
+          <a:bodyPr spcFirstLastPara="1" wrap="square" lIns="91425" tIns="91425" rIns="91425" bIns="91425" anchor="ctr" anchorCtr="0">
             <a:noAutofit/>
           </a:bodyPr>
           <a:lstStyle>
@@ -3536,7 +3657,7 @@
             </a:lvl9pPr>
           </a:lstStyle>
           <a:p>
-            <a:pPr indent="0" lvl="0" marL="0" rtl="0" algn="r">
+            <a:pPr marL="0" lvl="0" indent="0" algn="r" rtl="0">
               <a:spcBef>
                 <a:spcPts val="0"/>
               </a:spcBef>
@@ -3562,11 +3683,11 @@
 </file>
 
 <file path=ppt/slideLayouts/slideLayout2.xml><?xml version="1.0" encoding="utf-8"?>
-<p:sldLayout xmlns:a="http://schemas.openxmlformats.org/drawingml/2006/main" xmlns:r="http://schemas.openxmlformats.org/officeDocument/2006/relationships" xmlns:mc="http://schemas.openxmlformats.org/markup-compatibility/2006" xmlns:mv="urn:schemas-microsoft-com:mac:vml" xmlns:p="http://schemas.openxmlformats.org/presentationml/2006/main" xmlns:c="http://schemas.openxmlformats.org/drawingml/2006/chart" xmlns:dgm="http://schemas.openxmlformats.org/drawingml/2006/diagram" xmlns:o="urn:schemas-microsoft-com:office:office" xmlns:v="urn:schemas-microsoft-com:vml" xmlns:pvml="urn:schemas-microsoft-com:office:powerpoint" xmlns:com="http://schemas.openxmlformats.org/drawingml/2006/compatibility" xmlns:p14="http://schemas.microsoft.com/office/powerpoint/2010/main" xmlns:p15="http://schemas.microsoft.com/office/powerpoint/2012/main" matchingName="Section header" type="secHead">
+<p:sldLayout xmlns:a="http://schemas.openxmlformats.org/drawingml/2006/main" xmlns:r="http://schemas.openxmlformats.org/officeDocument/2006/relationships" xmlns:p="http://schemas.openxmlformats.org/presentationml/2006/main" matchingName="Section header" type="secHead">
   <p:cSld name="SECTION_HEADER">
     <p:spTree>
       <p:nvGrpSpPr>
-        <p:cNvPr id="15" name="Shape 15"/>
+        <p:cNvPr id="1" name="Shape 15"/>
         <p:cNvGrpSpPr/>
         <p:nvPr/>
       </p:nvGrpSpPr>
@@ -3581,7 +3702,9 @@
       <p:sp>
         <p:nvSpPr>
           <p:cNvPr id="16" name="Google Shape;16;p3"/>
-          <p:cNvSpPr txBox="1"/>
+          <p:cNvSpPr txBox="1">
+            <a:spLocks noGrp="1"/>
+          </p:cNvSpPr>
           <p:nvPr>
             <p:ph type="title"/>
           </p:nvPr>
@@ -3596,7 +3719,7 @@
           </a:prstGeom>
         </p:spPr>
         <p:txBody>
-          <a:bodyPr anchorCtr="0" anchor="ctr" bIns="91425" lIns="91425" spcFirstLastPara="1" rIns="91425" wrap="square" tIns="91425">
+          <a:bodyPr spcFirstLastPara="1" wrap="square" lIns="91425" tIns="91425" rIns="91425" bIns="91425" anchor="ctr" anchorCtr="0">
             <a:noAutofit/>
           </a:bodyPr>
           <a:lstStyle>
@@ -3700,15 +3823,19 @@
               <a:defRPr sz="4200"/>
             </a:lvl9pPr>
           </a:lstStyle>
-          <a:p/>
+          <a:p>
+            <a:endParaRPr/>
+          </a:p>
         </p:txBody>
       </p:sp>
       <p:sp>
         <p:nvSpPr>
           <p:cNvPr id="17" name="Google Shape;17;p3"/>
-          <p:cNvSpPr txBox="1"/>
+          <p:cNvSpPr txBox="1">
+            <a:spLocks noGrp="1"/>
+          </p:cNvSpPr>
           <p:nvPr>
-            <p:ph idx="12" type="sldNum"/>
+            <p:ph type="sldNum" idx="12"/>
           </p:nvPr>
         </p:nvSpPr>
         <p:spPr>
@@ -3721,7 +3848,7 @@
           </a:prstGeom>
         </p:spPr>
         <p:txBody>
-          <a:bodyPr anchorCtr="0" anchor="ctr" bIns="91425" lIns="91425" spcFirstLastPara="1" rIns="91425" wrap="square" tIns="91425">
+          <a:bodyPr spcFirstLastPara="1" wrap="square" lIns="91425" tIns="91425" rIns="91425" bIns="91425" anchor="ctr" anchorCtr="0">
             <a:noAutofit/>
           </a:bodyPr>
           <a:lstStyle>
@@ -3799,7 +3926,7 @@
             </a:lvl9pPr>
           </a:lstStyle>
           <a:p>
-            <a:pPr indent="0" lvl="0" marL="0" rtl="0" algn="r">
+            <a:pPr marL="0" lvl="0" indent="0" algn="r" rtl="0">
               <a:spcBef>
                 <a:spcPts val="0"/>
               </a:spcBef>
@@ -3825,11 +3952,11 @@
 </file>
 
 <file path=ppt/slideLayouts/slideLayout3.xml><?xml version="1.0" encoding="utf-8"?>
-<p:sldLayout xmlns:a="http://schemas.openxmlformats.org/drawingml/2006/main" xmlns:r="http://schemas.openxmlformats.org/officeDocument/2006/relationships" xmlns:mc="http://schemas.openxmlformats.org/markup-compatibility/2006" xmlns:mv="urn:schemas-microsoft-com:mac:vml" xmlns:p="http://schemas.openxmlformats.org/presentationml/2006/main" xmlns:c="http://schemas.openxmlformats.org/drawingml/2006/chart" xmlns:dgm="http://schemas.openxmlformats.org/drawingml/2006/diagram" xmlns:o="urn:schemas-microsoft-com:office:office" xmlns:v="urn:schemas-microsoft-com:vml" xmlns:pvml="urn:schemas-microsoft-com:office:powerpoint" xmlns:com="http://schemas.openxmlformats.org/drawingml/2006/compatibility" xmlns:p14="http://schemas.microsoft.com/office/powerpoint/2010/main" xmlns:p15="http://schemas.microsoft.com/office/powerpoint/2012/main" matchingName="Title and body" type="tx">
+<p:sldLayout xmlns:a="http://schemas.openxmlformats.org/drawingml/2006/main" xmlns:r="http://schemas.openxmlformats.org/officeDocument/2006/relationships" xmlns:p="http://schemas.openxmlformats.org/presentationml/2006/main" matchingName="Title and body" type="tx">
   <p:cSld name="TITLE_AND_BODY">
     <p:spTree>
       <p:nvGrpSpPr>
-        <p:cNvPr id="18" name="Shape 18"/>
+        <p:cNvPr id="1" name="Shape 18"/>
         <p:cNvGrpSpPr/>
         <p:nvPr/>
       </p:nvGrpSpPr>
@@ -3848,7 +3975,7 @@
           <p:nvPr/>
         </p:nvSpPr>
         <p:spPr>
-          <a:xfrm flipH="1" rot="10800000">
+          <a:xfrm rot="10800000" flipH="1">
             <a:off x="0" y="1686000"/>
             <a:ext cx="9144000" cy="3457500"/>
           </a:xfrm>
@@ -3863,23 +3990,20 @@
           </a:ln>
         </p:spPr>
         <p:txBody>
-          <a:bodyPr anchorCtr="0" anchor="ctr" bIns="91425" lIns="91425" spcFirstLastPara="1" rIns="91425" wrap="square" tIns="91425">
+          <a:bodyPr spcFirstLastPara="1" wrap="square" lIns="91425" tIns="91425" rIns="91425" bIns="91425" anchor="ctr" anchorCtr="0">
             <a:noAutofit/>
           </a:bodyPr>
           <a:lstStyle/>
           <a:p>
-            <a:pPr indent="0" lvl="0" marL="0" rtl="0" algn="l">
-              <a:spcBef>
-                <a:spcPts val="0"/>
-              </a:spcBef>
-              <a:spcAft>
-                <a:spcPts val="0"/>
-              </a:spcAft>
-              <a:buNone/>
-            </a:pPr>
-            <a:r>
-              <a:t/>
-            </a:r>
+            <a:pPr marL="0" lvl="0" indent="0" algn="l" rtl="0">
+              <a:spcBef>
+                <a:spcPts val="0"/>
+              </a:spcBef>
+              <a:spcAft>
+                <a:spcPts val="0"/>
+              </a:spcAft>
+              <a:buNone/>
+            </a:pPr>
             <a:endParaRPr/>
           </a:p>
         </p:txBody>
@@ -3920,23 +4044,20 @@
           </a:ln>
         </p:spPr>
         <p:txBody>
-          <a:bodyPr anchorCtr="0" anchor="ctr" bIns="91425" lIns="91425" spcFirstLastPara="1" rIns="91425" wrap="square" tIns="91425">
+          <a:bodyPr spcFirstLastPara="1" wrap="square" lIns="91425" tIns="91425" rIns="91425" bIns="91425" anchor="ctr" anchorCtr="0">
             <a:noAutofit/>
           </a:bodyPr>
           <a:lstStyle/>
           <a:p>
-            <a:pPr indent="0" lvl="0" marL="0" rtl="0" algn="l">
-              <a:spcBef>
-                <a:spcPts val="0"/>
-              </a:spcBef>
-              <a:spcAft>
-                <a:spcPts val="0"/>
-              </a:spcAft>
-              <a:buNone/>
-            </a:pPr>
-            <a:r>
-              <a:t/>
-            </a:r>
+            <a:pPr marL="0" lvl="0" indent="0" algn="l" rtl="0">
+              <a:spcBef>
+                <a:spcPts val="0"/>
+              </a:spcBef>
+              <a:spcAft>
+                <a:spcPts val="0"/>
+              </a:spcAft>
+              <a:buNone/>
+            </a:pPr>
             <a:endParaRPr/>
           </a:p>
         </p:txBody>
@@ -3944,7 +4065,9 @@
       <p:sp>
         <p:nvSpPr>
           <p:cNvPr id="21" name="Google Shape;21;p4"/>
-          <p:cNvSpPr txBox="1"/>
+          <p:cNvSpPr txBox="1">
+            <a:spLocks noGrp="1"/>
+          </p:cNvSpPr>
           <p:nvPr>
             <p:ph type="title"/>
           </p:nvPr>
@@ -3959,7 +4082,7 @@
           </a:prstGeom>
         </p:spPr>
         <p:txBody>
-          <a:bodyPr anchorCtr="0" anchor="b" bIns="91425" lIns="91425" spcFirstLastPara="1" rIns="91425" wrap="square" tIns="91425">
+          <a:bodyPr spcFirstLastPara="1" wrap="square" lIns="91425" tIns="91425" rIns="91425" bIns="91425" anchor="b" anchorCtr="0">
             <a:noAutofit/>
           </a:bodyPr>
           <a:lstStyle>
@@ -4063,15 +4186,19 @@
               <a:defRPr/>
             </a:lvl9pPr>
           </a:lstStyle>
-          <a:p/>
+          <a:p>
+            <a:endParaRPr/>
+          </a:p>
         </p:txBody>
       </p:sp>
       <p:sp>
         <p:nvSpPr>
           <p:cNvPr id="22" name="Google Shape;22;p4"/>
-          <p:cNvSpPr txBox="1"/>
+          <p:cNvSpPr txBox="1">
+            <a:spLocks noGrp="1"/>
+          </p:cNvSpPr>
           <p:nvPr>
-            <p:ph idx="1" type="body"/>
+            <p:ph type="body" idx="1"/>
           </p:nvPr>
         </p:nvSpPr>
         <p:spPr>
@@ -4084,11 +4211,11 @@
           </a:prstGeom>
         </p:spPr>
         <p:txBody>
-          <a:bodyPr anchorCtr="0" anchor="t" bIns="91425" lIns="91425" spcFirstLastPara="1" rIns="91425" wrap="square" tIns="91425">
+          <a:bodyPr spcFirstLastPara="1" wrap="square" lIns="91425" tIns="91425" rIns="91425" bIns="91425" anchor="t" anchorCtr="0">
             <a:noAutofit/>
           </a:bodyPr>
           <a:lstStyle>
-            <a:lvl1pPr indent="-342900" lvl="0" marL="457200">
+            <a:lvl1pPr marL="457200" lvl="0" indent="-342900">
               <a:spcBef>
                 <a:spcPts val="0"/>
               </a:spcBef>
@@ -4099,7 +4226,7 @@
               <a:buChar char="●"/>
               <a:defRPr/>
             </a:lvl1pPr>
-            <a:lvl2pPr indent="-317500" lvl="1" marL="914400">
+            <a:lvl2pPr marL="914400" lvl="1" indent="-317500">
               <a:spcBef>
                 <a:spcPts val="1600"/>
               </a:spcBef>
@@ -4110,7 +4237,7 @@
               <a:buChar char="○"/>
               <a:defRPr/>
             </a:lvl2pPr>
-            <a:lvl3pPr indent="-317500" lvl="2" marL="1371600">
+            <a:lvl3pPr marL="1371600" lvl="2" indent="-317500">
               <a:spcBef>
                 <a:spcPts val="1600"/>
               </a:spcBef>
@@ -4121,7 +4248,7 @@
               <a:buChar char="■"/>
               <a:defRPr/>
             </a:lvl3pPr>
-            <a:lvl4pPr indent="-317500" lvl="3" marL="1828800">
+            <a:lvl4pPr marL="1828800" lvl="3" indent="-317500">
               <a:spcBef>
                 <a:spcPts val="1600"/>
               </a:spcBef>
@@ -4132,7 +4259,7 @@
               <a:buChar char="●"/>
               <a:defRPr/>
             </a:lvl4pPr>
-            <a:lvl5pPr indent="-317500" lvl="4" marL="2286000">
+            <a:lvl5pPr marL="2286000" lvl="4" indent="-317500">
               <a:spcBef>
                 <a:spcPts val="1600"/>
               </a:spcBef>
@@ -4143,7 +4270,7 @@
               <a:buChar char="○"/>
               <a:defRPr/>
             </a:lvl5pPr>
-            <a:lvl6pPr indent="-317500" lvl="5" marL="2743200">
+            <a:lvl6pPr marL="2743200" lvl="5" indent="-317500">
               <a:spcBef>
                 <a:spcPts val="1600"/>
               </a:spcBef>
@@ -4154,7 +4281,7 @@
               <a:buChar char="■"/>
               <a:defRPr/>
             </a:lvl6pPr>
-            <a:lvl7pPr indent="-317500" lvl="6" marL="3200400">
+            <a:lvl7pPr marL="3200400" lvl="6" indent="-317500">
               <a:spcBef>
                 <a:spcPts val="1600"/>
               </a:spcBef>
@@ -4165,7 +4292,7 @@
               <a:buChar char="●"/>
               <a:defRPr/>
             </a:lvl7pPr>
-            <a:lvl8pPr indent="-317500" lvl="7" marL="3657600">
+            <a:lvl8pPr marL="3657600" lvl="7" indent="-317500">
               <a:spcBef>
                 <a:spcPts val="1600"/>
               </a:spcBef>
@@ -4176,7 +4303,7 @@
               <a:buChar char="○"/>
               <a:defRPr/>
             </a:lvl8pPr>
-            <a:lvl9pPr indent="-317500" lvl="8" marL="4114800">
+            <a:lvl9pPr marL="4114800" lvl="8" indent="-317500">
               <a:spcBef>
                 <a:spcPts val="1600"/>
               </a:spcBef>
@@ -4188,15 +4315,19 @@
               <a:defRPr/>
             </a:lvl9pPr>
           </a:lstStyle>
-          <a:p/>
+          <a:p>
+            <a:endParaRPr/>
+          </a:p>
         </p:txBody>
       </p:sp>
       <p:sp>
         <p:nvSpPr>
           <p:cNvPr id="23" name="Google Shape;23;p4"/>
-          <p:cNvSpPr txBox="1"/>
+          <p:cNvSpPr txBox="1">
+            <a:spLocks noGrp="1"/>
+          </p:cNvSpPr>
           <p:nvPr>
-            <p:ph idx="12" type="sldNum"/>
+            <p:ph type="sldNum" idx="12"/>
           </p:nvPr>
         </p:nvSpPr>
         <p:spPr>
@@ -4209,7 +4340,7 @@
           </a:prstGeom>
         </p:spPr>
         <p:txBody>
-          <a:bodyPr anchorCtr="0" anchor="ctr" bIns="91425" lIns="91425" spcFirstLastPara="1" rIns="91425" wrap="square" tIns="91425">
+          <a:bodyPr spcFirstLastPara="1" wrap="square" lIns="91425" tIns="91425" rIns="91425" bIns="91425" anchor="ctr" anchorCtr="0">
             <a:noAutofit/>
           </a:bodyPr>
           <a:lstStyle>
@@ -4251,7 +4382,7 @@
             </a:lvl9pPr>
           </a:lstStyle>
           <a:p>
-            <a:pPr indent="0" lvl="0" marL="0" rtl="0" algn="r">
+            <a:pPr marL="0" lvl="0" indent="0" algn="r" rtl="0">
               <a:spcBef>
                 <a:spcPts val="0"/>
               </a:spcBef>
@@ -4277,11 +4408,11 @@
 </file>
 
 <file path=ppt/slideLayouts/slideLayout4.xml><?xml version="1.0" encoding="utf-8"?>
-<p:sldLayout xmlns:a="http://schemas.openxmlformats.org/drawingml/2006/main" xmlns:r="http://schemas.openxmlformats.org/officeDocument/2006/relationships" xmlns:mc="http://schemas.openxmlformats.org/markup-compatibility/2006" xmlns:mv="urn:schemas-microsoft-com:mac:vml" xmlns:p="http://schemas.openxmlformats.org/presentationml/2006/main" xmlns:c="http://schemas.openxmlformats.org/drawingml/2006/chart" xmlns:dgm="http://schemas.openxmlformats.org/drawingml/2006/diagram" xmlns:o="urn:schemas-microsoft-com:office:office" xmlns:v="urn:schemas-microsoft-com:vml" xmlns:pvml="urn:schemas-microsoft-com:office:powerpoint" xmlns:com="http://schemas.openxmlformats.org/drawingml/2006/compatibility" xmlns:p14="http://schemas.microsoft.com/office/powerpoint/2010/main" xmlns:p15="http://schemas.microsoft.com/office/powerpoint/2012/main" matchingName="Title and two columns" type="twoColTx">
+<p:sldLayout xmlns:a="http://schemas.openxmlformats.org/drawingml/2006/main" xmlns:r="http://schemas.openxmlformats.org/officeDocument/2006/relationships" xmlns:p="http://schemas.openxmlformats.org/presentationml/2006/main" matchingName="Title and two columns" type="twoColTx">
   <p:cSld name="TITLE_AND_TWO_COLUMNS">
     <p:spTree>
       <p:nvGrpSpPr>
-        <p:cNvPr id="24" name="Shape 24"/>
+        <p:cNvPr id="1" name="Shape 24"/>
         <p:cNvGrpSpPr/>
         <p:nvPr/>
       </p:nvGrpSpPr>
@@ -4300,7 +4431,7 @@
           <p:nvPr/>
         </p:nvSpPr>
         <p:spPr>
-          <a:xfrm flipH="1" rot="10800000">
+          <a:xfrm rot="10800000" flipH="1">
             <a:off x="0" y="1686000"/>
             <a:ext cx="9144000" cy="3457500"/>
           </a:xfrm>
@@ -4315,23 +4446,20 @@
           </a:ln>
         </p:spPr>
         <p:txBody>
-          <a:bodyPr anchorCtr="0" anchor="ctr" bIns="91425" lIns="91425" spcFirstLastPara="1" rIns="91425" wrap="square" tIns="91425">
+          <a:bodyPr spcFirstLastPara="1" wrap="square" lIns="91425" tIns="91425" rIns="91425" bIns="91425" anchor="ctr" anchorCtr="0">
             <a:noAutofit/>
           </a:bodyPr>
           <a:lstStyle/>
           <a:p>
-            <a:pPr indent="0" lvl="0" marL="0" rtl="0" algn="l">
-              <a:spcBef>
-                <a:spcPts val="0"/>
-              </a:spcBef>
-              <a:spcAft>
-                <a:spcPts val="0"/>
-              </a:spcAft>
-              <a:buNone/>
-            </a:pPr>
-            <a:r>
-              <a:t/>
-            </a:r>
+            <a:pPr marL="0" lvl="0" indent="0" algn="l" rtl="0">
+              <a:spcBef>
+                <a:spcPts val="0"/>
+              </a:spcBef>
+              <a:spcAft>
+                <a:spcPts val="0"/>
+              </a:spcAft>
+              <a:buNone/>
+            </a:pPr>
             <a:endParaRPr/>
           </a:p>
         </p:txBody>
@@ -4372,23 +4500,20 @@
           </a:ln>
         </p:spPr>
         <p:txBody>
-          <a:bodyPr anchorCtr="0" anchor="ctr" bIns="91425" lIns="91425" spcFirstLastPara="1" rIns="91425" wrap="square" tIns="91425">
+          <a:bodyPr spcFirstLastPara="1" wrap="square" lIns="91425" tIns="91425" rIns="91425" bIns="91425" anchor="ctr" anchorCtr="0">
             <a:noAutofit/>
           </a:bodyPr>
           <a:lstStyle/>
           <a:p>
-            <a:pPr indent="0" lvl="0" marL="0" rtl="0" algn="l">
-              <a:spcBef>
-                <a:spcPts val="0"/>
-              </a:spcBef>
-              <a:spcAft>
-                <a:spcPts val="0"/>
-              </a:spcAft>
-              <a:buNone/>
-            </a:pPr>
-            <a:r>
-              <a:t/>
-            </a:r>
+            <a:pPr marL="0" lvl="0" indent="0" algn="l" rtl="0">
+              <a:spcBef>
+                <a:spcPts val="0"/>
+              </a:spcBef>
+              <a:spcAft>
+                <a:spcPts val="0"/>
+              </a:spcAft>
+              <a:buNone/>
+            </a:pPr>
             <a:endParaRPr/>
           </a:p>
         </p:txBody>
@@ -4396,7 +4521,9 @@
       <p:sp>
         <p:nvSpPr>
           <p:cNvPr id="27" name="Google Shape;27;p5"/>
-          <p:cNvSpPr txBox="1"/>
+          <p:cNvSpPr txBox="1">
+            <a:spLocks noGrp="1"/>
+          </p:cNvSpPr>
           <p:nvPr>
             <p:ph type="title"/>
           </p:nvPr>
@@ -4411,7 +4538,7 @@
           </a:prstGeom>
         </p:spPr>
         <p:txBody>
-          <a:bodyPr anchorCtr="0" anchor="b" bIns="91425" lIns="91425" spcFirstLastPara="1" rIns="91425" wrap="square" tIns="91425">
+          <a:bodyPr spcFirstLastPara="1" wrap="square" lIns="91425" tIns="91425" rIns="91425" bIns="91425" anchor="b" anchorCtr="0">
             <a:noAutofit/>
           </a:bodyPr>
           <a:lstStyle>
@@ -4515,15 +4642,19 @@
               <a:defRPr/>
             </a:lvl9pPr>
           </a:lstStyle>
-          <a:p/>
+          <a:p>
+            <a:endParaRPr/>
+          </a:p>
         </p:txBody>
       </p:sp>
       <p:sp>
         <p:nvSpPr>
           <p:cNvPr id="28" name="Google Shape;28;p5"/>
-          <p:cNvSpPr txBox="1"/>
+          <p:cNvSpPr txBox="1">
+            <a:spLocks noGrp="1"/>
+          </p:cNvSpPr>
           <p:nvPr>
-            <p:ph idx="1" type="body"/>
+            <p:ph type="body" idx="1"/>
           </p:nvPr>
         </p:nvSpPr>
         <p:spPr>
@@ -4536,11 +4667,11 @@
           </a:prstGeom>
         </p:spPr>
         <p:txBody>
-          <a:bodyPr anchorCtr="0" anchor="t" bIns="91425" lIns="91425" spcFirstLastPara="1" rIns="91425" wrap="square" tIns="91425">
+          <a:bodyPr spcFirstLastPara="1" wrap="square" lIns="91425" tIns="91425" rIns="91425" bIns="91425" anchor="t" anchorCtr="0">
             <a:noAutofit/>
           </a:bodyPr>
           <a:lstStyle>
-            <a:lvl1pPr indent="-317500" lvl="0" marL="457200">
+            <a:lvl1pPr marL="457200" lvl="0" indent="-317500">
               <a:spcBef>
                 <a:spcPts val="0"/>
               </a:spcBef>
@@ -4551,7 +4682,7 @@
               <a:buChar char="●"/>
               <a:defRPr sz="1400"/>
             </a:lvl1pPr>
-            <a:lvl2pPr indent="-304800" lvl="1" marL="914400">
+            <a:lvl2pPr marL="914400" lvl="1" indent="-304800">
               <a:spcBef>
                 <a:spcPts val="1600"/>
               </a:spcBef>
@@ -4562,7 +4693,7 @@
               <a:buChar char="○"/>
               <a:defRPr sz="1200"/>
             </a:lvl2pPr>
-            <a:lvl3pPr indent="-304800" lvl="2" marL="1371600">
+            <a:lvl3pPr marL="1371600" lvl="2" indent="-304800">
               <a:spcBef>
                 <a:spcPts val="1600"/>
               </a:spcBef>
@@ -4573,7 +4704,7 @@
               <a:buChar char="■"/>
               <a:defRPr sz="1200"/>
             </a:lvl3pPr>
-            <a:lvl4pPr indent="-304800" lvl="3" marL="1828800">
+            <a:lvl4pPr marL="1828800" lvl="3" indent="-304800">
               <a:spcBef>
                 <a:spcPts val="1600"/>
               </a:spcBef>
@@ -4584,7 +4715,7 @@
               <a:buChar char="●"/>
               <a:defRPr sz="1200"/>
             </a:lvl4pPr>
-            <a:lvl5pPr indent="-304800" lvl="4" marL="2286000">
+            <a:lvl5pPr marL="2286000" lvl="4" indent="-304800">
               <a:spcBef>
                 <a:spcPts val="1600"/>
               </a:spcBef>
@@ -4595,7 +4726,7 @@
               <a:buChar char="○"/>
               <a:defRPr sz="1200"/>
             </a:lvl5pPr>
-            <a:lvl6pPr indent="-304800" lvl="5" marL="2743200">
+            <a:lvl6pPr marL="2743200" lvl="5" indent="-304800">
               <a:spcBef>
                 <a:spcPts val="1600"/>
               </a:spcBef>
@@ -4606,7 +4737,7 @@
               <a:buChar char="■"/>
               <a:defRPr sz="1200"/>
             </a:lvl6pPr>
-            <a:lvl7pPr indent="-304800" lvl="6" marL="3200400">
+            <a:lvl7pPr marL="3200400" lvl="6" indent="-304800">
               <a:spcBef>
                 <a:spcPts val="1600"/>
               </a:spcBef>
@@ -4617,7 +4748,7 @@
               <a:buChar char="●"/>
               <a:defRPr sz="1200"/>
             </a:lvl7pPr>
-            <a:lvl8pPr indent="-304800" lvl="7" marL="3657600">
+            <a:lvl8pPr marL="3657600" lvl="7" indent="-304800">
               <a:spcBef>
                 <a:spcPts val="1600"/>
               </a:spcBef>
@@ -4628,7 +4759,7 @@
               <a:buChar char="○"/>
               <a:defRPr sz="1200"/>
             </a:lvl8pPr>
-            <a:lvl9pPr indent="-304800" lvl="8" marL="4114800">
+            <a:lvl9pPr marL="4114800" lvl="8" indent="-304800">
               <a:spcBef>
                 <a:spcPts val="1600"/>
               </a:spcBef>
@@ -4640,15 +4771,19 @@
               <a:defRPr sz="1200"/>
             </a:lvl9pPr>
           </a:lstStyle>
-          <a:p/>
+          <a:p>
+            <a:endParaRPr/>
+          </a:p>
         </p:txBody>
       </p:sp>
       <p:sp>
         <p:nvSpPr>
           <p:cNvPr id="29" name="Google Shape;29;p5"/>
-          <p:cNvSpPr txBox="1"/>
+          <p:cNvSpPr txBox="1">
+            <a:spLocks noGrp="1"/>
+          </p:cNvSpPr>
           <p:nvPr>
-            <p:ph idx="2" type="body"/>
+            <p:ph type="body" idx="2"/>
           </p:nvPr>
         </p:nvSpPr>
         <p:spPr>
@@ -4661,11 +4796,11 @@
           </a:prstGeom>
         </p:spPr>
         <p:txBody>
-          <a:bodyPr anchorCtr="0" anchor="t" bIns="91425" lIns="91425" spcFirstLastPara="1" rIns="91425" wrap="square" tIns="91425">
+          <a:bodyPr spcFirstLastPara="1" wrap="square" lIns="91425" tIns="91425" rIns="91425" bIns="91425" anchor="t" anchorCtr="0">
             <a:noAutofit/>
           </a:bodyPr>
           <a:lstStyle>
-            <a:lvl1pPr indent="-317500" lvl="0" marL="457200">
+            <a:lvl1pPr marL="457200" lvl="0" indent="-317500">
               <a:spcBef>
                 <a:spcPts val="0"/>
               </a:spcBef>
@@ -4676,7 +4811,7 @@
               <a:buChar char="●"/>
               <a:defRPr sz="1400"/>
             </a:lvl1pPr>
-            <a:lvl2pPr indent="-304800" lvl="1" marL="914400">
+            <a:lvl2pPr marL="914400" lvl="1" indent="-304800">
               <a:spcBef>
                 <a:spcPts val="1600"/>
               </a:spcBef>
@@ -4687,7 +4822,7 @@
               <a:buChar char="○"/>
               <a:defRPr sz="1200"/>
             </a:lvl2pPr>
-            <a:lvl3pPr indent="-304800" lvl="2" marL="1371600">
+            <a:lvl3pPr marL="1371600" lvl="2" indent="-304800">
               <a:spcBef>
                 <a:spcPts val="1600"/>
               </a:spcBef>
@@ -4698,7 +4833,7 @@
               <a:buChar char="■"/>
               <a:defRPr sz="1200"/>
             </a:lvl3pPr>
-            <a:lvl4pPr indent="-304800" lvl="3" marL="1828800">
+            <a:lvl4pPr marL="1828800" lvl="3" indent="-304800">
               <a:spcBef>
                 <a:spcPts val="1600"/>
               </a:spcBef>
@@ -4709,7 +4844,7 @@
               <a:buChar char="●"/>
               <a:defRPr sz="1200"/>
             </a:lvl4pPr>
-            <a:lvl5pPr indent="-304800" lvl="4" marL="2286000">
+            <a:lvl5pPr marL="2286000" lvl="4" indent="-304800">
               <a:spcBef>
                 <a:spcPts val="1600"/>
               </a:spcBef>
@@ -4720,7 +4855,7 @@
               <a:buChar char="○"/>
               <a:defRPr sz="1200"/>
             </a:lvl5pPr>
-            <a:lvl6pPr indent="-304800" lvl="5" marL="2743200">
+            <a:lvl6pPr marL="2743200" lvl="5" indent="-304800">
               <a:spcBef>
                 <a:spcPts val="1600"/>
               </a:spcBef>
@@ -4731,7 +4866,7 @@
               <a:buChar char="■"/>
               <a:defRPr sz="1200"/>
             </a:lvl6pPr>
-            <a:lvl7pPr indent="-304800" lvl="6" marL="3200400">
+            <a:lvl7pPr marL="3200400" lvl="6" indent="-304800">
               <a:spcBef>
                 <a:spcPts val="1600"/>
               </a:spcBef>
@@ -4742,7 +4877,7 @@
               <a:buChar char="●"/>
               <a:defRPr sz="1200"/>
             </a:lvl7pPr>
-            <a:lvl8pPr indent="-304800" lvl="7" marL="3657600">
+            <a:lvl8pPr marL="3657600" lvl="7" indent="-304800">
               <a:spcBef>
                 <a:spcPts val="1600"/>
               </a:spcBef>
@@ -4753,7 +4888,7 @@
               <a:buChar char="○"/>
               <a:defRPr sz="1200"/>
             </a:lvl8pPr>
-            <a:lvl9pPr indent="-304800" lvl="8" marL="4114800">
+            <a:lvl9pPr marL="4114800" lvl="8" indent="-304800">
               <a:spcBef>
                 <a:spcPts val="1600"/>
               </a:spcBef>
@@ -4765,15 +4900,19 @@
               <a:defRPr sz="1200"/>
             </a:lvl9pPr>
           </a:lstStyle>
-          <a:p/>
+          <a:p>
+            <a:endParaRPr/>
+          </a:p>
         </p:txBody>
       </p:sp>
       <p:sp>
         <p:nvSpPr>
           <p:cNvPr id="30" name="Google Shape;30;p5"/>
-          <p:cNvSpPr txBox="1"/>
+          <p:cNvSpPr txBox="1">
+            <a:spLocks noGrp="1"/>
+          </p:cNvSpPr>
           <p:nvPr>
-            <p:ph idx="12" type="sldNum"/>
+            <p:ph type="sldNum" idx="12"/>
           </p:nvPr>
         </p:nvSpPr>
         <p:spPr>
@@ -4786,7 +4925,7 @@
           </a:prstGeom>
         </p:spPr>
         <p:txBody>
-          <a:bodyPr anchorCtr="0" anchor="ctr" bIns="91425" lIns="91425" spcFirstLastPara="1" rIns="91425" wrap="square" tIns="91425">
+          <a:bodyPr spcFirstLastPara="1" wrap="square" lIns="91425" tIns="91425" rIns="91425" bIns="91425" anchor="ctr" anchorCtr="0">
             <a:noAutofit/>
           </a:bodyPr>
           <a:lstStyle>
@@ -4828,7 +4967,7 @@
             </a:lvl9pPr>
           </a:lstStyle>
           <a:p>
-            <a:pPr indent="0" lvl="0" marL="0" rtl="0" algn="r">
+            <a:pPr marL="0" lvl="0" indent="0" algn="r" rtl="0">
               <a:spcBef>
                 <a:spcPts val="0"/>
               </a:spcBef>
@@ -4854,11 +4993,11 @@
 </file>
 
 <file path=ppt/slideLayouts/slideLayout5.xml><?xml version="1.0" encoding="utf-8"?>
-<p:sldLayout xmlns:a="http://schemas.openxmlformats.org/drawingml/2006/main" xmlns:r="http://schemas.openxmlformats.org/officeDocument/2006/relationships" xmlns:mc="http://schemas.openxmlformats.org/markup-compatibility/2006" xmlns:mv="urn:schemas-microsoft-com:mac:vml" xmlns:p="http://schemas.openxmlformats.org/presentationml/2006/main" xmlns:c="http://schemas.openxmlformats.org/drawingml/2006/chart" xmlns:dgm="http://schemas.openxmlformats.org/drawingml/2006/diagram" xmlns:o="urn:schemas-microsoft-com:office:office" xmlns:v="urn:schemas-microsoft-com:vml" xmlns:pvml="urn:schemas-microsoft-com:office:powerpoint" xmlns:com="http://schemas.openxmlformats.org/drawingml/2006/compatibility" xmlns:p14="http://schemas.microsoft.com/office/powerpoint/2010/main" xmlns:p15="http://schemas.microsoft.com/office/powerpoint/2012/main" matchingName="Title only" type="titleOnly">
+<p:sldLayout xmlns:a="http://schemas.openxmlformats.org/drawingml/2006/main" xmlns:r="http://schemas.openxmlformats.org/officeDocument/2006/relationships" xmlns:p="http://schemas.openxmlformats.org/presentationml/2006/main" matchingName="Title only" type="titleOnly">
   <p:cSld name="TITLE_ONLY">
     <p:spTree>
       <p:nvGrpSpPr>
-        <p:cNvPr id="31" name="Shape 31"/>
+        <p:cNvPr id="1" name="Shape 31"/>
         <p:cNvGrpSpPr/>
         <p:nvPr/>
       </p:nvGrpSpPr>
@@ -4877,7 +5016,7 @@
           <p:nvPr/>
         </p:nvSpPr>
         <p:spPr>
-          <a:xfrm flipH="1" rot="10800000">
+          <a:xfrm rot="10800000" flipH="1">
             <a:off x="0" y="656400"/>
             <a:ext cx="9144000" cy="4487100"/>
           </a:xfrm>
@@ -4892,23 +5031,20 @@
           </a:ln>
         </p:spPr>
         <p:txBody>
-          <a:bodyPr anchorCtr="0" anchor="ctr" bIns="91425" lIns="91425" spcFirstLastPara="1" rIns="91425" wrap="square" tIns="91425">
+          <a:bodyPr spcFirstLastPara="1" wrap="square" lIns="91425" tIns="91425" rIns="91425" bIns="91425" anchor="ctr" anchorCtr="0">
             <a:noAutofit/>
           </a:bodyPr>
           <a:lstStyle/>
           <a:p>
-            <a:pPr indent="0" lvl="0" marL="0" rtl="0" algn="l">
-              <a:spcBef>
-                <a:spcPts val="0"/>
-              </a:spcBef>
-              <a:spcAft>
-                <a:spcPts val="0"/>
-              </a:spcAft>
-              <a:buNone/>
-            </a:pPr>
-            <a:r>
-              <a:t/>
-            </a:r>
+            <a:pPr marL="0" lvl="0" indent="0" algn="l" rtl="0">
+              <a:spcBef>
+                <a:spcPts val="0"/>
+              </a:spcBef>
+              <a:spcAft>
+                <a:spcPts val="0"/>
+              </a:spcAft>
+              <a:buNone/>
+            </a:pPr>
             <a:endParaRPr/>
           </a:p>
         </p:txBody>
@@ -4949,23 +5085,20 @@
           </a:ln>
         </p:spPr>
         <p:txBody>
-          <a:bodyPr anchorCtr="0" anchor="ctr" bIns="91425" lIns="91425" spcFirstLastPara="1" rIns="91425" wrap="square" tIns="91425">
+          <a:bodyPr spcFirstLastPara="1" wrap="square" lIns="91425" tIns="91425" rIns="91425" bIns="91425" anchor="ctr" anchorCtr="0">
             <a:noAutofit/>
           </a:bodyPr>
           <a:lstStyle/>
           <a:p>
-            <a:pPr indent="0" lvl="0" marL="0" rtl="0" algn="l">
-              <a:spcBef>
-                <a:spcPts val="0"/>
-              </a:spcBef>
-              <a:spcAft>
-                <a:spcPts val="0"/>
-              </a:spcAft>
-              <a:buNone/>
-            </a:pPr>
-            <a:r>
-              <a:t/>
-            </a:r>
+            <a:pPr marL="0" lvl="0" indent="0" algn="l" rtl="0">
+              <a:spcBef>
+                <a:spcPts val="0"/>
+              </a:spcBef>
+              <a:spcAft>
+                <a:spcPts val="0"/>
+              </a:spcAft>
+              <a:buNone/>
+            </a:pPr>
             <a:endParaRPr/>
           </a:p>
         </p:txBody>
@@ -4973,7 +5106,9 @@
       <p:sp>
         <p:nvSpPr>
           <p:cNvPr id="34" name="Google Shape;34;p6"/>
-          <p:cNvSpPr txBox="1"/>
+          <p:cNvSpPr txBox="1">
+            <a:spLocks noGrp="1"/>
+          </p:cNvSpPr>
           <p:nvPr>
             <p:ph type="title"/>
           </p:nvPr>
@@ -4988,7 +5123,7 @@
           </a:prstGeom>
         </p:spPr>
         <p:txBody>
-          <a:bodyPr anchorCtr="0" anchor="ctr" bIns="91425" lIns="91425" spcFirstLastPara="1" rIns="91425" wrap="square" tIns="91425">
+          <a:bodyPr spcFirstLastPara="1" wrap="square" lIns="91425" tIns="91425" rIns="91425" bIns="91425" anchor="ctr" anchorCtr="0">
             <a:noAutofit/>
           </a:bodyPr>
           <a:lstStyle>
@@ -5092,15 +5227,19 @@
               <a:defRPr sz="1800"/>
             </a:lvl9pPr>
           </a:lstStyle>
-          <a:p/>
+          <a:p>
+            <a:endParaRPr/>
+          </a:p>
         </p:txBody>
       </p:sp>
       <p:sp>
         <p:nvSpPr>
           <p:cNvPr id="35" name="Google Shape;35;p6"/>
-          <p:cNvSpPr txBox="1"/>
+          <p:cNvSpPr txBox="1">
+            <a:spLocks noGrp="1"/>
+          </p:cNvSpPr>
           <p:nvPr>
-            <p:ph idx="12" type="sldNum"/>
+            <p:ph type="sldNum" idx="12"/>
           </p:nvPr>
         </p:nvSpPr>
         <p:spPr>
@@ -5113,7 +5252,7 @@
           </a:prstGeom>
         </p:spPr>
         <p:txBody>
-          <a:bodyPr anchorCtr="0" anchor="ctr" bIns="91425" lIns="91425" spcFirstLastPara="1" rIns="91425" wrap="square" tIns="91425">
+          <a:bodyPr spcFirstLastPara="1" wrap="square" lIns="91425" tIns="91425" rIns="91425" bIns="91425" anchor="ctr" anchorCtr="0">
             <a:noAutofit/>
           </a:bodyPr>
           <a:lstStyle>
@@ -5155,7 +5294,7 @@
             </a:lvl9pPr>
           </a:lstStyle>
           <a:p>
-            <a:pPr indent="0" lvl="0" marL="0" rtl="0" algn="r">
+            <a:pPr marL="0" lvl="0" indent="0" algn="r" rtl="0">
               <a:spcBef>
                 <a:spcPts val="0"/>
               </a:spcBef>
@@ -5181,11 +5320,11 @@
 </file>
 
 <file path=ppt/slideLayouts/slideLayout6.xml><?xml version="1.0" encoding="utf-8"?>
-<p:sldLayout xmlns:a="http://schemas.openxmlformats.org/drawingml/2006/main" xmlns:r="http://schemas.openxmlformats.org/officeDocument/2006/relationships" xmlns:mc="http://schemas.openxmlformats.org/markup-compatibility/2006" xmlns:mv="urn:schemas-microsoft-com:mac:vml" xmlns:p="http://schemas.openxmlformats.org/presentationml/2006/main" xmlns:c="http://schemas.openxmlformats.org/drawingml/2006/chart" xmlns:dgm="http://schemas.openxmlformats.org/drawingml/2006/diagram" xmlns:o="urn:schemas-microsoft-com:office:office" xmlns:v="urn:schemas-microsoft-com:vml" xmlns:pvml="urn:schemas-microsoft-com:office:powerpoint" xmlns:com="http://schemas.openxmlformats.org/drawingml/2006/compatibility" xmlns:p14="http://schemas.microsoft.com/office/powerpoint/2010/main" xmlns:p15="http://schemas.microsoft.com/office/powerpoint/2012/main" matchingName="One column text">
+<p:sldLayout xmlns:a="http://schemas.openxmlformats.org/drawingml/2006/main" xmlns:r="http://schemas.openxmlformats.org/officeDocument/2006/relationships" xmlns:p="http://schemas.openxmlformats.org/presentationml/2006/main" matchingName="One column text">
   <p:cSld name="ONE_COLUMN_TEXT">
     <p:spTree>
       <p:nvGrpSpPr>
-        <p:cNvPr id="36" name="Shape 36"/>
+        <p:cNvPr id="1" name="Shape 36"/>
         <p:cNvGrpSpPr/>
         <p:nvPr/>
       </p:nvGrpSpPr>
@@ -5204,7 +5343,7 @@
           <p:nvPr/>
         </p:nvSpPr>
         <p:spPr>
-          <a:xfrm flipH="1" rot="10800000">
+          <a:xfrm rot="10800000" flipH="1">
             <a:off x="3276600" y="25"/>
             <a:ext cx="5867400" cy="5143500"/>
           </a:xfrm>
@@ -5219,23 +5358,20 @@
           </a:ln>
         </p:spPr>
         <p:txBody>
-          <a:bodyPr anchorCtr="0" anchor="ctr" bIns="91425" lIns="91425" spcFirstLastPara="1" rIns="91425" wrap="square" tIns="91425">
+          <a:bodyPr spcFirstLastPara="1" wrap="square" lIns="91425" tIns="91425" rIns="91425" bIns="91425" anchor="ctr" anchorCtr="0">
             <a:noAutofit/>
           </a:bodyPr>
           <a:lstStyle/>
           <a:p>
-            <a:pPr indent="0" lvl="0" marL="0" rtl="0" algn="l">
-              <a:spcBef>
-                <a:spcPts val="0"/>
-              </a:spcBef>
-              <a:spcAft>
-                <a:spcPts val="0"/>
-              </a:spcAft>
-              <a:buNone/>
-            </a:pPr>
-            <a:r>
-              <a:t/>
-            </a:r>
+            <a:pPr marL="0" lvl="0" indent="0" algn="l" rtl="0">
+              <a:spcBef>
+                <a:spcPts val="0"/>
+              </a:spcBef>
+              <a:spcAft>
+                <a:spcPts val="0"/>
+              </a:spcAft>
+              <a:buNone/>
+            </a:pPr>
             <a:endParaRPr/>
           </a:p>
         </p:txBody>
@@ -5276,23 +5412,20 @@
           </a:ln>
         </p:spPr>
         <p:txBody>
-          <a:bodyPr anchorCtr="0" anchor="ctr" bIns="91425" lIns="91425" spcFirstLastPara="1" rIns="91425" wrap="square" tIns="91425">
+          <a:bodyPr spcFirstLastPara="1" wrap="square" lIns="91425" tIns="91425" rIns="91425" bIns="91425" anchor="ctr" anchorCtr="0">
             <a:noAutofit/>
           </a:bodyPr>
           <a:lstStyle/>
           <a:p>
-            <a:pPr indent="0" lvl="0" marL="0" rtl="0" algn="l">
-              <a:spcBef>
-                <a:spcPts val="0"/>
-              </a:spcBef>
-              <a:spcAft>
-                <a:spcPts val="0"/>
-              </a:spcAft>
-              <a:buNone/>
-            </a:pPr>
-            <a:r>
-              <a:t/>
-            </a:r>
+            <a:pPr marL="0" lvl="0" indent="0" algn="l" rtl="0">
+              <a:spcBef>
+                <a:spcPts val="0"/>
+              </a:spcBef>
+              <a:spcAft>
+                <a:spcPts val="0"/>
+              </a:spcAft>
+              <a:buNone/>
+            </a:pPr>
             <a:endParaRPr/>
           </a:p>
         </p:txBody>
@@ -5300,7 +5433,9 @@
       <p:sp>
         <p:nvSpPr>
           <p:cNvPr id="39" name="Google Shape;39;p7"/>
-          <p:cNvSpPr txBox="1"/>
+          <p:cNvSpPr txBox="1">
+            <a:spLocks noGrp="1"/>
+          </p:cNvSpPr>
           <p:nvPr>
             <p:ph type="title"/>
           </p:nvPr>
@@ -5315,7 +5450,7 @@
           </a:prstGeom>
         </p:spPr>
         <p:txBody>
-          <a:bodyPr anchorCtr="0" anchor="b" bIns="91425" lIns="91425" spcFirstLastPara="1" rIns="91425" wrap="square" tIns="91425">
+          <a:bodyPr spcFirstLastPara="1" wrap="square" lIns="91425" tIns="91425" rIns="91425" bIns="91425" anchor="b" anchorCtr="0">
             <a:noAutofit/>
           </a:bodyPr>
           <a:lstStyle>
@@ -5419,15 +5554,19 @@
               <a:defRPr sz="2400"/>
             </a:lvl9pPr>
           </a:lstStyle>
-          <a:p/>
+          <a:p>
+            <a:endParaRPr/>
+          </a:p>
         </p:txBody>
       </p:sp>
       <p:sp>
         <p:nvSpPr>
           <p:cNvPr id="40" name="Google Shape;40;p7"/>
-          <p:cNvSpPr txBox="1"/>
+          <p:cNvSpPr txBox="1">
+            <a:spLocks noGrp="1"/>
+          </p:cNvSpPr>
           <p:nvPr>
-            <p:ph idx="1" type="body"/>
+            <p:ph type="body" idx="1"/>
           </p:nvPr>
         </p:nvSpPr>
         <p:spPr>
@@ -5440,11 +5579,11 @@
           </a:prstGeom>
         </p:spPr>
         <p:txBody>
-          <a:bodyPr anchorCtr="0" anchor="t" bIns="91425" lIns="91425" spcFirstLastPara="1" rIns="91425" wrap="square" tIns="91425">
+          <a:bodyPr spcFirstLastPara="1" wrap="square" lIns="91425" tIns="91425" rIns="91425" bIns="91425" anchor="t" anchorCtr="0">
             <a:noAutofit/>
           </a:bodyPr>
           <a:lstStyle>
-            <a:lvl1pPr indent="-304800" lvl="0" marL="457200">
+            <a:lvl1pPr marL="457200" lvl="0" indent="-304800">
               <a:spcBef>
                 <a:spcPts val="0"/>
               </a:spcBef>
@@ -5462,7 +5601,7 @@
                 </a:solidFill>
               </a:defRPr>
             </a:lvl1pPr>
-            <a:lvl2pPr indent="-304800" lvl="1" marL="914400">
+            <a:lvl2pPr marL="914400" lvl="1" indent="-304800">
               <a:spcBef>
                 <a:spcPts val="1600"/>
               </a:spcBef>
@@ -5480,7 +5619,7 @@
                 </a:solidFill>
               </a:defRPr>
             </a:lvl2pPr>
-            <a:lvl3pPr indent="-304800" lvl="2" marL="1371600">
+            <a:lvl3pPr marL="1371600" lvl="2" indent="-304800">
               <a:spcBef>
                 <a:spcPts val="1600"/>
               </a:spcBef>
@@ -5498,7 +5637,7 @@
                 </a:solidFill>
               </a:defRPr>
             </a:lvl3pPr>
-            <a:lvl4pPr indent="-304800" lvl="3" marL="1828800">
+            <a:lvl4pPr marL="1828800" lvl="3" indent="-304800">
               <a:spcBef>
                 <a:spcPts val="1600"/>
               </a:spcBef>
@@ -5516,7 +5655,7 @@
                 </a:solidFill>
               </a:defRPr>
             </a:lvl4pPr>
-            <a:lvl5pPr indent="-304800" lvl="4" marL="2286000">
+            <a:lvl5pPr marL="2286000" lvl="4" indent="-304800">
               <a:spcBef>
                 <a:spcPts val="1600"/>
               </a:spcBef>
@@ -5534,7 +5673,7 @@
                 </a:solidFill>
               </a:defRPr>
             </a:lvl5pPr>
-            <a:lvl6pPr indent="-304800" lvl="5" marL="2743200">
+            <a:lvl6pPr marL="2743200" lvl="5" indent="-304800">
               <a:spcBef>
                 <a:spcPts val="1600"/>
               </a:spcBef>
@@ -5552,7 +5691,7 @@
                 </a:solidFill>
               </a:defRPr>
             </a:lvl6pPr>
-            <a:lvl7pPr indent="-304800" lvl="6" marL="3200400">
+            <a:lvl7pPr marL="3200400" lvl="6" indent="-304800">
               <a:spcBef>
                 <a:spcPts val="1600"/>
               </a:spcBef>
@@ -5570,7 +5709,7 @@
                 </a:solidFill>
               </a:defRPr>
             </a:lvl7pPr>
-            <a:lvl8pPr indent="-304800" lvl="7" marL="3657600">
+            <a:lvl8pPr marL="3657600" lvl="7" indent="-304800">
               <a:spcBef>
                 <a:spcPts val="1600"/>
               </a:spcBef>
@@ -5588,7 +5727,7 @@
                 </a:solidFill>
               </a:defRPr>
             </a:lvl8pPr>
-            <a:lvl9pPr indent="-304800" lvl="8" marL="4114800">
+            <a:lvl9pPr marL="4114800" lvl="8" indent="-304800">
               <a:spcBef>
                 <a:spcPts val="1600"/>
               </a:spcBef>
@@ -5607,15 +5746,19 @@
               </a:defRPr>
             </a:lvl9pPr>
           </a:lstStyle>
-          <a:p/>
+          <a:p>
+            <a:endParaRPr/>
+          </a:p>
         </p:txBody>
       </p:sp>
       <p:sp>
         <p:nvSpPr>
           <p:cNvPr id="41" name="Google Shape;41;p7"/>
-          <p:cNvSpPr txBox="1"/>
+          <p:cNvSpPr txBox="1">
+            <a:spLocks noGrp="1"/>
+          </p:cNvSpPr>
           <p:nvPr>
-            <p:ph idx="12" type="sldNum"/>
+            <p:ph type="sldNum" idx="12"/>
           </p:nvPr>
         </p:nvSpPr>
         <p:spPr>
@@ -5628,7 +5771,7 @@
           </a:prstGeom>
         </p:spPr>
         <p:txBody>
-          <a:bodyPr anchorCtr="0" anchor="ctr" bIns="91425" lIns="91425" spcFirstLastPara="1" rIns="91425" wrap="square" tIns="91425">
+          <a:bodyPr spcFirstLastPara="1" wrap="square" lIns="91425" tIns="91425" rIns="91425" bIns="91425" anchor="ctr" anchorCtr="0">
             <a:noAutofit/>
           </a:bodyPr>
           <a:lstStyle>
@@ -5670,7 +5813,7 @@
             </a:lvl9pPr>
           </a:lstStyle>
           <a:p>
-            <a:pPr indent="0" lvl="0" marL="0" rtl="0" algn="r">
+            <a:pPr marL="0" lvl="0" indent="0" algn="r" rtl="0">
               <a:spcBef>
                 <a:spcPts val="0"/>
               </a:spcBef>
@@ -5696,11 +5839,11 @@
 </file>
 
 <file path=ppt/slideLayouts/slideLayout7.xml><?xml version="1.0" encoding="utf-8"?>
-<p:sldLayout xmlns:a="http://schemas.openxmlformats.org/drawingml/2006/main" xmlns:r="http://schemas.openxmlformats.org/officeDocument/2006/relationships" xmlns:mc="http://schemas.openxmlformats.org/markup-compatibility/2006" xmlns:mv="urn:schemas-microsoft-com:mac:vml" xmlns:p="http://schemas.openxmlformats.org/presentationml/2006/main" xmlns:c="http://schemas.openxmlformats.org/drawingml/2006/chart" xmlns:dgm="http://schemas.openxmlformats.org/drawingml/2006/diagram" xmlns:o="urn:schemas-microsoft-com:office:office" xmlns:v="urn:schemas-microsoft-com:vml" xmlns:pvml="urn:schemas-microsoft-com:office:powerpoint" xmlns:com="http://schemas.openxmlformats.org/drawingml/2006/compatibility" xmlns:p14="http://schemas.microsoft.com/office/powerpoint/2010/main" xmlns:p15="http://schemas.microsoft.com/office/powerpoint/2012/main" matchingName="Main point">
+<p:sldLayout xmlns:a="http://schemas.openxmlformats.org/drawingml/2006/main" xmlns:r="http://schemas.openxmlformats.org/officeDocument/2006/relationships" xmlns:p="http://schemas.openxmlformats.org/presentationml/2006/main" matchingName="Main point">
   <p:cSld name="MAIN_POINT">
     <p:spTree>
       <p:nvGrpSpPr>
-        <p:cNvPr id="42" name="Shape 42"/>
+        <p:cNvPr id="1" name="Shape 42"/>
         <p:cNvGrpSpPr/>
         <p:nvPr/>
       </p:nvGrpSpPr>
@@ -5715,7 +5858,9 @@
       <p:sp>
         <p:nvSpPr>
           <p:cNvPr id="43" name="Google Shape;43;p8"/>
-          <p:cNvSpPr txBox="1"/>
+          <p:cNvSpPr txBox="1">
+            <a:spLocks noGrp="1"/>
+          </p:cNvSpPr>
           <p:nvPr>
             <p:ph type="title"/>
           </p:nvPr>
@@ -5730,7 +5875,7 @@
           </a:prstGeom>
         </p:spPr>
         <p:txBody>
-          <a:bodyPr anchorCtr="0" anchor="ctr" bIns="91425" lIns="91425" spcFirstLastPara="1" rIns="91425" wrap="square" tIns="91425">
+          <a:bodyPr spcFirstLastPara="1" wrap="square" lIns="91425" tIns="91425" rIns="91425" bIns="91425" anchor="ctr" anchorCtr="0">
             <a:noAutofit/>
           </a:bodyPr>
           <a:lstStyle>
@@ -5834,15 +5979,19 @@
               <a:defRPr sz="6000"/>
             </a:lvl9pPr>
           </a:lstStyle>
-          <a:p/>
+          <a:p>
+            <a:endParaRPr/>
+          </a:p>
         </p:txBody>
       </p:sp>
       <p:sp>
         <p:nvSpPr>
           <p:cNvPr id="44" name="Google Shape;44;p8"/>
-          <p:cNvSpPr txBox="1"/>
+          <p:cNvSpPr txBox="1">
+            <a:spLocks noGrp="1"/>
+          </p:cNvSpPr>
           <p:nvPr>
-            <p:ph idx="12" type="sldNum"/>
+            <p:ph type="sldNum" idx="12"/>
           </p:nvPr>
         </p:nvSpPr>
         <p:spPr>
@@ -5855,7 +6004,7 @@
           </a:prstGeom>
         </p:spPr>
         <p:txBody>
-          <a:bodyPr anchorCtr="0" anchor="ctr" bIns="91425" lIns="91425" spcFirstLastPara="1" rIns="91425" wrap="square" tIns="91425">
+          <a:bodyPr spcFirstLastPara="1" wrap="square" lIns="91425" tIns="91425" rIns="91425" bIns="91425" anchor="ctr" anchorCtr="0">
             <a:noAutofit/>
           </a:bodyPr>
           <a:lstStyle>
@@ -5933,7 +6082,7 @@
             </a:lvl9pPr>
           </a:lstStyle>
           <a:p>
-            <a:pPr indent="0" lvl="0" marL="0" rtl="0" algn="r">
+            <a:pPr marL="0" lvl="0" indent="0" algn="r" rtl="0">
               <a:spcBef>
                 <a:spcPts val="0"/>
               </a:spcBef>
@@ -5959,11 +6108,11 @@
 </file>
 
 <file path=ppt/slideLayouts/slideLayout8.xml><?xml version="1.0" encoding="utf-8"?>
-<p:sldLayout xmlns:a="http://schemas.openxmlformats.org/drawingml/2006/main" xmlns:r="http://schemas.openxmlformats.org/officeDocument/2006/relationships" xmlns:mc="http://schemas.openxmlformats.org/markup-compatibility/2006" xmlns:mv="urn:schemas-microsoft-com:mac:vml" xmlns:p="http://schemas.openxmlformats.org/presentationml/2006/main" xmlns:c="http://schemas.openxmlformats.org/drawingml/2006/chart" xmlns:dgm="http://schemas.openxmlformats.org/drawingml/2006/diagram" xmlns:o="urn:schemas-microsoft-com:office:office" xmlns:v="urn:schemas-microsoft-com:vml" xmlns:pvml="urn:schemas-microsoft-com:office:powerpoint" xmlns:com="http://schemas.openxmlformats.org/drawingml/2006/compatibility" xmlns:p14="http://schemas.microsoft.com/office/powerpoint/2010/main" xmlns:p15="http://schemas.microsoft.com/office/powerpoint/2012/main" matchingName="Section title and description">
+<p:sldLayout xmlns:a="http://schemas.openxmlformats.org/drawingml/2006/main" xmlns:r="http://schemas.openxmlformats.org/officeDocument/2006/relationships" xmlns:p="http://schemas.openxmlformats.org/presentationml/2006/main" matchingName="Section title and description">
   <p:cSld name="SECTION_TITLE_AND_DESCRIPTION">
     <p:spTree>
       <p:nvGrpSpPr>
-        <p:cNvPr id="45" name="Shape 45"/>
+        <p:cNvPr id="1" name="Shape 45"/>
         <p:cNvGrpSpPr/>
         <p:nvPr/>
       </p:nvGrpSpPr>
@@ -5997,23 +6146,20 @@
           </a:ln>
         </p:spPr>
         <p:txBody>
-          <a:bodyPr anchorCtr="0" anchor="ctr" bIns="91425" lIns="91425" spcFirstLastPara="1" rIns="91425" wrap="square" tIns="91425">
+          <a:bodyPr spcFirstLastPara="1" wrap="square" lIns="91425" tIns="91425" rIns="91425" bIns="91425" anchor="ctr" anchorCtr="0">
             <a:noAutofit/>
           </a:bodyPr>
           <a:lstStyle/>
           <a:p>
-            <a:pPr indent="0" lvl="0" marL="0" rtl="0" algn="l">
-              <a:spcBef>
-                <a:spcPts val="0"/>
-              </a:spcBef>
-              <a:spcAft>
-                <a:spcPts val="0"/>
-              </a:spcAft>
-              <a:buNone/>
-            </a:pPr>
-            <a:r>
-              <a:t/>
-            </a:r>
+            <a:pPr marL="0" lvl="0" indent="0" algn="l" rtl="0">
+              <a:spcBef>
+                <a:spcPts val="0"/>
+              </a:spcBef>
+              <a:spcAft>
+                <a:spcPts val="0"/>
+              </a:spcAft>
+              <a:buNone/>
+            </a:pPr>
             <a:endParaRPr/>
           </a:p>
         </p:txBody>
@@ -6054,23 +6200,20 @@
           </a:ln>
         </p:spPr>
         <p:txBody>
-          <a:bodyPr anchorCtr="0" anchor="ctr" bIns="91425" lIns="91425" spcFirstLastPara="1" rIns="91425" wrap="square" tIns="91425">
+          <a:bodyPr spcFirstLastPara="1" wrap="square" lIns="91425" tIns="91425" rIns="91425" bIns="91425" anchor="ctr" anchorCtr="0">
             <a:noAutofit/>
           </a:bodyPr>
           <a:lstStyle/>
           <a:p>
-            <a:pPr indent="0" lvl="0" marL="0" rtl="0" algn="l">
-              <a:spcBef>
-                <a:spcPts val="0"/>
-              </a:spcBef>
-              <a:spcAft>
-                <a:spcPts val="0"/>
-              </a:spcAft>
-              <a:buNone/>
-            </a:pPr>
-            <a:r>
-              <a:t/>
-            </a:r>
+            <a:pPr marL="0" lvl="0" indent="0" algn="l" rtl="0">
+              <a:spcBef>
+                <a:spcPts val="0"/>
+              </a:spcBef>
+              <a:spcAft>
+                <a:spcPts val="0"/>
+              </a:spcAft>
+              <a:buNone/>
+            </a:pPr>
             <a:endParaRPr/>
           </a:p>
         </p:txBody>
@@ -6078,7 +6221,9 @@
       <p:sp>
         <p:nvSpPr>
           <p:cNvPr id="48" name="Google Shape;48;p9"/>
-          <p:cNvSpPr txBox="1"/>
+          <p:cNvSpPr txBox="1">
+            <a:spLocks noGrp="1"/>
+          </p:cNvSpPr>
           <p:nvPr>
             <p:ph type="title"/>
           </p:nvPr>
@@ -6093,7 +6238,7 @@
           </a:prstGeom>
         </p:spPr>
         <p:txBody>
-          <a:bodyPr anchorCtr="0" anchor="b" bIns="91425" lIns="91425" spcFirstLastPara="1" rIns="91425" wrap="square" tIns="91425">
+          <a:bodyPr spcFirstLastPara="1" wrap="square" lIns="91425" tIns="91425" rIns="91425" bIns="91425" anchor="b" anchorCtr="0">
             <a:noAutofit/>
           </a:bodyPr>
           <a:lstStyle>
@@ -6260,15 +6405,19 @@
               </a:defRPr>
             </a:lvl9pPr>
           </a:lstStyle>
-          <a:p/>
+          <a:p>
+            <a:endParaRPr/>
+          </a:p>
         </p:txBody>
       </p:sp>
       <p:sp>
         <p:nvSpPr>
           <p:cNvPr id="49" name="Google Shape;49;p9"/>
-          <p:cNvSpPr txBox="1"/>
+          <p:cNvSpPr txBox="1">
+            <a:spLocks noGrp="1"/>
+          </p:cNvSpPr>
           <p:nvPr>
-            <p:ph idx="1" type="subTitle"/>
+            <p:ph type="subTitle" idx="1"/>
           </p:nvPr>
         </p:nvSpPr>
         <p:spPr>
@@ -6281,7 +6430,7 @@
           </a:prstGeom>
         </p:spPr>
         <p:txBody>
-          <a:bodyPr anchorCtr="0" anchor="t" bIns="91425" lIns="91425" spcFirstLastPara="1" rIns="91425" wrap="square" tIns="91425">
+          <a:bodyPr spcFirstLastPara="1" wrap="square" lIns="91425" tIns="91425" rIns="91425" bIns="91425" anchor="t" anchorCtr="0">
             <a:noAutofit/>
           </a:bodyPr>
           <a:lstStyle>
@@ -6412,15 +6561,19 @@
               <a:defRPr sz="2100"/>
             </a:lvl9pPr>
           </a:lstStyle>
-          <a:p/>
+          <a:p>
+            <a:endParaRPr/>
+          </a:p>
         </p:txBody>
       </p:sp>
       <p:sp>
         <p:nvSpPr>
           <p:cNvPr id="50" name="Google Shape;50;p9"/>
-          <p:cNvSpPr txBox="1"/>
+          <p:cNvSpPr txBox="1">
+            <a:spLocks noGrp="1"/>
+          </p:cNvSpPr>
           <p:nvPr>
-            <p:ph idx="2" type="body"/>
+            <p:ph type="body" idx="2"/>
           </p:nvPr>
         </p:nvSpPr>
         <p:spPr>
@@ -6433,11 +6586,11 @@
           </a:prstGeom>
         </p:spPr>
         <p:txBody>
-          <a:bodyPr anchorCtr="0" anchor="ctr" bIns="91425" lIns="91425" spcFirstLastPara="1" rIns="91425" wrap="square" tIns="91425">
+          <a:bodyPr spcFirstLastPara="1" wrap="square" lIns="91425" tIns="91425" rIns="91425" bIns="91425" anchor="ctr" anchorCtr="0">
             <a:noAutofit/>
           </a:bodyPr>
           <a:lstStyle>
-            <a:lvl1pPr indent="-342900" lvl="0" marL="457200">
+            <a:lvl1pPr marL="457200" lvl="0" indent="-342900">
               <a:spcBef>
                 <a:spcPts val="0"/>
               </a:spcBef>
@@ -6455,7 +6608,7 @@
                 </a:solidFill>
               </a:defRPr>
             </a:lvl1pPr>
-            <a:lvl2pPr indent="-317500" lvl="1" marL="914400">
+            <a:lvl2pPr marL="914400" lvl="1" indent="-317500">
               <a:spcBef>
                 <a:spcPts val="1600"/>
               </a:spcBef>
@@ -6473,7 +6626,7 @@
                 </a:solidFill>
               </a:defRPr>
             </a:lvl2pPr>
-            <a:lvl3pPr indent="-317500" lvl="2" marL="1371600">
+            <a:lvl3pPr marL="1371600" lvl="2" indent="-317500">
               <a:spcBef>
                 <a:spcPts val="1600"/>
               </a:spcBef>
@@ -6491,7 +6644,7 @@
                 </a:solidFill>
               </a:defRPr>
             </a:lvl3pPr>
-            <a:lvl4pPr indent="-317500" lvl="3" marL="1828800">
+            <a:lvl4pPr marL="1828800" lvl="3" indent="-317500">
               <a:spcBef>
                 <a:spcPts val="1600"/>
               </a:spcBef>
@@ -6509,7 +6662,7 @@
                 </a:solidFill>
               </a:defRPr>
             </a:lvl4pPr>
-            <a:lvl5pPr indent="-317500" lvl="4" marL="2286000">
+            <a:lvl5pPr marL="2286000" lvl="4" indent="-317500">
               <a:spcBef>
                 <a:spcPts val="1600"/>
               </a:spcBef>
@@ -6527,7 +6680,7 @@
                 </a:solidFill>
               </a:defRPr>
             </a:lvl5pPr>
-            <a:lvl6pPr indent="-317500" lvl="5" marL="2743200">
+            <a:lvl6pPr marL="2743200" lvl="5" indent="-317500">
               <a:spcBef>
                 <a:spcPts val="1600"/>
               </a:spcBef>
@@ -6545,7 +6698,7 @@
                 </a:solidFill>
               </a:defRPr>
             </a:lvl6pPr>
-            <a:lvl7pPr indent="-317500" lvl="6" marL="3200400">
+            <a:lvl7pPr marL="3200400" lvl="6" indent="-317500">
               <a:spcBef>
                 <a:spcPts val="1600"/>
               </a:spcBef>
@@ -6563,7 +6716,7 @@
                 </a:solidFill>
               </a:defRPr>
             </a:lvl7pPr>
-            <a:lvl8pPr indent="-317500" lvl="7" marL="3657600">
+            <a:lvl8pPr marL="3657600" lvl="7" indent="-317500">
               <a:spcBef>
                 <a:spcPts val="1600"/>
               </a:spcBef>
@@ -6581,7 +6734,7 @@
                 </a:solidFill>
               </a:defRPr>
             </a:lvl8pPr>
-            <a:lvl9pPr indent="-317500" lvl="8" marL="4114800">
+            <a:lvl9pPr marL="4114800" lvl="8" indent="-317500">
               <a:spcBef>
                 <a:spcPts val="1600"/>
               </a:spcBef>
@@ -6600,15 +6753,19 @@
               </a:defRPr>
             </a:lvl9pPr>
           </a:lstStyle>
-          <a:p/>
+          <a:p>
+            <a:endParaRPr/>
+          </a:p>
         </p:txBody>
       </p:sp>
       <p:sp>
         <p:nvSpPr>
           <p:cNvPr id="51" name="Google Shape;51;p9"/>
-          <p:cNvSpPr txBox="1"/>
+          <p:cNvSpPr txBox="1">
+            <a:spLocks noGrp="1"/>
+          </p:cNvSpPr>
           <p:nvPr>
-            <p:ph idx="12" type="sldNum"/>
+            <p:ph type="sldNum" idx="12"/>
           </p:nvPr>
         </p:nvSpPr>
         <p:spPr>
@@ -6621,7 +6778,7 @@
           </a:prstGeom>
         </p:spPr>
         <p:txBody>
-          <a:bodyPr anchorCtr="0" anchor="ctr" bIns="91425" lIns="91425" spcFirstLastPara="1" rIns="91425" wrap="square" tIns="91425">
+          <a:bodyPr spcFirstLastPara="1" wrap="square" lIns="91425" tIns="91425" rIns="91425" bIns="91425" anchor="ctr" anchorCtr="0">
             <a:noAutofit/>
           </a:bodyPr>
           <a:lstStyle>
@@ -6699,7 +6856,7 @@
             </a:lvl9pPr>
           </a:lstStyle>
           <a:p>
-            <a:pPr indent="0" lvl="0" marL="0" rtl="0" algn="r">
+            <a:pPr marL="0" lvl="0" indent="0" algn="r" rtl="0">
               <a:spcBef>
                 <a:spcPts val="0"/>
               </a:spcBef>
@@ -6725,11 +6882,11 @@
 </file>
 
 <file path=ppt/slideLayouts/slideLayout9.xml><?xml version="1.0" encoding="utf-8"?>
-<p:sldLayout xmlns:a="http://schemas.openxmlformats.org/drawingml/2006/main" xmlns:r="http://schemas.openxmlformats.org/officeDocument/2006/relationships" xmlns:mc="http://schemas.openxmlformats.org/markup-compatibility/2006" xmlns:mv="urn:schemas-microsoft-com:mac:vml" xmlns:p="http://schemas.openxmlformats.org/presentationml/2006/main" xmlns:c="http://schemas.openxmlformats.org/drawingml/2006/chart" xmlns:dgm="http://schemas.openxmlformats.org/drawingml/2006/diagram" xmlns:o="urn:schemas-microsoft-com:office:office" xmlns:v="urn:schemas-microsoft-com:vml" xmlns:pvml="urn:schemas-microsoft-com:office:powerpoint" xmlns:com="http://schemas.openxmlformats.org/drawingml/2006/compatibility" xmlns:p14="http://schemas.microsoft.com/office/powerpoint/2010/main" xmlns:p15="http://schemas.microsoft.com/office/powerpoint/2012/main" matchingName="Caption">
+<p:sldLayout xmlns:a="http://schemas.openxmlformats.org/drawingml/2006/main" xmlns:r="http://schemas.openxmlformats.org/officeDocument/2006/relationships" xmlns:p="http://schemas.openxmlformats.org/presentationml/2006/main" matchingName="Caption">
   <p:cSld name="CAPTION_ONLY">
     <p:spTree>
       <p:nvGrpSpPr>
-        <p:cNvPr id="52" name="Shape 52"/>
+        <p:cNvPr id="1" name="Shape 52"/>
         <p:cNvGrpSpPr/>
         <p:nvPr/>
       </p:nvGrpSpPr>
@@ -6748,7 +6905,7 @@
           <p:nvPr/>
         </p:nvSpPr>
         <p:spPr>
-          <a:xfrm flipH="1" rot="10800000">
+          <a:xfrm rot="10800000" flipH="1">
             <a:off x="0" y="0"/>
             <a:ext cx="9144000" cy="4695900"/>
           </a:xfrm>
@@ -6763,23 +6920,20 @@
           </a:ln>
         </p:spPr>
         <p:txBody>
-          <a:bodyPr anchorCtr="0" anchor="ctr" bIns="91425" lIns="91425" spcFirstLastPara="1" rIns="91425" wrap="square" tIns="91425">
+          <a:bodyPr spcFirstLastPara="1" wrap="square" lIns="91425" tIns="91425" rIns="91425" bIns="91425" anchor="ctr" anchorCtr="0">
             <a:noAutofit/>
           </a:bodyPr>
           <a:lstStyle/>
           <a:p>
-            <a:pPr indent="0" lvl="0" marL="0" rtl="0" algn="l">
-              <a:spcBef>
-                <a:spcPts val="0"/>
-              </a:spcBef>
-              <a:spcAft>
-                <a:spcPts val="0"/>
-              </a:spcAft>
-              <a:buNone/>
-            </a:pPr>
-            <a:r>
-              <a:t/>
-            </a:r>
+            <a:pPr marL="0" lvl="0" indent="0" algn="l" rtl="0">
+              <a:spcBef>
+                <a:spcPts val="0"/>
+              </a:spcBef>
+              <a:spcAft>
+                <a:spcPts val="0"/>
+              </a:spcAft>
+              <a:buNone/>
+            </a:pPr>
             <a:endParaRPr/>
           </a:p>
         </p:txBody>
@@ -6791,7 +6945,7 @@
           <p:nvPr/>
         </p:nvSpPr>
         <p:spPr>
-          <a:xfrm flipH="1" rot="10800000">
+          <a:xfrm rot="10800000" flipH="1">
             <a:off x="0" y="4622725"/>
             <a:ext cx="9144000" cy="74100"/>
           </a:xfrm>
@@ -6820,23 +6974,20 @@
           </a:ln>
         </p:spPr>
         <p:txBody>
-          <a:bodyPr anchorCtr="0" anchor="ctr" bIns="91425" lIns="91425" spcFirstLastPara="1" rIns="91425" wrap="square" tIns="91425">
+          <a:bodyPr spcFirstLastPara="1" wrap="square" lIns="91425" tIns="91425" rIns="91425" bIns="91425" anchor="ctr" anchorCtr="0">
             <a:noAutofit/>
           </a:bodyPr>
           <a:lstStyle/>
           <a:p>
-            <a:pPr indent="0" lvl="0" marL="0" rtl="0" algn="l">
-              <a:spcBef>
-                <a:spcPts val="0"/>
-              </a:spcBef>
-              <a:spcAft>
-                <a:spcPts val="0"/>
-              </a:spcAft>
-              <a:buNone/>
-            </a:pPr>
-            <a:r>
-              <a:t/>
-            </a:r>
+            <a:pPr marL="0" lvl="0" indent="0" algn="l" rtl="0">
+              <a:spcBef>
+                <a:spcPts val="0"/>
+              </a:spcBef>
+              <a:spcAft>
+                <a:spcPts val="0"/>
+              </a:spcAft>
+              <a:buNone/>
+            </a:pPr>
             <a:endParaRPr/>
           </a:p>
         </p:txBody>
@@ -6844,9 +6995,11 @@
       <p:sp>
         <p:nvSpPr>
           <p:cNvPr id="55" name="Google Shape;55;p10"/>
-          <p:cNvSpPr txBox="1"/>
+          <p:cNvSpPr txBox="1">
+            <a:spLocks noGrp="1"/>
+          </p:cNvSpPr>
           <p:nvPr>
-            <p:ph idx="1" type="body"/>
+            <p:ph type="body" idx="1"/>
           </p:nvPr>
         </p:nvSpPr>
         <p:spPr>
@@ -6859,11 +7012,11 @@
           </a:prstGeom>
         </p:spPr>
         <p:txBody>
-          <a:bodyPr anchorCtr="0" anchor="ctr" bIns="91425" lIns="91425" spcFirstLastPara="1" rIns="91425" wrap="square" tIns="91425">
+          <a:bodyPr spcFirstLastPara="1" wrap="square" lIns="91425" tIns="91425" rIns="91425" bIns="91425" anchor="ctr" anchorCtr="0">
             <a:noAutofit/>
           </a:bodyPr>
           <a:lstStyle>
-            <a:lvl1pPr indent="-228600" lvl="0" marL="457200">
+            <a:lvl1pPr marL="457200" lvl="0" indent="-228600">
               <a:lnSpc>
                 <a:spcPct val="100000"/>
               </a:lnSpc>
@@ -6885,15 +7038,19 @@
               </a:defRPr>
             </a:lvl1pPr>
           </a:lstStyle>
-          <a:p/>
+          <a:p>
+            <a:endParaRPr/>
+          </a:p>
         </p:txBody>
       </p:sp>
       <p:sp>
         <p:nvSpPr>
           <p:cNvPr id="56" name="Google Shape;56;p10"/>
-          <p:cNvSpPr txBox="1"/>
+          <p:cNvSpPr txBox="1">
+            <a:spLocks noGrp="1"/>
+          </p:cNvSpPr>
           <p:nvPr>
-            <p:ph idx="12" type="sldNum"/>
+            <p:ph type="sldNum" idx="12"/>
           </p:nvPr>
         </p:nvSpPr>
         <p:spPr>
@@ -6906,7 +7063,7 @@
           </a:prstGeom>
         </p:spPr>
         <p:txBody>
-          <a:bodyPr anchorCtr="0" anchor="ctr" bIns="91425" lIns="91425" spcFirstLastPara="1" rIns="91425" wrap="square" tIns="91425">
+          <a:bodyPr spcFirstLastPara="1" wrap="square" lIns="91425" tIns="91425" rIns="91425" bIns="91425" anchor="ctr" anchorCtr="0">
             <a:noAutofit/>
           </a:bodyPr>
           <a:lstStyle>
@@ -6984,7 +7141,7 @@
             </a:lvl9pPr>
           </a:lstStyle>
           <a:p>
-            <a:pPr indent="0" lvl="0" marL="0" rtl="0" algn="r">
+            <a:pPr marL="0" lvl="0" indent="0" algn="r" rtl="0">
               <a:spcBef>
                 <a:spcPts val="0"/>
               </a:spcBef>
@@ -7010,18 +7167,19 @@
 </file>
 
 <file path=ppt/slideMasters/slideMaster1.xml><?xml version="1.0" encoding="utf-8"?>
-<p:sldMaster xmlns:a="http://schemas.openxmlformats.org/drawingml/2006/main" xmlns:r="http://schemas.openxmlformats.org/officeDocument/2006/relationships" xmlns:mc="http://schemas.openxmlformats.org/markup-compatibility/2006" xmlns:mv="urn:schemas-microsoft-com:mac:vml" xmlns:p="http://schemas.openxmlformats.org/presentationml/2006/main" xmlns:c="http://schemas.openxmlformats.org/drawingml/2006/chart" xmlns:dgm="http://schemas.openxmlformats.org/drawingml/2006/diagram" xmlns:o="urn:schemas-microsoft-com:office:office" xmlns:v="urn:schemas-microsoft-com:vml" xmlns:pvml="urn:schemas-microsoft-com:office:powerpoint" xmlns:com="http://schemas.openxmlformats.org/drawingml/2006/compatibility" xmlns:p14="http://schemas.microsoft.com/office/powerpoint/2010/main" xmlns:p15="http://schemas.microsoft.com/office/powerpoint/2012/main">
+<p:sldMaster xmlns:a="http://schemas.openxmlformats.org/drawingml/2006/main" xmlns:r="http://schemas.openxmlformats.org/officeDocument/2006/relationships" xmlns:p="http://schemas.openxmlformats.org/presentationml/2006/main">
   <p:cSld name="material">
     <p:bg>
       <p:bgPr>
         <a:solidFill>
           <a:schemeClr val="dk1"/>
         </a:solidFill>
+        <a:effectLst/>
       </p:bgPr>
     </p:bg>
     <p:spTree>
       <p:nvGrpSpPr>
-        <p:cNvPr id="5" name="Shape 5"/>
+        <p:cNvPr id="1" name="Shape 5"/>
         <p:cNvGrpSpPr/>
         <p:nvPr/>
       </p:nvGrpSpPr>
@@ -7036,7 +7194,9 @@
       <p:sp>
         <p:nvSpPr>
           <p:cNvPr id="6" name="Google Shape;6;p1"/>
-          <p:cNvSpPr txBox="1"/>
+          <p:cNvSpPr txBox="1">
+            <a:spLocks noGrp="1"/>
+          </p:cNvSpPr>
           <p:nvPr>
             <p:ph type="title"/>
           </p:nvPr>
@@ -7055,7 +7215,7 @@
           </a:ln>
         </p:spPr>
         <p:txBody>
-          <a:bodyPr anchorCtr="0" anchor="b" bIns="91425" lIns="91425" spcFirstLastPara="1" rIns="91425" wrap="square" tIns="91425">
+          <a:bodyPr spcFirstLastPara="1" wrap="square" lIns="91425" tIns="91425" rIns="91425" bIns="91425" anchor="b" anchorCtr="0">
             <a:noAutofit/>
           </a:bodyPr>
           <a:lstStyle>
@@ -7267,15 +7427,19 @@
               </a:defRPr>
             </a:lvl9pPr>
           </a:lstStyle>
-          <a:p/>
+          <a:p>
+            <a:endParaRPr/>
+          </a:p>
         </p:txBody>
       </p:sp>
       <p:sp>
         <p:nvSpPr>
           <p:cNvPr id="7" name="Google Shape;7;p1"/>
-          <p:cNvSpPr txBox="1"/>
+          <p:cNvSpPr txBox="1">
+            <a:spLocks noGrp="1"/>
+          </p:cNvSpPr>
           <p:nvPr>
-            <p:ph idx="1" type="body"/>
+            <p:ph type="body" idx="1"/>
           </p:nvPr>
         </p:nvSpPr>
         <p:spPr>
@@ -7292,11 +7456,11 @@
           </a:ln>
         </p:spPr>
         <p:txBody>
-          <a:bodyPr anchorCtr="0" anchor="t" bIns="91425" lIns="91425" spcFirstLastPara="1" rIns="91425" wrap="square" tIns="91425">
+          <a:bodyPr spcFirstLastPara="1" wrap="square" lIns="91425" tIns="91425" rIns="91425" bIns="91425" anchor="t" anchorCtr="0">
             <a:noAutofit/>
           </a:bodyPr>
           <a:lstStyle>
-            <a:lvl1pPr indent="-342900" lvl="0" marL="457200">
+            <a:lvl1pPr marL="457200" lvl="0" indent="-342900">
               <a:lnSpc>
                 <a:spcPct val="115000"/>
               </a:lnSpc>
@@ -7322,7 +7486,7 @@
                 <a:sym typeface="Roboto"/>
               </a:defRPr>
             </a:lvl1pPr>
-            <a:lvl2pPr indent="-317500" lvl="1" marL="914400">
+            <a:lvl2pPr marL="914400" lvl="1" indent="-317500">
               <a:lnSpc>
                 <a:spcPct val="115000"/>
               </a:lnSpc>
@@ -7348,7 +7512,7 @@
                 <a:sym typeface="Roboto"/>
               </a:defRPr>
             </a:lvl2pPr>
-            <a:lvl3pPr indent="-317500" lvl="2" marL="1371600">
+            <a:lvl3pPr marL="1371600" lvl="2" indent="-317500">
               <a:lnSpc>
                 <a:spcPct val="115000"/>
               </a:lnSpc>
@@ -7374,7 +7538,7 @@
                 <a:sym typeface="Roboto"/>
               </a:defRPr>
             </a:lvl3pPr>
-            <a:lvl4pPr indent="-317500" lvl="3" marL="1828800">
+            <a:lvl4pPr marL="1828800" lvl="3" indent="-317500">
               <a:lnSpc>
                 <a:spcPct val="115000"/>
               </a:lnSpc>
@@ -7400,7 +7564,7 @@
                 <a:sym typeface="Roboto"/>
               </a:defRPr>
             </a:lvl4pPr>
-            <a:lvl5pPr indent="-317500" lvl="4" marL="2286000">
+            <a:lvl5pPr marL="2286000" lvl="4" indent="-317500">
               <a:lnSpc>
                 <a:spcPct val="115000"/>
               </a:lnSpc>
@@ -7426,7 +7590,7 @@
                 <a:sym typeface="Roboto"/>
               </a:defRPr>
             </a:lvl5pPr>
-            <a:lvl6pPr indent="-317500" lvl="5" marL="2743200">
+            <a:lvl6pPr marL="2743200" lvl="5" indent="-317500">
               <a:lnSpc>
                 <a:spcPct val="115000"/>
               </a:lnSpc>
@@ -7452,7 +7616,7 @@
                 <a:sym typeface="Roboto"/>
               </a:defRPr>
             </a:lvl6pPr>
-            <a:lvl7pPr indent="-317500" lvl="6" marL="3200400">
+            <a:lvl7pPr marL="3200400" lvl="6" indent="-317500">
               <a:lnSpc>
                 <a:spcPct val="115000"/>
               </a:lnSpc>
@@ -7478,7 +7642,7 @@
                 <a:sym typeface="Roboto"/>
               </a:defRPr>
             </a:lvl7pPr>
-            <a:lvl8pPr indent="-317500" lvl="7" marL="3657600">
+            <a:lvl8pPr marL="3657600" lvl="7" indent="-317500">
               <a:lnSpc>
                 <a:spcPct val="115000"/>
               </a:lnSpc>
@@ -7504,7 +7668,7 @@
                 <a:sym typeface="Roboto"/>
               </a:defRPr>
             </a:lvl8pPr>
-            <a:lvl9pPr indent="-317500" lvl="8" marL="4114800">
+            <a:lvl9pPr marL="4114800" lvl="8" indent="-317500">
               <a:lnSpc>
                 <a:spcPct val="115000"/>
               </a:lnSpc>
@@ -7531,15 +7695,19 @@
               </a:defRPr>
             </a:lvl9pPr>
           </a:lstStyle>
-          <a:p/>
+          <a:p>
+            <a:endParaRPr/>
+          </a:p>
         </p:txBody>
       </p:sp>
       <p:sp>
         <p:nvSpPr>
           <p:cNvPr id="8" name="Google Shape;8;p1"/>
-          <p:cNvSpPr txBox="1"/>
+          <p:cNvSpPr txBox="1">
+            <a:spLocks noGrp="1"/>
+          </p:cNvSpPr>
           <p:nvPr>
-            <p:ph idx="12" type="sldNum"/>
+            <p:ph type="sldNum" idx="12"/>
           </p:nvPr>
         </p:nvSpPr>
         <p:spPr>
@@ -7556,7 +7724,7 @@
           </a:ln>
         </p:spPr>
         <p:txBody>
-          <a:bodyPr anchorCtr="0" anchor="ctr" bIns="91425" lIns="91425" spcFirstLastPara="1" rIns="91425" wrap="square" tIns="91425">
+          <a:bodyPr spcFirstLastPara="1" wrap="square" lIns="91425" tIns="91425" rIns="91425" bIns="91425" anchor="ctr" anchorCtr="0">
             <a:noAutofit/>
           </a:bodyPr>
           <a:lstStyle>
@@ -7670,7 +7838,7 @@
             </a:lvl9pPr>
           </a:lstStyle>
           <a:p>
-            <a:pPr indent="0" lvl="0" marL="0" rtl="0" algn="r">
+            <a:pPr marL="0" lvl="0" indent="0" algn="r" rtl="0">
               <a:spcBef>
                 <a:spcPts val="0"/>
               </a:spcBef>
@@ -7689,7 +7857,7 @@
       </p:sp>
     </p:spTree>
   </p:cSld>
-  <p:clrMap accent1="accent1" accent2="accent2" accent3="accent3" accent4="accent4" accent5="accent5" accent6="accent6" bg1="lt1" bg2="dk2" tx1="dk1" tx2="lt2" folHlink="folHlink" hlink="hlink"/>
+  <p:clrMap bg1="lt1" tx1="dk1" bg2="dk2" tx2="lt2" accent1="accent1" accent2="accent2" accent3="accent3" accent4="accent4" accent5="accent5" accent6="accent6" hlink="hlink" folHlink="folHlink"/>
   <p:sldLayoutIdLst>
     <p:sldLayoutId id="2147483648" r:id="rId1"/>
     <p:sldLayoutId id="2147483649" r:id="rId2"/>
@@ -7703,10 +7871,10 @@
     <p:sldLayoutId id="2147483657" r:id="rId10"/>
     <p:sldLayoutId id="2147483658" r:id="rId11"/>
   </p:sldLayoutIdLst>
-  <p:hf dt="0" ftr="0" hdr="0" sldNum="0"/>
+  <p:hf sldNum="0" hdr="0" ftr="0" dt="0"/>
   <p:txStyles>
     <p:titleStyle>
-      <a:defPPr lvl="0" marR="0" rtl="0" algn="l">
+      <a:defPPr marR="0" lvl="0" algn="l" rtl="0">
         <a:lnSpc>
           <a:spcPct val="100000"/>
         </a:lnSpc>
@@ -7717,7 +7885,7 @@
           <a:spcPts val="0"/>
         </a:spcAft>
       </a:defPPr>
-      <a:lvl1pPr lvl="0" marR="0" rtl="0" algn="l">
+      <a:lvl1pPr marR="0" lvl="0" algn="l" rtl="0">
         <a:lnSpc>
           <a:spcPct val="100000"/>
         </a:lnSpc>
@@ -7731,7 +7899,7 @@
           <a:srgbClr val="000000"/>
         </a:buClr>
         <a:buFont typeface="Arial"/>
-        <a:defRPr b="0" i="0" sz="1400" u="none" cap="none" strike="noStrike">
+        <a:defRPr sz="1400" b="0" i="0" u="none" strike="noStrike" cap="none">
           <a:solidFill>
             <a:srgbClr val="000000"/>
           </a:solidFill>
@@ -7741,7 +7909,7 @@
           <a:sym typeface="Arial"/>
         </a:defRPr>
       </a:lvl1pPr>
-      <a:lvl2pPr lvl="1" marR="0" rtl="0" algn="l">
+      <a:lvl2pPr marR="0" lvl="1" algn="l" rtl="0">
         <a:lnSpc>
           <a:spcPct val="100000"/>
         </a:lnSpc>
@@ -7755,7 +7923,7 @@
           <a:srgbClr val="000000"/>
         </a:buClr>
         <a:buFont typeface="Arial"/>
-        <a:defRPr b="0" i="0" sz="1400" u="none" cap="none" strike="noStrike">
+        <a:defRPr sz="1400" b="0" i="0" u="none" strike="noStrike" cap="none">
           <a:solidFill>
             <a:srgbClr val="000000"/>
           </a:solidFill>
@@ -7765,7 +7933,7 @@
           <a:sym typeface="Arial"/>
         </a:defRPr>
       </a:lvl2pPr>
-      <a:lvl3pPr lvl="2" marR="0" rtl="0" algn="l">
+      <a:lvl3pPr marR="0" lvl="2" algn="l" rtl="0">
         <a:lnSpc>
           <a:spcPct val="100000"/>
         </a:lnSpc>
@@ -7779,7 +7947,7 @@
           <a:srgbClr val="000000"/>
         </a:buClr>
         <a:buFont typeface="Arial"/>
-        <a:defRPr b="0" i="0" sz="1400" u="none" cap="none" strike="noStrike">
+        <a:defRPr sz="1400" b="0" i="0" u="none" strike="noStrike" cap="none">
           <a:solidFill>
             <a:srgbClr val="000000"/>
           </a:solidFill>
@@ -7789,7 +7957,7 @@
           <a:sym typeface="Arial"/>
         </a:defRPr>
       </a:lvl3pPr>
-      <a:lvl4pPr lvl="3" marR="0" rtl="0" algn="l">
+      <a:lvl4pPr marR="0" lvl="3" algn="l" rtl="0">
         <a:lnSpc>
           <a:spcPct val="100000"/>
         </a:lnSpc>
@@ -7803,7 +7971,7 @@
           <a:srgbClr val="000000"/>
         </a:buClr>
         <a:buFont typeface="Arial"/>
-        <a:defRPr b="0" i="0" sz="1400" u="none" cap="none" strike="noStrike">
+        <a:defRPr sz="1400" b="0" i="0" u="none" strike="noStrike" cap="none">
           <a:solidFill>
             <a:srgbClr val="000000"/>
           </a:solidFill>
@@ -7813,7 +7981,7 @@
           <a:sym typeface="Arial"/>
         </a:defRPr>
       </a:lvl4pPr>
-      <a:lvl5pPr lvl="4" marR="0" rtl="0" algn="l">
+      <a:lvl5pPr marR="0" lvl="4" algn="l" rtl="0">
         <a:lnSpc>
           <a:spcPct val="100000"/>
         </a:lnSpc>
@@ -7827,7 +7995,7 @@
           <a:srgbClr val="000000"/>
         </a:buClr>
         <a:buFont typeface="Arial"/>
-        <a:defRPr b="0" i="0" sz="1400" u="none" cap="none" strike="noStrike">
+        <a:defRPr sz="1400" b="0" i="0" u="none" strike="noStrike" cap="none">
           <a:solidFill>
             <a:srgbClr val="000000"/>
           </a:solidFill>
@@ -7837,7 +8005,7 @@
           <a:sym typeface="Arial"/>
         </a:defRPr>
       </a:lvl5pPr>
-      <a:lvl6pPr lvl="5" marR="0" rtl="0" algn="l">
+      <a:lvl6pPr marR="0" lvl="5" algn="l" rtl="0">
         <a:lnSpc>
           <a:spcPct val="100000"/>
         </a:lnSpc>
@@ -7851,7 +8019,7 @@
           <a:srgbClr val="000000"/>
         </a:buClr>
         <a:buFont typeface="Arial"/>
-        <a:defRPr b="0" i="0" sz="1400" u="none" cap="none" strike="noStrike">
+        <a:defRPr sz="1400" b="0" i="0" u="none" strike="noStrike" cap="none">
           <a:solidFill>
             <a:srgbClr val="000000"/>
           </a:solidFill>
@@ -7861,7 +8029,7 @@
           <a:sym typeface="Arial"/>
         </a:defRPr>
       </a:lvl6pPr>
-      <a:lvl7pPr lvl="6" marR="0" rtl="0" algn="l">
+      <a:lvl7pPr marR="0" lvl="6" algn="l" rtl="0">
         <a:lnSpc>
           <a:spcPct val="100000"/>
         </a:lnSpc>
@@ -7875,7 +8043,7 @@
           <a:srgbClr val="000000"/>
         </a:buClr>
         <a:buFont typeface="Arial"/>
-        <a:defRPr b="0" i="0" sz="1400" u="none" cap="none" strike="noStrike">
+        <a:defRPr sz="1400" b="0" i="0" u="none" strike="noStrike" cap="none">
           <a:solidFill>
             <a:srgbClr val="000000"/>
           </a:solidFill>
@@ -7885,7 +8053,7 @@
           <a:sym typeface="Arial"/>
         </a:defRPr>
       </a:lvl7pPr>
-      <a:lvl8pPr lvl="7" marR="0" rtl="0" algn="l">
+      <a:lvl8pPr marR="0" lvl="7" algn="l" rtl="0">
         <a:lnSpc>
           <a:spcPct val="100000"/>
         </a:lnSpc>
@@ -7899,7 +8067,7 @@
           <a:srgbClr val="000000"/>
         </a:buClr>
         <a:buFont typeface="Arial"/>
-        <a:defRPr b="0" i="0" sz="1400" u="none" cap="none" strike="noStrike">
+        <a:defRPr sz="1400" b="0" i="0" u="none" strike="noStrike" cap="none">
           <a:solidFill>
             <a:srgbClr val="000000"/>
           </a:solidFill>
@@ -7909,7 +8077,7 @@
           <a:sym typeface="Arial"/>
         </a:defRPr>
       </a:lvl8pPr>
-      <a:lvl9pPr lvl="8" marR="0" rtl="0" algn="l">
+      <a:lvl9pPr marR="0" lvl="8" algn="l" rtl="0">
         <a:lnSpc>
           <a:spcPct val="100000"/>
         </a:lnSpc>
@@ -7923,7 +8091,7 @@
           <a:srgbClr val="000000"/>
         </a:buClr>
         <a:buFont typeface="Arial"/>
-        <a:defRPr b="0" i="0" sz="1400" u="none" cap="none" strike="noStrike">
+        <a:defRPr sz="1400" b="0" i="0" u="none" strike="noStrike" cap="none">
           <a:solidFill>
             <a:srgbClr val="000000"/>
           </a:solidFill>
@@ -7935,7 +8103,7 @@
       </a:lvl9pPr>
     </p:titleStyle>
     <p:bodyStyle>
-      <a:defPPr lvl="0" marR="0" rtl="0" algn="l">
+      <a:defPPr marR="0" lvl="0" algn="l" rtl="0">
         <a:lnSpc>
           <a:spcPct val="100000"/>
         </a:lnSpc>
@@ -7946,7 +8114,7 @@
           <a:spcPts val="0"/>
         </a:spcAft>
       </a:defPPr>
-      <a:lvl1pPr lvl="0" marR="0" rtl="0" algn="l">
+      <a:lvl1pPr marR="0" lvl="0" algn="l" rtl="0">
         <a:lnSpc>
           <a:spcPct val="100000"/>
         </a:lnSpc>
@@ -7960,7 +8128,7 @@
           <a:srgbClr val="000000"/>
         </a:buClr>
         <a:buFont typeface="Arial"/>
-        <a:defRPr b="0" i="0" sz="1400" u="none" cap="none" strike="noStrike">
+        <a:defRPr sz="1400" b="0" i="0" u="none" strike="noStrike" cap="none">
           <a:solidFill>
             <a:srgbClr val="000000"/>
           </a:solidFill>
@@ -7970,7 +8138,7 @@
           <a:sym typeface="Arial"/>
         </a:defRPr>
       </a:lvl1pPr>
-      <a:lvl2pPr lvl="1" marR="0" rtl="0" algn="l">
+      <a:lvl2pPr marR="0" lvl="1" algn="l" rtl="0">
         <a:lnSpc>
           <a:spcPct val="100000"/>
         </a:lnSpc>
@@ -7984,7 +8152,7 @@
           <a:srgbClr val="000000"/>
         </a:buClr>
         <a:buFont typeface="Arial"/>
-        <a:defRPr b="0" i="0" sz="1400" u="none" cap="none" strike="noStrike">
+        <a:defRPr sz="1400" b="0" i="0" u="none" strike="noStrike" cap="none">
           <a:solidFill>
             <a:srgbClr val="000000"/>
           </a:solidFill>
@@ -7994,7 +8162,7 @@
           <a:sym typeface="Arial"/>
         </a:defRPr>
       </a:lvl2pPr>
-      <a:lvl3pPr lvl="2" marR="0" rtl="0" algn="l">
+      <a:lvl3pPr marR="0" lvl="2" algn="l" rtl="0">
         <a:lnSpc>
           <a:spcPct val="100000"/>
         </a:lnSpc>
@@ -8008,7 +8176,7 @@
           <a:srgbClr val="000000"/>
         </a:buClr>
         <a:buFont typeface="Arial"/>
-        <a:defRPr b="0" i="0" sz="1400" u="none" cap="none" strike="noStrike">
+        <a:defRPr sz="1400" b="0" i="0" u="none" strike="noStrike" cap="none">
           <a:solidFill>
             <a:srgbClr val="000000"/>
           </a:solidFill>
@@ -8018,7 +8186,7 @@
           <a:sym typeface="Arial"/>
         </a:defRPr>
       </a:lvl3pPr>
-      <a:lvl4pPr lvl="3" marR="0" rtl="0" algn="l">
+      <a:lvl4pPr marR="0" lvl="3" algn="l" rtl="0">
         <a:lnSpc>
           <a:spcPct val="100000"/>
         </a:lnSpc>
@@ -8032,7 +8200,7 @@
           <a:srgbClr val="000000"/>
         </a:buClr>
         <a:buFont typeface="Arial"/>
-        <a:defRPr b="0" i="0" sz="1400" u="none" cap="none" strike="noStrike">
+        <a:defRPr sz="1400" b="0" i="0" u="none" strike="noStrike" cap="none">
           <a:solidFill>
             <a:srgbClr val="000000"/>
           </a:solidFill>
@@ -8042,7 +8210,7 @@
           <a:sym typeface="Arial"/>
         </a:defRPr>
       </a:lvl4pPr>
-      <a:lvl5pPr lvl="4" marR="0" rtl="0" algn="l">
+      <a:lvl5pPr marR="0" lvl="4" algn="l" rtl="0">
         <a:lnSpc>
           <a:spcPct val="100000"/>
         </a:lnSpc>
@@ -8056,7 +8224,7 @@
           <a:srgbClr val="000000"/>
         </a:buClr>
         <a:buFont typeface="Arial"/>
-        <a:defRPr b="0" i="0" sz="1400" u="none" cap="none" strike="noStrike">
+        <a:defRPr sz="1400" b="0" i="0" u="none" strike="noStrike" cap="none">
           <a:solidFill>
             <a:srgbClr val="000000"/>
           </a:solidFill>
@@ -8066,7 +8234,7 @@
           <a:sym typeface="Arial"/>
         </a:defRPr>
       </a:lvl5pPr>
-      <a:lvl6pPr lvl="5" marR="0" rtl="0" algn="l">
+      <a:lvl6pPr marR="0" lvl="5" algn="l" rtl="0">
         <a:lnSpc>
           <a:spcPct val="100000"/>
         </a:lnSpc>
@@ -8080,7 +8248,7 @@
           <a:srgbClr val="000000"/>
         </a:buClr>
         <a:buFont typeface="Arial"/>
-        <a:defRPr b="0" i="0" sz="1400" u="none" cap="none" strike="noStrike">
+        <a:defRPr sz="1400" b="0" i="0" u="none" strike="noStrike" cap="none">
           <a:solidFill>
             <a:srgbClr val="000000"/>
           </a:solidFill>
@@ -8090,7 +8258,7 @@
           <a:sym typeface="Arial"/>
         </a:defRPr>
       </a:lvl6pPr>
-      <a:lvl7pPr lvl="6" marR="0" rtl="0" algn="l">
+      <a:lvl7pPr marR="0" lvl="6" algn="l" rtl="0">
         <a:lnSpc>
           <a:spcPct val="100000"/>
         </a:lnSpc>
@@ -8104,7 +8272,7 @@
           <a:srgbClr val="000000"/>
         </a:buClr>
         <a:buFont typeface="Arial"/>
-        <a:defRPr b="0" i="0" sz="1400" u="none" cap="none" strike="noStrike">
+        <a:defRPr sz="1400" b="0" i="0" u="none" strike="noStrike" cap="none">
           <a:solidFill>
             <a:srgbClr val="000000"/>
           </a:solidFill>
@@ -8114,7 +8282,7 @@
           <a:sym typeface="Arial"/>
         </a:defRPr>
       </a:lvl7pPr>
-      <a:lvl8pPr lvl="7" marR="0" rtl="0" algn="l">
+      <a:lvl8pPr marR="0" lvl="7" algn="l" rtl="0">
         <a:lnSpc>
           <a:spcPct val="100000"/>
         </a:lnSpc>
@@ -8128,7 +8296,7 @@
           <a:srgbClr val="000000"/>
         </a:buClr>
         <a:buFont typeface="Arial"/>
-        <a:defRPr b="0" i="0" sz="1400" u="none" cap="none" strike="noStrike">
+        <a:defRPr sz="1400" b="0" i="0" u="none" strike="noStrike" cap="none">
           <a:solidFill>
             <a:srgbClr val="000000"/>
           </a:solidFill>
@@ -8138,7 +8306,7 @@
           <a:sym typeface="Arial"/>
         </a:defRPr>
       </a:lvl8pPr>
-      <a:lvl9pPr lvl="8" marR="0" rtl="0" algn="l">
+      <a:lvl9pPr marR="0" lvl="8" algn="l" rtl="0">
         <a:lnSpc>
           <a:spcPct val="100000"/>
         </a:lnSpc>
@@ -8152,7 +8320,7 @@
           <a:srgbClr val="000000"/>
         </a:buClr>
         <a:buFont typeface="Arial"/>
-        <a:defRPr b="0" i="0" sz="1400" u="none" cap="none" strike="noStrike">
+        <a:defRPr sz="1400" b="0" i="0" u="none" strike="noStrike" cap="none">
           <a:solidFill>
             <a:srgbClr val="000000"/>
           </a:solidFill>
@@ -8164,7 +8332,7 @@
       </a:lvl9pPr>
     </p:bodyStyle>
     <p:otherStyle>
-      <a:defPPr lvl="0" marR="0" rtl="0" algn="l">
+      <a:defPPr marR="0" lvl="0" algn="l" rtl="0">
         <a:lnSpc>
           <a:spcPct val="100000"/>
         </a:lnSpc>
@@ -8175,7 +8343,7 @@
           <a:spcPts val="0"/>
         </a:spcAft>
       </a:defPPr>
-      <a:lvl1pPr lvl="0" marR="0" rtl="0" algn="l">
+      <a:lvl1pPr marR="0" lvl="0" algn="l" rtl="0">
         <a:lnSpc>
           <a:spcPct val="100000"/>
         </a:lnSpc>
@@ -8189,7 +8357,7 @@
           <a:srgbClr val="000000"/>
         </a:buClr>
         <a:buFont typeface="Arial"/>
-        <a:defRPr b="0" i="0" sz="1400" u="none" cap="none" strike="noStrike">
+        <a:defRPr sz="1400" b="0" i="0" u="none" strike="noStrike" cap="none">
           <a:solidFill>
             <a:srgbClr val="000000"/>
           </a:solidFill>
@@ -8199,7 +8367,7 @@
           <a:sym typeface="Arial"/>
         </a:defRPr>
       </a:lvl1pPr>
-      <a:lvl2pPr lvl="1" marR="0" rtl="0" algn="l">
+      <a:lvl2pPr marR="0" lvl="1" algn="l" rtl="0">
         <a:lnSpc>
           <a:spcPct val="100000"/>
         </a:lnSpc>
@@ -8213,7 +8381,7 @@
           <a:srgbClr val="000000"/>
         </a:buClr>
         <a:buFont typeface="Arial"/>
-        <a:defRPr b="0" i="0" sz="1400" u="none" cap="none" strike="noStrike">
+        <a:defRPr sz="1400" b="0" i="0" u="none" strike="noStrike" cap="none">
           <a:solidFill>
             <a:srgbClr val="000000"/>
           </a:solidFill>
@@ -8223,7 +8391,7 @@
           <a:sym typeface="Arial"/>
         </a:defRPr>
       </a:lvl2pPr>
-      <a:lvl3pPr lvl="2" marR="0" rtl="0" algn="l">
+      <a:lvl3pPr marR="0" lvl="2" algn="l" rtl="0">
         <a:lnSpc>
           <a:spcPct val="100000"/>
         </a:lnSpc>
@@ -8237,7 +8405,7 @@
           <a:srgbClr val="000000"/>
         </a:buClr>
         <a:buFont typeface="Arial"/>
-        <a:defRPr b="0" i="0" sz="1400" u="none" cap="none" strike="noStrike">
+        <a:defRPr sz="1400" b="0" i="0" u="none" strike="noStrike" cap="none">
           <a:solidFill>
             <a:srgbClr val="000000"/>
           </a:solidFill>
@@ -8247,7 +8415,7 @@
           <a:sym typeface="Arial"/>
         </a:defRPr>
       </a:lvl3pPr>
-      <a:lvl4pPr lvl="3" marR="0" rtl="0" algn="l">
+      <a:lvl4pPr marR="0" lvl="3" algn="l" rtl="0">
         <a:lnSpc>
           <a:spcPct val="100000"/>
         </a:lnSpc>
@@ -8261,7 +8429,7 @@
           <a:srgbClr val="000000"/>
         </a:buClr>
         <a:buFont typeface="Arial"/>
-        <a:defRPr b="0" i="0" sz="1400" u="none" cap="none" strike="noStrike">
+        <a:defRPr sz="1400" b="0" i="0" u="none" strike="noStrike" cap="none">
           <a:solidFill>
             <a:srgbClr val="000000"/>
           </a:solidFill>
@@ -8271,7 +8439,7 @@
           <a:sym typeface="Arial"/>
         </a:defRPr>
       </a:lvl4pPr>
-      <a:lvl5pPr lvl="4" marR="0" rtl="0" algn="l">
+      <a:lvl5pPr marR="0" lvl="4" algn="l" rtl="0">
         <a:lnSpc>
           <a:spcPct val="100000"/>
         </a:lnSpc>
@@ -8285,7 +8453,7 @@
           <a:srgbClr val="000000"/>
         </a:buClr>
         <a:buFont typeface="Arial"/>
-        <a:defRPr b="0" i="0" sz="1400" u="none" cap="none" strike="noStrike">
+        <a:defRPr sz="1400" b="0" i="0" u="none" strike="noStrike" cap="none">
           <a:solidFill>
             <a:srgbClr val="000000"/>
           </a:solidFill>
@@ -8295,7 +8463,7 @@
           <a:sym typeface="Arial"/>
         </a:defRPr>
       </a:lvl5pPr>
-      <a:lvl6pPr lvl="5" marR="0" rtl="0" algn="l">
+      <a:lvl6pPr marR="0" lvl="5" algn="l" rtl="0">
         <a:lnSpc>
           <a:spcPct val="100000"/>
         </a:lnSpc>
@@ -8309,7 +8477,7 @@
           <a:srgbClr val="000000"/>
         </a:buClr>
         <a:buFont typeface="Arial"/>
-        <a:defRPr b="0" i="0" sz="1400" u="none" cap="none" strike="noStrike">
+        <a:defRPr sz="1400" b="0" i="0" u="none" strike="noStrike" cap="none">
           <a:solidFill>
             <a:srgbClr val="000000"/>
           </a:solidFill>
@@ -8319,7 +8487,7 @@
           <a:sym typeface="Arial"/>
         </a:defRPr>
       </a:lvl6pPr>
-      <a:lvl7pPr lvl="6" marR="0" rtl="0" algn="l">
+      <a:lvl7pPr marR="0" lvl="6" algn="l" rtl="0">
         <a:lnSpc>
           <a:spcPct val="100000"/>
         </a:lnSpc>
@@ -8333,7 +8501,7 @@
           <a:srgbClr val="000000"/>
         </a:buClr>
         <a:buFont typeface="Arial"/>
-        <a:defRPr b="0" i="0" sz="1400" u="none" cap="none" strike="noStrike">
+        <a:defRPr sz="1400" b="0" i="0" u="none" strike="noStrike" cap="none">
           <a:solidFill>
             <a:srgbClr val="000000"/>
           </a:solidFill>
@@ -8343,7 +8511,7 @@
           <a:sym typeface="Arial"/>
         </a:defRPr>
       </a:lvl7pPr>
-      <a:lvl8pPr lvl="7" marR="0" rtl="0" algn="l">
+      <a:lvl8pPr marR="0" lvl="7" algn="l" rtl="0">
         <a:lnSpc>
           <a:spcPct val="100000"/>
         </a:lnSpc>
@@ -8357,7 +8525,7 @@
           <a:srgbClr val="000000"/>
         </a:buClr>
         <a:buFont typeface="Arial"/>
-        <a:defRPr b="0" i="0" sz="1400" u="none" cap="none" strike="noStrike">
+        <a:defRPr sz="1400" b="0" i="0" u="none" strike="noStrike" cap="none">
           <a:solidFill>
             <a:srgbClr val="000000"/>
           </a:solidFill>
@@ -8367,7 +8535,7 @@
           <a:sym typeface="Arial"/>
         </a:defRPr>
       </a:lvl8pPr>
-      <a:lvl9pPr lvl="8" marR="0" rtl="0" algn="l">
+      <a:lvl9pPr marR="0" lvl="8" algn="l" rtl="0">
         <a:lnSpc>
           <a:spcPct val="100000"/>
         </a:lnSpc>
@@ -8381,7 +8549,7 @@
           <a:srgbClr val="000000"/>
         </a:buClr>
         <a:buFont typeface="Arial"/>
-        <a:defRPr b="0" i="0" sz="1400" u="none" cap="none" strike="noStrike">
+        <a:defRPr sz="1400" b="0" i="0" u="none" strike="noStrike" cap="none">
           <a:solidFill>
             <a:srgbClr val="000000"/>
           </a:solidFill>
@@ -8397,11 +8565,11 @@
 </file>
 
 <file path=ppt/slides/slide1.xml><?xml version="1.0" encoding="utf-8"?>
-<p:sld xmlns:a="http://schemas.openxmlformats.org/drawingml/2006/main" xmlns:r="http://schemas.openxmlformats.org/officeDocument/2006/relationships" xmlns:mc="http://schemas.openxmlformats.org/markup-compatibility/2006" xmlns:mv="urn:schemas-microsoft-com:mac:vml" xmlns:p="http://schemas.openxmlformats.org/presentationml/2006/main" xmlns:c="http://schemas.openxmlformats.org/drawingml/2006/chart" xmlns:dgm="http://schemas.openxmlformats.org/drawingml/2006/diagram" xmlns:o="urn:schemas-microsoft-com:office:office" xmlns:v="urn:schemas-microsoft-com:vml" xmlns:pvml="urn:schemas-microsoft-com:office:powerpoint" xmlns:com="http://schemas.openxmlformats.org/drawingml/2006/compatibility" xmlns:p14="http://schemas.microsoft.com/office/powerpoint/2010/main" xmlns:p15="http://schemas.microsoft.com/office/powerpoint/2012/main">
+<p:sld xmlns:a="http://schemas.openxmlformats.org/drawingml/2006/main" xmlns:r="http://schemas.openxmlformats.org/officeDocument/2006/relationships" xmlns:p="http://schemas.openxmlformats.org/presentationml/2006/main">
   <p:cSld>
     <p:spTree>
       <p:nvGrpSpPr>
-        <p:cNvPr id="66" name="Shape 66"/>
+        <p:cNvPr id="1" name="Shape 66"/>
         <p:cNvGrpSpPr/>
         <p:nvPr/>
       </p:nvGrpSpPr>
@@ -8416,7 +8584,9 @@
       <p:sp>
         <p:nvSpPr>
           <p:cNvPr id="67" name="Google Shape;67;p13"/>
-          <p:cNvSpPr txBox="1"/>
+          <p:cNvSpPr txBox="1">
+            <a:spLocks noGrp="1"/>
+          </p:cNvSpPr>
           <p:nvPr>
             <p:ph type="ctrTitle"/>
           </p:nvPr>
@@ -8431,12 +8601,12 @@
           </a:prstGeom>
         </p:spPr>
         <p:txBody>
-          <a:bodyPr anchorCtr="0" anchor="b" bIns="91425" lIns="91425" spcFirstLastPara="1" rIns="91425" wrap="square" tIns="91425">
+          <a:bodyPr spcFirstLastPara="1" wrap="square" lIns="91425" tIns="91425" rIns="91425" bIns="91425" anchor="b" anchorCtr="0">
             <a:noAutofit/>
           </a:bodyPr>
           <a:lstStyle/>
           <a:p>
-            <a:pPr indent="0" lvl="0" marL="0" rtl="0" algn="ctr">
+            <a:pPr marL="0" lvl="0" indent="0" algn="ctr" rtl="0">
               <a:lnSpc>
                 <a:spcPct val="115000"/>
               </a:lnSpc>
@@ -8467,9 +8637,11 @@
       <p:sp>
         <p:nvSpPr>
           <p:cNvPr id="68" name="Google Shape;68;p13"/>
-          <p:cNvSpPr txBox="1"/>
+          <p:cNvSpPr txBox="1">
+            <a:spLocks noGrp="1"/>
+          </p:cNvSpPr>
           <p:nvPr>
-            <p:ph idx="1" type="subTitle"/>
+            <p:ph type="subTitle" idx="1"/>
           </p:nvPr>
         </p:nvSpPr>
         <p:spPr>
@@ -8482,12 +8654,12 @@
           </a:prstGeom>
         </p:spPr>
         <p:txBody>
-          <a:bodyPr anchorCtr="0" anchor="t" bIns="91425" lIns="91425" spcFirstLastPara="1" rIns="91425" wrap="square" tIns="91425">
+          <a:bodyPr spcFirstLastPara="1" wrap="square" lIns="91425" tIns="91425" rIns="91425" bIns="91425" anchor="t" anchorCtr="0">
             <a:noAutofit/>
           </a:bodyPr>
           <a:lstStyle/>
           <a:p>
-            <a:pPr indent="0" lvl="0" marL="0" rtl="0" algn="ctr">
+            <a:pPr marL="0" lvl="0" indent="0" algn="ctr" rtl="0">
               <a:lnSpc>
                 <a:spcPct val="115000"/>
               </a:lnSpc>
@@ -8522,7 +8694,7 @@
             </a:endParaRPr>
           </a:p>
           <a:p>
-            <a:pPr indent="0" lvl="0" marL="0" rtl="0" algn="ctr">
+            <a:pPr marL="0" lvl="0" indent="0" algn="ctr" rtl="0">
               <a:lnSpc>
                 <a:spcPct val="115000"/>
               </a:lnSpc>
@@ -8557,7 +8729,7 @@
             </a:endParaRPr>
           </a:p>
           <a:p>
-            <a:pPr indent="0" lvl="0" marL="0" rtl="0" algn="l">
+            <a:pPr marL="0" lvl="0" indent="0" algn="l" rtl="0">
               <a:spcBef>
                 <a:spcPts val="1600"/>
               </a:spcBef>
@@ -8566,9 +8738,6 @@
               </a:spcAft>
               <a:buNone/>
             </a:pPr>
-            <a:r>
-              <a:t/>
-            </a:r>
             <a:endParaRPr/>
           </a:p>
         </p:txBody>
@@ -8582,11 +8751,11 @@
 </file>
 
 <file path=ppt/slides/slide10.xml><?xml version="1.0" encoding="utf-8"?>
-<p:sld xmlns:a="http://schemas.openxmlformats.org/drawingml/2006/main" xmlns:r="http://schemas.openxmlformats.org/officeDocument/2006/relationships" xmlns:mc="http://schemas.openxmlformats.org/markup-compatibility/2006" xmlns:mv="urn:schemas-microsoft-com:mac:vml" xmlns:p="http://schemas.openxmlformats.org/presentationml/2006/main" xmlns:c="http://schemas.openxmlformats.org/drawingml/2006/chart" xmlns:dgm="http://schemas.openxmlformats.org/drawingml/2006/diagram" xmlns:o="urn:schemas-microsoft-com:office:office" xmlns:v="urn:schemas-microsoft-com:vml" xmlns:pvml="urn:schemas-microsoft-com:office:powerpoint" xmlns:com="http://schemas.openxmlformats.org/drawingml/2006/compatibility" xmlns:p14="http://schemas.microsoft.com/office/powerpoint/2010/main" xmlns:p15="http://schemas.microsoft.com/office/powerpoint/2012/main">
+<p:sld xmlns:a="http://schemas.openxmlformats.org/drawingml/2006/main" xmlns:r="http://schemas.openxmlformats.org/officeDocument/2006/relationships" xmlns:p="http://schemas.openxmlformats.org/presentationml/2006/main">
   <p:cSld>
     <p:spTree>
       <p:nvGrpSpPr>
-        <p:cNvPr id="126" name="Shape 126"/>
+        <p:cNvPr id="1" name="Shape 126"/>
         <p:cNvGrpSpPr/>
         <p:nvPr/>
       </p:nvGrpSpPr>
@@ -8663,11 +8832,11 @@
 </file>
 
 <file path=ppt/slides/slide11.xml><?xml version="1.0" encoding="utf-8"?>
-<p:sld xmlns:a="http://schemas.openxmlformats.org/drawingml/2006/main" xmlns:r="http://schemas.openxmlformats.org/officeDocument/2006/relationships" xmlns:mc="http://schemas.openxmlformats.org/markup-compatibility/2006" xmlns:mv="urn:schemas-microsoft-com:mac:vml" xmlns:p="http://schemas.openxmlformats.org/presentationml/2006/main" xmlns:c="http://schemas.openxmlformats.org/drawingml/2006/chart" xmlns:dgm="http://schemas.openxmlformats.org/drawingml/2006/diagram" xmlns:o="urn:schemas-microsoft-com:office:office" xmlns:v="urn:schemas-microsoft-com:vml" xmlns:pvml="urn:schemas-microsoft-com:office:powerpoint" xmlns:com="http://schemas.openxmlformats.org/drawingml/2006/compatibility" xmlns:p14="http://schemas.microsoft.com/office/powerpoint/2010/main" xmlns:p15="http://schemas.microsoft.com/office/powerpoint/2012/main">
+<p:sld xmlns:a="http://schemas.openxmlformats.org/drawingml/2006/main" xmlns:r="http://schemas.openxmlformats.org/officeDocument/2006/relationships" xmlns:p="http://schemas.openxmlformats.org/presentationml/2006/main">
   <p:cSld>
     <p:spTree>
       <p:nvGrpSpPr>
-        <p:cNvPr id="132" name="Shape 132"/>
+        <p:cNvPr id="1" name="Shape 132"/>
         <p:cNvGrpSpPr/>
         <p:nvPr/>
       </p:nvGrpSpPr>
@@ -8682,7 +8851,9 @@
       <p:sp>
         <p:nvSpPr>
           <p:cNvPr id="133" name="Google Shape;133;p23"/>
-          <p:cNvSpPr txBox="1"/>
+          <p:cNvSpPr txBox="1">
+            <a:spLocks noGrp="1"/>
+          </p:cNvSpPr>
           <p:nvPr>
             <p:ph type="title"/>
           </p:nvPr>
@@ -8697,12 +8868,12 @@
           </a:prstGeom>
         </p:spPr>
         <p:txBody>
-          <a:bodyPr anchorCtr="0" anchor="b" bIns="91425" lIns="91425" spcFirstLastPara="1" rIns="91425" wrap="square" tIns="91425">
+          <a:bodyPr spcFirstLastPara="1" wrap="square" lIns="91425" tIns="91425" rIns="91425" bIns="91425" anchor="b" anchorCtr="0">
             <a:noAutofit/>
           </a:bodyPr>
           <a:lstStyle/>
           <a:p>
-            <a:pPr indent="0" lvl="0" marL="0" rtl="0" algn="l">
+            <a:pPr marL="0" lvl="0" indent="0" algn="l" rtl="0">
               <a:spcBef>
                 <a:spcPts val="0"/>
               </a:spcBef>
@@ -8722,9 +8893,11 @@
       <p:sp>
         <p:nvSpPr>
           <p:cNvPr id="134" name="Google Shape;134;p23"/>
-          <p:cNvSpPr txBox="1"/>
+          <p:cNvSpPr txBox="1">
+            <a:spLocks noGrp="1"/>
+          </p:cNvSpPr>
           <p:nvPr>
-            <p:ph idx="1" type="body"/>
+            <p:ph type="body" idx="1"/>
           </p:nvPr>
         </p:nvSpPr>
         <p:spPr>
@@ -8737,12 +8910,12 @@
           </a:prstGeom>
         </p:spPr>
         <p:txBody>
-          <a:bodyPr anchorCtr="0" anchor="t" bIns="91425" lIns="91425" spcFirstLastPara="1" rIns="91425" wrap="square" tIns="91425">
+          <a:bodyPr spcFirstLastPara="1" wrap="square" lIns="91425" tIns="91425" rIns="91425" bIns="91425" anchor="t" anchorCtr="0">
             <a:noAutofit/>
           </a:bodyPr>
           <a:lstStyle/>
           <a:p>
-            <a:pPr indent="-342900" lvl="0" marL="457200" rtl="0" algn="l">
+            <a:pPr marL="457200" lvl="0" indent="-342900" algn="l" rtl="0">
               <a:spcBef>
                 <a:spcPts val="0"/>
               </a:spcBef>
@@ -8759,7 +8932,7 @@
             <a:endParaRPr/>
           </a:p>
           <a:p>
-            <a:pPr indent="-342900" lvl="0" marL="457200" rtl="0" algn="l">
+            <a:pPr marL="457200" lvl="0" indent="-342900" algn="l" rtl="0">
               <a:spcBef>
                 <a:spcPts val="0"/>
               </a:spcBef>
@@ -8776,7 +8949,7 @@
             <a:endParaRPr/>
           </a:p>
           <a:p>
-            <a:pPr indent="-342900" lvl="0" marL="457200" rtl="0" algn="l">
+            <a:pPr marL="457200" lvl="0" indent="-342900" algn="l" rtl="0">
               <a:spcBef>
                 <a:spcPts val="0"/>
               </a:spcBef>
@@ -8793,7 +8966,7 @@
             <a:endParaRPr/>
           </a:p>
           <a:p>
-            <a:pPr indent="-342900" lvl="0" marL="457200" rtl="0" algn="l">
+            <a:pPr marL="457200" lvl="0" indent="-342900" algn="l" rtl="0">
               <a:spcBef>
                 <a:spcPts val="0"/>
               </a:spcBef>
@@ -8810,7 +8983,7 @@
             <a:endParaRPr/>
           </a:p>
           <a:p>
-            <a:pPr indent="-317500" lvl="1" marL="914400" rtl="0" algn="l">
+            <a:pPr marL="914400" lvl="1" indent="-317500" algn="l" rtl="0">
               <a:spcBef>
                 <a:spcPts val="0"/>
               </a:spcBef>
@@ -8827,7 +9000,7 @@
             <a:endParaRPr/>
           </a:p>
           <a:p>
-            <a:pPr indent="-317500" lvl="2" marL="1371600" rtl="0" algn="l">
+            <a:pPr marL="1371600" lvl="2" indent="-317500" algn="l" rtl="0">
               <a:spcBef>
                 <a:spcPts val="0"/>
               </a:spcBef>
@@ -8844,7 +9017,7 @@
             <a:endParaRPr/>
           </a:p>
           <a:p>
-            <a:pPr indent="-317500" lvl="2" marL="1371600" rtl="0" algn="l">
+            <a:pPr marL="1371600" lvl="2" indent="-317500" algn="l" rtl="0">
               <a:spcBef>
                 <a:spcPts val="0"/>
               </a:spcBef>
@@ -8871,11 +9044,11 @@
 </file>
 
 <file path=ppt/slides/slide12.xml><?xml version="1.0" encoding="utf-8"?>
-<p:sld xmlns:a="http://schemas.openxmlformats.org/drawingml/2006/main" xmlns:r="http://schemas.openxmlformats.org/officeDocument/2006/relationships" xmlns:mc="http://schemas.openxmlformats.org/markup-compatibility/2006" xmlns:mv="urn:schemas-microsoft-com:mac:vml" xmlns:p="http://schemas.openxmlformats.org/presentationml/2006/main" xmlns:c="http://schemas.openxmlformats.org/drawingml/2006/chart" xmlns:dgm="http://schemas.openxmlformats.org/drawingml/2006/diagram" xmlns:o="urn:schemas-microsoft-com:office:office" xmlns:v="urn:schemas-microsoft-com:vml" xmlns:pvml="urn:schemas-microsoft-com:office:powerpoint" xmlns:com="http://schemas.openxmlformats.org/drawingml/2006/compatibility" xmlns:p14="http://schemas.microsoft.com/office/powerpoint/2010/main" xmlns:p15="http://schemas.microsoft.com/office/powerpoint/2012/main">
+<p:sld xmlns:a="http://schemas.openxmlformats.org/drawingml/2006/main" xmlns:r="http://schemas.openxmlformats.org/officeDocument/2006/relationships" xmlns:p="http://schemas.openxmlformats.org/presentationml/2006/main">
   <p:cSld>
     <p:spTree>
       <p:nvGrpSpPr>
-        <p:cNvPr id="138" name="Shape 138"/>
+        <p:cNvPr id="1" name="Shape 138"/>
         <p:cNvGrpSpPr/>
         <p:nvPr/>
       </p:nvGrpSpPr>
@@ -8890,7 +9063,9 @@
       <p:sp>
         <p:nvSpPr>
           <p:cNvPr id="139" name="Google Shape;139;p24"/>
-          <p:cNvSpPr txBox="1"/>
+          <p:cNvSpPr txBox="1">
+            <a:spLocks noGrp="1"/>
+          </p:cNvSpPr>
           <p:nvPr>
             <p:ph type="title"/>
           </p:nvPr>
@@ -8905,12 +9080,12 @@
           </a:prstGeom>
         </p:spPr>
         <p:txBody>
-          <a:bodyPr anchorCtr="0" anchor="b" bIns="91425" lIns="91425" spcFirstLastPara="1" rIns="91425" wrap="square" tIns="91425">
+          <a:bodyPr spcFirstLastPara="1" wrap="square" lIns="91425" tIns="91425" rIns="91425" bIns="91425" anchor="b" anchorCtr="0">
             <a:noAutofit/>
           </a:bodyPr>
           <a:lstStyle/>
           <a:p>
-            <a:pPr indent="0" lvl="0" marL="0" rtl="0" algn="l">
+            <a:pPr marL="0" lvl="0" indent="0" algn="l" rtl="0">
               <a:spcBef>
                 <a:spcPts val="0"/>
               </a:spcBef>
@@ -8964,11 +9139,11 @@
 </file>
 
 <file path=ppt/slides/slide13.xml><?xml version="1.0" encoding="utf-8"?>
-<p:sld xmlns:a="http://schemas.openxmlformats.org/drawingml/2006/main" xmlns:r="http://schemas.openxmlformats.org/officeDocument/2006/relationships" xmlns:mc="http://schemas.openxmlformats.org/markup-compatibility/2006" xmlns:mv="urn:schemas-microsoft-com:mac:vml" xmlns:p="http://schemas.openxmlformats.org/presentationml/2006/main" xmlns:c="http://schemas.openxmlformats.org/drawingml/2006/chart" xmlns:dgm="http://schemas.openxmlformats.org/drawingml/2006/diagram" xmlns:o="urn:schemas-microsoft-com:office:office" xmlns:v="urn:schemas-microsoft-com:vml" xmlns:pvml="urn:schemas-microsoft-com:office:powerpoint" xmlns:com="http://schemas.openxmlformats.org/drawingml/2006/compatibility" xmlns:p14="http://schemas.microsoft.com/office/powerpoint/2010/main" xmlns:p15="http://schemas.microsoft.com/office/powerpoint/2012/main">
+<p:sld xmlns:a="http://schemas.openxmlformats.org/drawingml/2006/main" xmlns:r="http://schemas.openxmlformats.org/officeDocument/2006/relationships" xmlns:p="http://schemas.openxmlformats.org/presentationml/2006/main">
   <p:cSld>
     <p:spTree>
       <p:nvGrpSpPr>
-        <p:cNvPr id="144" name="Shape 144"/>
+        <p:cNvPr id="1" name="Shape 144"/>
         <p:cNvGrpSpPr/>
         <p:nvPr/>
       </p:nvGrpSpPr>
@@ -8983,7 +9158,9 @@
       <p:sp>
         <p:nvSpPr>
           <p:cNvPr id="145" name="Google Shape;145;p25"/>
-          <p:cNvSpPr txBox="1"/>
+          <p:cNvSpPr txBox="1">
+            <a:spLocks noGrp="1"/>
+          </p:cNvSpPr>
           <p:nvPr>
             <p:ph type="title"/>
           </p:nvPr>
@@ -8998,12 +9175,12 @@
           </a:prstGeom>
         </p:spPr>
         <p:txBody>
-          <a:bodyPr anchorCtr="0" anchor="b" bIns="91425" lIns="91425" spcFirstLastPara="1" rIns="91425" wrap="square" tIns="91425">
+          <a:bodyPr spcFirstLastPara="1" wrap="square" lIns="91425" tIns="91425" rIns="91425" bIns="91425" anchor="b" anchorCtr="0">
             <a:noAutofit/>
           </a:bodyPr>
           <a:lstStyle/>
           <a:p>
-            <a:pPr indent="0" lvl="0" marL="0" rtl="0" algn="l">
+            <a:pPr marL="0" lvl="0" indent="0" algn="l" rtl="0">
               <a:spcBef>
                 <a:spcPts val="0"/>
               </a:spcBef>
@@ -9023,9 +9200,11 @@
       <p:sp>
         <p:nvSpPr>
           <p:cNvPr id="146" name="Google Shape;146;p25"/>
-          <p:cNvSpPr txBox="1"/>
+          <p:cNvSpPr txBox="1">
+            <a:spLocks noGrp="1"/>
+          </p:cNvSpPr>
           <p:nvPr>
-            <p:ph idx="1" type="body"/>
+            <p:ph type="body" idx="1"/>
           </p:nvPr>
         </p:nvSpPr>
         <p:spPr>
@@ -9038,12 +9217,12 @@
           </a:prstGeom>
         </p:spPr>
         <p:txBody>
-          <a:bodyPr anchorCtr="0" anchor="t" bIns="91425" lIns="91425" spcFirstLastPara="1" rIns="91425" wrap="square" tIns="91425">
+          <a:bodyPr spcFirstLastPara="1" wrap="square" lIns="91425" tIns="91425" rIns="91425" bIns="91425" anchor="t" anchorCtr="0">
             <a:noAutofit/>
           </a:bodyPr>
           <a:lstStyle/>
           <a:p>
-            <a:pPr indent="-342900" lvl="0" marL="457200" rtl="0" algn="l">
+            <a:pPr marL="457200" lvl="0" indent="-342900" algn="l" rtl="0">
               <a:spcBef>
                 <a:spcPts val="0"/>
               </a:spcBef>
@@ -9060,7 +9239,7 @@
             <a:endParaRPr/>
           </a:p>
           <a:p>
-            <a:pPr indent="-342900" lvl="0" marL="457200" rtl="0" algn="l">
+            <a:pPr marL="457200" lvl="0" indent="-342900" algn="l" rtl="0">
               <a:spcBef>
                 <a:spcPts val="0"/>
               </a:spcBef>
@@ -9077,7 +9256,7 @@
             <a:endParaRPr/>
           </a:p>
           <a:p>
-            <a:pPr indent="-342900" lvl="0" marL="457200" rtl="0" algn="l">
+            <a:pPr marL="457200" lvl="0" indent="-342900" algn="l" rtl="0">
               <a:spcBef>
                 <a:spcPts val="0"/>
               </a:spcBef>
@@ -9094,7 +9273,7 @@
             <a:endParaRPr/>
           </a:p>
           <a:p>
-            <a:pPr indent="-342900" lvl="0" marL="457200" rtl="0" algn="l">
+            <a:pPr marL="457200" lvl="0" indent="-342900" algn="l" rtl="0">
               <a:spcBef>
                 <a:spcPts val="0"/>
               </a:spcBef>
@@ -9111,7 +9290,7 @@
             <a:endParaRPr/>
           </a:p>
           <a:p>
-            <a:pPr indent="-342900" lvl="0" marL="457200" rtl="0" algn="l">
+            <a:pPr marL="457200" lvl="0" indent="-342900" algn="l" rtl="0">
               <a:spcBef>
                 <a:spcPts val="0"/>
               </a:spcBef>
@@ -9128,7 +9307,7 @@
             <a:endParaRPr/>
           </a:p>
           <a:p>
-            <a:pPr indent="-342900" lvl="0" marL="457200" rtl="0" algn="l">
+            <a:pPr marL="457200" lvl="0" indent="-342900" algn="l" rtl="0">
               <a:spcBef>
                 <a:spcPts val="0"/>
               </a:spcBef>
@@ -9145,7 +9324,7 @@
             <a:endParaRPr/>
           </a:p>
           <a:p>
-            <a:pPr indent="-342900" lvl="0" marL="457200" rtl="0" algn="l">
+            <a:pPr marL="457200" lvl="0" indent="-342900" algn="l" rtl="0">
               <a:spcBef>
                 <a:spcPts val="0"/>
               </a:spcBef>
@@ -9172,11 +9351,11 @@
 </file>
 
 <file path=ppt/slides/slide14.xml><?xml version="1.0" encoding="utf-8"?>
-<p:sld xmlns:a="http://schemas.openxmlformats.org/drawingml/2006/main" xmlns:r="http://schemas.openxmlformats.org/officeDocument/2006/relationships" xmlns:mc="http://schemas.openxmlformats.org/markup-compatibility/2006" xmlns:mv="urn:schemas-microsoft-com:mac:vml" xmlns:p="http://schemas.openxmlformats.org/presentationml/2006/main" xmlns:c="http://schemas.openxmlformats.org/drawingml/2006/chart" xmlns:dgm="http://schemas.openxmlformats.org/drawingml/2006/diagram" xmlns:o="urn:schemas-microsoft-com:office:office" xmlns:v="urn:schemas-microsoft-com:vml" xmlns:pvml="urn:schemas-microsoft-com:office:powerpoint" xmlns:com="http://schemas.openxmlformats.org/drawingml/2006/compatibility" xmlns:p14="http://schemas.microsoft.com/office/powerpoint/2010/main" xmlns:p15="http://schemas.microsoft.com/office/powerpoint/2012/main">
+<p:sld xmlns:a="http://schemas.openxmlformats.org/drawingml/2006/main" xmlns:r="http://schemas.openxmlformats.org/officeDocument/2006/relationships" xmlns:p="http://schemas.openxmlformats.org/presentationml/2006/main">
   <p:cSld>
     <p:spTree>
       <p:nvGrpSpPr>
-        <p:cNvPr id="150" name="Shape 150"/>
+        <p:cNvPr id="1" name="Shape 150"/>
         <p:cNvGrpSpPr/>
         <p:nvPr/>
       </p:nvGrpSpPr>
@@ -9191,7 +9370,9 @@
       <p:sp>
         <p:nvSpPr>
           <p:cNvPr id="151" name="Google Shape;151;p26"/>
-          <p:cNvSpPr txBox="1"/>
+          <p:cNvSpPr txBox="1">
+            <a:spLocks noGrp="1"/>
+          </p:cNvSpPr>
           <p:nvPr>
             <p:ph type="title"/>
           </p:nvPr>
@@ -9206,12 +9387,12 @@
           </a:prstGeom>
         </p:spPr>
         <p:txBody>
-          <a:bodyPr anchorCtr="0" anchor="b" bIns="91425" lIns="91425" spcFirstLastPara="1" rIns="91425" wrap="square" tIns="91425">
+          <a:bodyPr spcFirstLastPara="1" wrap="square" lIns="91425" tIns="91425" rIns="91425" bIns="91425" anchor="b" anchorCtr="0">
             <a:noAutofit/>
           </a:bodyPr>
           <a:lstStyle/>
           <a:p>
-            <a:pPr indent="0" lvl="0" marL="0" rtl="0" algn="l">
+            <a:pPr marL="0" lvl="0" indent="0" algn="l" rtl="0">
               <a:spcBef>
                 <a:spcPts val="0"/>
               </a:spcBef>
@@ -9231,9 +9412,11 @@
       <p:sp>
         <p:nvSpPr>
           <p:cNvPr id="152" name="Google Shape;152;p26"/>
-          <p:cNvSpPr txBox="1"/>
+          <p:cNvSpPr txBox="1">
+            <a:spLocks noGrp="1"/>
+          </p:cNvSpPr>
           <p:nvPr>
-            <p:ph idx="1" type="body"/>
+            <p:ph type="body" idx="1"/>
           </p:nvPr>
         </p:nvSpPr>
         <p:spPr>
@@ -9246,12 +9429,12 @@
           </a:prstGeom>
         </p:spPr>
         <p:txBody>
-          <a:bodyPr anchorCtr="0" anchor="t" bIns="91425" lIns="91425" spcFirstLastPara="1" rIns="91425" wrap="square" tIns="91425">
+          <a:bodyPr spcFirstLastPara="1" wrap="square" lIns="91425" tIns="91425" rIns="91425" bIns="91425" anchor="t" anchorCtr="0">
             <a:noAutofit/>
           </a:bodyPr>
           <a:lstStyle/>
           <a:p>
-            <a:pPr indent="-342900" lvl="0" marL="457200" rtl="0" algn="l">
+            <a:pPr marL="457200" lvl="0" indent="-342900" algn="l" rtl="0">
               <a:spcBef>
                 <a:spcPts val="0"/>
               </a:spcBef>
@@ -9268,7 +9451,7 @@
             <a:endParaRPr/>
           </a:p>
           <a:p>
-            <a:pPr indent="-342900" lvl="0" marL="457200" rtl="0" algn="l">
+            <a:pPr marL="457200" lvl="0" indent="-342900" algn="l" rtl="0">
               <a:spcBef>
                 <a:spcPts val="0"/>
               </a:spcBef>
@@ -9285,7 +9468,7 @@
             <a:endParaRPr/>
           </a:p>
           <a:p>
-            <a:pPr indent="-342900" lvl="0" marL="457200" rtl="0" algn="l">
+            <a:pPr marL="457200" lvl="0" indent="-342900" algn="l" rtl="0">
               <a:spcBef>
                 <a:spcPts val="0"/>
               </a:spcBef>
@@ -9302,7 +9485,7 @@
             <a:endParaRPr/>
           </a:p>
           <a:p>
-            <a:pPr indent="-342900" lvl="0" marL="457200" rtl="0" algn="l">
+            <a:pPr marL="457200" lvl="0" indent="-342900" algn="l" rtl="0">
               <a:spcBef>
                 <a:spcPts val="0"/>
               </a:spcBef>
@@ -9319,7 +9502,7 @@
             <a:endParaRPr/>
           </a:p>
           <a:p>
-            <a:pPr indent="-342900" lvl="0" marL="457200" rtl="0" algn="l">
+            <a:pPr marL="457200" lvl="0" indent="-342900" algn="l" rtl="0">
               <a:spcBef>
                 <a:spcPts val="0"/>
               </a:spcBef>
@@ -9336,7 +9519,7 @@
             <a:endParaRPr/>
           </a:p>
           <a:p>
-            <a:pPr indent="-342900" lvl="0" marL="457200" rtl="0" algn="l">
+            <a:pPr marL="457200" lvl="0" indent="-342900" algn="l" rtl="0">
               <a:spcBef>
                 <a:spcPts val="0"/>
               </a:spcBef>
@@ -9353,7 +9536,7 @@
             <a:endParaRPr/>
           </a:p>
           <a:p>
-            <a:pPr indent="-342900" lvl="0" marL="457200" rtl="0" algn="l">
+            <a:pPr marL="457200" lvl="0" indent="-342900" algn="l" rtl="0">
               <a:spcBef>
                 <a:spcPts val="0"/>
               </a:spcBef>
@@ -9370,7 +9553,7 @@
             <a:endParaRPr/>
           </a:p>
           <a:p>
-            <a:pPr indent="-342900" lvl="0" marL="457200" rtl="0" algn="l">
+            <a:pPr marL="457200" lvl="0" indent="-342900" algn="l" rtl="0">
               <a:spcBef>
                 <a:spcPts val="0"/>
               </a:spcBef>
@@ -9387,7 +9570,7 @@
             <a:endParaRPr/>
           </a:p>
           <a:p>
-            <a:pPr indent="-317500" lvl="1" marL="914400" rtl="0" algn="l">
+            <a:pPr marL="914400" lvl="1" indent="-317500" algn="l" rtl="0">
               <a:spcBef>
                 <a:spcPts val="0"/>
               </a:spcBef>
@@ -9404,7 +9587,7 @@
             <a:endParaRPr/>
           </a:p>
           <a:p>
-            <a:pPr indent="-317500" lvl="1" marL="914400" rtl="0" algn="l">
+            <a:pPr marL="914400" lvl="1" indent="-317500" algn="l" rtl="0">
               <a:spcBef>
                 <a:spcPts val="0"/>
               </a:spcBef>
@@ -9431,11 +9614,11 @@
 </file>
 
 <file path=ppt/slides/slide15.xml><?xml version="1.0" encoding="utf-8"?>
-<p:sld xmlns:a="http://schemas.openxmlformats.org/drawingml/2006/main" xmlns:r="http://schemas.openxmlformats.org/officeDocument/2006/relationships" xmlns:mc="http://schemas.openxmlformats.org/markup-compatibility/2006" xmlns:mv="urn:schemas-microsoft-com:mac:vml" xmlns:p="http://schemas.openxmlformats.org/presentationml/2006/main" xmlns:c="http://schemas.openxmlformats.org/drawingml/2006/chart" xmlns:dgm="http://schemas.openxmlformats.org/drawingml/2006/diagram" xmlns:o="urn:schemas-microsoft-com:office:office" xmlns:v="urn:schemas-microsoft-com:vml" xmlns:pvml="urn:schemas-microsoft-com:office:powerpoint" xmlns:com="http://schemas.openxmlformats.org/drawingml/2006/compatibility" xmlns:p14="http://schemas.microsoft.com/office/powerpoint/2010/main" xmlns:p15="http://schemas.microsoft.com/office/powerpoint/2012/main">
+<p:sld xmlns:a="http://schemas.openxmlformats.org/drawingml/2006/main" xmlns:r="http://schemas.openxmlformats.org/officeDocument/2006/relationships" xmlns:p="http://schemas.openxmlformats.org/presentationml/2006/main">
   <p:cSld>
     <p:spTree>
       <p:nvGrpSpPr>
-        <p:cNvPr id="156" name="Shape 156"/>
+        <p:cNvPr id="1" name="Shape 156"/>
         <p:cNvGrpSpPr/>
         <p:nvPr/>
       </p:nvGrpSpPr>
@@ -9450,7 +9633,9 @@
       <p:sp>
         <p:nvSpPr>
           <p:cNvPr id="157" name="Google Shape;157;p27"/>
-          <p:cNvSpPr txBox="1"/>
+          <p:cNvSpPr txBox="1">
+            <a:spLocks noGrp="1"/>
+          </p:cNvSpPr>
           <p:nvPr>
             <p:ph type="title"/>
           </p:nvPr>
@@ -9465,12 +9650,12 @@
           </a:prstGeom>
         </p:spPr>
         <p:txBody>
-          <a:bodyPr anchorCtr="0" anchor="b" bIns="91425" lIns="91425" spcFirstLastPara="1" rIns="91425" wrap="square" tIns="91425">
+          <a:bodyPr spcFirstLastPara="1" wrap="square" lIns="91425" tIns="91425" rIns="91425" bIns="91425" anchor="b" anchorCtr="0">
             <a:noAutofit/>
           </a:bodyPr>
           <a:lstStyle/>
           <a:p>
-            <a:pPr indent="0" lvl="0" marL="0" rtl="0" algn="l">
+            <a:pPr marL="0" lvl="0" indent="0" algn="l" rtl="0">
               <a:spcBef>
                 <a:spcPts val="0"/>
               </a:spcBef>
@@ -9490,9 +9675,11 @@
       <p:sp>
         <p:nvSpPr>
           <p:cNvPr id="158" name="Google Shape;158;p27"/>
-          <p:cNvSpPr txBox="1"/>
+          <p:cNvSpPr txBox="1">
+            <a:spLocks noGrp="1"/>
+          </p:cNvSpPr>
           <p:nvPr>
-            <p:ph idx="1" type="body"/>
+            <p:ph type="body" idx="1"/>
           </p:nvPr>
         </p:nvSpPr>
         <p:spPr>
@@ -9505,12 +9692,12 @@
           </a:prstGeom>
         </p:spPr>
         <p:txBody>
-          <a:bodyPr anchorCtr="0" anchor="t" bIns="91425" lIns="91425" spcFirstLastPara="1" rIns="91425" wrap="square" tIns="91425">
+          <a:bodyPr spcFirstLastPara="1" wrap="square" lIns="91425" tIns="91425" rIns="91425" bIns="91425" anchor="t" anchorCtr="0">
             <a:noAutofit/>
           </a:bodyPr>
           <a:lstStyle/>
           <a:p>
-            <a:pPr indent="-342900" lvl="0" marL="457200" rtl="0" algn="l">
+            <a:pPr marL="457200" lvl="0" indent="-342900" algn="l" rtl="0">
               <a:spcBef>
                 <a:spcPts val="0"/>
               </a:spcBef>
@@ -9527,7 +9714,7 @@
             <a:endParaRPr/>
           </a:p>
           <a:p>
-            <a:pPr indent="-342900" lvl="0" marL="457200" rtl="0" algn="l">
+            <a:pPr marL="457200" lvl="0" indent="-342900" algn="l" rtl="0">
               <a:spcBef>
                 <a:spcPts val="0"/>
               </a:spcBef>
@@ -9544,7 +9731,7 @@
             <a:endParaRPr/>
           </a:p>
           <a:p>
-            <a:pPr indent="-342900" lvl="0" marL="457200" rtl="0" algn="l">
+            <a:pPr marL="457200" lvl="0" indent="-342900" algn="l" rtl="0">
               <a:spcBef>
                 <a:spcPts val="0"/>
               </a:spcBef>
@@ -9561,7 +9748,7 @@
             <a:endParaRPr/>
           </a:p>
           <a:p>
-            <a:pPr indent="0" lvl="0" marL="457200" rtl="0" algn="l">
+            <a:pPr marL="457200" lvl="0" indent="0" algn="l" rtl="0">
               <a:spcBef>
                 <a:spcPts val="1600"/>
               </a:spcBef>
@@ -9570,9 +9757,6 @@
               </a:spcAft>
               <a:buNone/>
             </a:pPr>
-            <a:r>
-              <a:t/>
-            </a:r>
             <a:endParaRPr/>
           </a:p>
         </p:txBody>
@@ -9614,11 +9798,11 @@
 </file>
 
 <file path=ppt/slides/slide16.xml><?xml version="1.0" encoding="utf-8"?>
-<p:sld xmlns:a="http://schemas.openxmlformats.org/drawingml/2006/main" xmlns:r="http://schemas.openxmlformats.org/officeDocument/2006/relationships" xmlns:mc="http://schemas.openxmlformats.org/markup-compatibility/2006" xmlns:mv="urn:schemas-microsoft-com:mac:vml" xmlns:p="http://schemas.openxmlformats.org/presentationml/2006/main" xmlns:c="http://schemas.openxmlformats.org/drawingml/2006/chart" xmlns:dgm="http://schemas.openxmlformats.org/drawingml/2006/diagram" xmlns:o="urn:schemas-microsoft-com:office:office" xmlns:v="urn:schemas-microsoft-com:vml" xmlns:pvml="urn:schemas-microsoft-com:office:powerpoint" xmlns:com="http://schemas.openxmlformats.org/drawingml/2006/compatibility" xmlns:p14="http://schemas.microsoft.com/office/powerpoint/2010/main" xmlns:p15="http://schemas.microsoft.com/office/powerpoint/2012/main">
+<p:sld xmlns:a="http://schemas.openxmlformats.org/drawingml/2006/main" xmlns:r="http://schemas.openxmlformats.org/officeDocument/2006/relationships" xmlns:p="http://schemas.openxmlformats.org/presentationml/2006/main">
   <p:cSld>
     <p:spTree>
       <p:nvGrpSpPr>
-        <p:cNvPr id="163" name="Shape 163"/>
+        <p:cNvPr id="1" name="Shape 163"/>
         <p:cNvGrpSpPr/>
         <p:nvPr/>
       </p:nvGrpSpPr>
@@ -9633,7 +9817,9 @@
       <p:sp>
         <p:nvSpPr>
           <p:cNvPr id="164" name="Google Shape;164;p28"/>
-          <p:cNvSpPr txBox="1"/>
+          <p:cNvSpPr txBox="1">
+            <a:spLocks noGrp="1"/>
+          </p:cNvSpPr>
           <p:nvPr>
             <p:ph type="title"/>
           </p:nvPr>
@@ -9648,12 +9834,12 @@
           </a:prstGeom>
         </p:spPr>
         <p:txBody>
-          <a:bodyPr anchorCtr="0" anchor="b" bIns="91425" lIns="91425" spcFirstLastPara="1" rIns="91425" wrap="square" tIns="91425">
+          <a:bodyPr spcFirstLastPara="1" wrap="square" lIns="91425" tIns="91425" rIns="91425" bIns="91425" anchor="b" anchorCtr="0">
             <a:noAutofit/>
           </a:bodyPr>
           <a:lstStyle/>
           <a:p>
-            <a:pPr indent="0" lvl="0" marL="0" rtl="0" algn="l">
+            <a:pPr marL="0" lvl="0" indent="0" algn="l" rtl="0">
               <a:spcBef>
                 <a:spcPts val="0"/>
               </a:spcBef>
@@ -9673,9 +9859,11 @@
       <p:sp>
         <p:nvSpPr>
           <p:cNvPr id="165" name="Google Shape;165;p28"/>
-          <p:cNvSpPr txBox="1"/>
+          <p:cNvSpPr txBox="1">
+            <a:spLocks noGrp="1"/>
+          </p:cNvSpPr>
           <p:nvPr>
-            <p:ph idx="1" type="body"/>
+            <p:ph type="body" idx="1"/>
           </p:nvPr>
         </p:nvSpPr>
         <p:spPr>
@@ -9688,12 +9876,12 @@
           </a:prstGeom>
         </p:spPr>
         <p:txBody>
-          <a:bodyPr anchorCtr="0" anchor="t" bIns="91425" lIns="91425" spcFirstLastPara="1" rIns="91425" wrap="square" tIns="91425">
+          <a:bodyPr spcFirstLastPara="1" wrap="square" lIns="91425" tIns="91425" rIns="91425" bIns="91425" anchor="t" anchorCtr="0">
             <a:noAutofit/>
           </a:bodyPr>
           <a:lstStyle/>
           <a:p>
-            <a:pPr indent="-342900" lvl="0" marL="457200" rtl="0" algn="l">
+            <a:pPr marL="457200" lvl="0" indent="-342900" algn="l" rtl="0">
               <a:spcBef>
                 <a:spcPts val="0"/>
               </a:spcBef>
@@ -9710,7 +9898,7 @@
             <a:endParaRPr/>
           </a:p>
           <a:p>
-            <a:pPr indent="-342900" lvl="0" marL="457200" rtl="0" algn="l">
+            <a:pPr marL="457200" lvl="0" indent="-342900" algn="l" rtl="0">
               <a:spcBef>
                 <a:spcPts val="0"/>
               </a:spcBef>
@@ -9727,7 +9915,7 @@
             <a:endParaRPr/>
           </a:p>
           <a:p>
-            <a:pPr indent="-342900" lvl="0" marL="457200" rtl="0" algn="l">
+            <a:pPr marL="457200" lvl="0" indent="-342900" algn="l" rtl="0">
               <a:spcBef>
                 <a:spcPts val="0"/>
               </a:spcBef>
@@ -9744,7 +9932,7 @@
             <a:endParaRPr/>
           </a:p>
           <a:p>
-            <a:pPr indent="-342900" lvl="0" marL="457200" rtl="0" algn="l">
+            <a:pPr marL="457200" lvl="0" indent="-342900" algn="l" rtl="0">
               <a:spcBef>
                 <a:spcPts val="0"/>
               </a:spcBef>
@@ -9761,7 +9949,7 @@
             <a:endParaRPr/>
           </a:p>
           <a:p>
-            <a:pPr indent="-342900" lvl="0" marL="457200" rtl="0" algn="l">
+            <a:pPr marL="457200" lvl="0" indent="-342900" algn="l" rtl="0">
               <a:spcBef>
                 <a:spcPts val="0"/>
               </a:spcBef>
@@ -9778,7 +9966,7 @@
             <a:endParaRPr/>
           </a:p>
           <a:p>
-            <a:pPr indent="-342900" lvl="0" marL="457200" rtl="0" algn="l">
+            <a:pPr marL="457200" lvl="0" indent="-342900" algn="l" rtl="0">
               <a:spcBef>
                 <a:spcPts val="0"/>
               </a:spcBef>
@@ -9795,7 +9983,7 @@
             <a:endParaRPr/>
           </a:p>
           <a:p>
-            <a:pPr indent="-342900" lvl="0" marL="457200" rtl="0" algn="l">
+            <a:pPr marL="457200" lvl="0" indent="-342900" algn="l" rtl="0">
               <a:spcBef>
                 <a:spcPts val="0"/>
               </a:spcBef>
@@ -9822,11 +10010,11 @@
 </file>
 
 <file path=ppt/slides/slide17.xml><?xml version="1.0" encoding="utf-8"?>
-<p:sld xmlns:a="http://schemas.openxmlformats.org/drawingml/2006/main" xmlns:r="http://schemas.openxmlformats.org/officeDocument/2006/relationships" xmlns:mc="http://schemas.openxmlformats.org/markup-compatibility/2006" xmlns:mv="urn:schemas-microsoft-com:mac:vml" xmlns:p="http://schemas.openxmlformats.org/presentationml/2006/main" xmlns:c="http://schemas.openxmlformats.org/drawingml/2006/chart" xmlns:dgm="http://schemas.openxmlformats.org/drawingml/2006/diagram" xmlns:o="urn:schemas-microsoft-com:office:office" xmlns:v="urn:schemas-microsoft-com:vml" xmlns:pvml="urn:schemas-microsoft-com:office:powerpoint" xmlns:com="http://schemas.openxmlformats.org/drawingml/2006/compatibility" xmlns:p14="http://schemas.microsoft.com/office/powerpoint/2010/main" xmlns:p15="http://schemas.microsoft.com/office/powerpoint/2012/main">
+<p:sld xmlns:a="http://schemas.openxmlformats.org/drawingml/2006/main" xmlns:r="http://schemas.openxmlformats.org/officeDocument/2006/relationships" xmlns:p="http://schemas.openxmlformats.org/presentationml/2006/main">
   <p:cSld>
     <p:spTree>
       <p:nvGrpSpPr>
-        <p:cNvPr id="169" name="Shape 169"/>
+        <p:cNvPr id="1" name="Shape 169"/>
         <p:cNvGrpSpPr/>
         <p:nvPr/>
       </p:nvGrpSpPr>
@@ -9841,7 +10029,9 @@
       <p:sp>
         <p:nvSpPr>
           <p:cNvPr id="170" name="Google Shape;170;p29"/>
-          <p:cNvSpPr txBox="1"/>
+          <p:cNvSpPr txBox="1">
+            <a:spLocks noGrp="1"/>
+          </p:cNvSpPr>
           <p:nvPr>
             <p:ph type="title"/>
           </p:nvPr>
@@ -9856,12 +10046,12 @@
           </a:prstGeom>
         </p:spPr>
         <p:txBody>
-          <a:bodyPr anchorCtr="0" anchor="b" bIns="91425" lIns="91425" spcFirstLastPara="1" rIns="91425" wrap="square" tIns="91425">
+          <a:bodyPr spcFirstLastPara="1" wrap="square" lIns="91425" tIns="91425" rIns="91425" bIns="91425" anchor="b" anchorCtr="0">
             <a:noAutofit/>
           </a:bodyPr>
           <a:lstStyle/>
           <a:p>
-            <a:pPr indent="0" lvl="0" marL="0" rtl="0" algn="l">
+            <a:pPr marL="0" lvl="0" indent="0" algn="l" rtl="0">
               <a:spcBef>
                 <a:spcPts val="0"/>
               </a:spcBef>
@@ -9926,12 +10116,12 @@
           </a:ln>
         </p:spPr>
         <p:txBody>
-          <a:bodyPr anchorCtr="0" anchor="t" bIns="91425" lIns="91425" spcFirstLastPara="1" rIns="91425" wrap="square" tIns="91425">
+          <a:bodyPr spcFirstLastPara="1" wrap="square" lIns="91425" tIns="91425" rIns="91425" bIns="91425" anchor="t" anchorCtr="0">
             <a:noAutofit/>
           </a:bodyPr>
           <a:lstStyle/>
           <a:p>
-            <a:pPr indent="-317500" lvl="0" marL="457200" rtl="0" algn="l">
+            <a:pPr marL="457200" lvl="0" indent="-317500" algn="l" rtl="0">
               <a:spcBef>
                 <a:spcPts val="0"/>
               </a:spcBef>
@@ -9959,7 +10149,7 @@
             </a:endParaRPr>
           </a:p>
           <a:p>
-            <a:pPr indent="-317500" lvl="0" marL="457200" rtl="0" algn="l">
+            <a:pPr marL="457200" lvl="0" indent="-317500" algn="l" rtl="0">
               <a:spcBef>
                 <a:spcPts val="0"/>
               </a:spcBef>
@@ -9987,7 +10177,7 @@
             </a:endParaRPr>
           </a:p>
           <a:p>
-            <a:pPr indent="-317500" lvl="0" marL="457200" rtl="0" algn="l">
+            <a:pPr marL="457200" lvl="0" indent="-317500" algn="l" rtl="0">
               <a:spcBef>
                 <a:spcPts val="0"/>
               </a:spcBef>
@@ -10025,11 +10215,11 @@
 </file>
 
 <file path=ppt/slides/slide18.xml><?xml version="1.0" encoding="utf-8"?>
-<p:sld xmlns:a="http://schemas.openxmlformats.org/drawingml/2006/main" xmlns:r="http://schemas.openxmlformats.org/officeDocument/2006/relationships" xmlns:mc="http://schemas.openxmlformats.org/markup-compatibility/2006" xmlns:mv="urn:schemas-microsoft-com:mac:vml" xmlns:p="http://schemas.openxmlformats.org/presentationml/2006/main" xmlns:c="http://schemas.openxmlformats.org/drawingml/2006/chart" xmlns:dgm="http://schemas.openxmlformats.org/drawingml/2006/diagram" xmlns:o="urn:schemas-microsoft-com:office:office" xmlns:v="urn:schemas-microsoft-com:vml" xmlns:pvml="urn:schemas-microsoft-com:office:powerpoint" xmlns:com="http://schemas.openxmlformats.org/drawingml/2006/compatibility" xmlns:p14="http://schemas.microsoft.com/office/powerpoint/2010/main" xmlns:p15="http://schemas.microsoft.com/office/powerpoint/2012/main">
+<p:sld xmlns:a="http://schemas.openxmlformats.org/drawingml/2006/main" xmlns:r="http://schemas.openxmlformats.org/officeDocument/2006/relationships" xmlns:p="http://schemas.openxmlformats.org/presentationml/2006/main">
   <p:cSld>
     <p:spTree>
       <p:nvGrpSpPr>
-        <p:cNvPr id="176" name="Shape 176"/>
+        <p:cNvPr id="1" name="Shape 176"/>
         <p:cNvGrpSpPr/>
         <p:nvPr/>
       </p:nvGrpSpPr>
@@ -10044,7 +10234,9 @@
       <p:sp>
         <p:nvSpPr>
           <p:cNvPr id="177" name="Google Shape;177;p30"/>
-          <p:cNvSpPr txBox="1"/>
+          <p:cNvSpPr txBox="1">
+            <a:spLocks noGrp="1"/>
+          </p:cNvSpPr>
           <p:nvPr>
             <p:ph type="title"/>
           </p:nvPr>
@@ -10059,12 +10251,12 @@
           </a:prstGeom>
         </p:spPr>
         <p:txBody>
-          <a:bodyPr anchorCtr="0" anchor="b" bIns="91425" lIns="91425" spcFirstLastPara="1" rIns="91425" wrap="square" tIns="91425">
+          <a:bodyPr spcFirstLastPara="1" wrap="square" lIns="91425" tIns="91425" rIns="91425" bIns="91425" anchor="b" anchorCtr="0">
             <a:noAutofit/>
           </a:bodyPr>
           <a:lstStyle/>
           <a:p>
-            <a:pPr indent="0" lvl="0" marL="0" rtl="0" algn="l">
+            <a:pPr marL="0" lvl="0" indent="0" algn="l" rtl="0">
               <a:spcBef>
                 <a:spcPts val="0"/>
               </a:spcBef>
@@ -10084,9 +10276,11 @@
       <p:sp>
         <p:nvSpPr>
           <p:cNvPr id="178" name="Google Shape;178;p30"/>
-          <p:cNvSpPr txBox="1"/>
+          <p:cNvSpPr txBox="1">
+            <a:spLocks noGrp="1"/>
+          </p:cNvSpPr>
           <p:nvPr>
-            <p:ph idx="1" type="body"/>
+            <p:ph type="body" idx="1"/>
           </p:nvPr>
         </p:nvSpPr>
         <p:spPr>
@@ -10099,12 +10293,12 @@
           </a:prstGeom>
         </p:spPr>
         <p:txBody>
-          <a:bodyPr anchorCtr="0" anchor="t" bIns="91425" lIns="91425" spcFirstLastPara="1" rIns="91425" wrap="square" tIns="91425">
+          <a:bodyPr spcFirstLastPara="1" wrap="square" lIns="91425" tIns="91425" rIns="91425" bIns="91425" anchor="t" anchorCtr="0">
             <a:noAutofit/>
           </a:bodyPr>
           <a:lstStyle/>
           <a:p>
-            <a:pPr indent="-342900" lvl="0" marL="457200" rtl="0" algn="l">
+            <a:pPr marL="457200" lvl="0" indent="-342900" algn="l" rtl="0">
               <a:spcBef>
                 <a:spcPts val="0"/>
               </a:spcBef>
@@ -10121,7 +10315,7 @@
             <a:endParaRPr/>
           </a:p>
           <a:p>
-            <a:pPr indent="-342900" lvl="0" marL="457200" rtl="0" algn="l">
+            <a:pPr marL="457200" lvl="0" indent="-342900" algn="l" rtl="0">
               <a:spcBef>
                 <a:spcPts val="0"/>
               </a:spcBef>
@@ -10138,7 +10332,7 @@
             <a:endParaRPr/>
           </a:p>
           <a:p>
-            <a:pPr indent="-342900" lvl="0" marL="457200" rtl="0" algn="l">
+            <a:pPr marL="457200" lvl="0" indent="-342900" algn="l" rtl="0">
               <a:spcBef>
                 <a:spcPts val="0"/>
               </a:spcBef>
@@ -10155,7 +10349,7 @@
             <a:endParaRPr/>
           </a:p>
           <a:p>
-            <a:pPr indent="-342900" lvl="0" marL="457200" rtl="0" algn="l">
+            <a:pPr marL="457200" lvl="0" indent="-342900" algn="l" rtl="0">
               <a:spcBef>
                 <a:spcPts val="0"/>
               </a:spcBef>
@@ -10172,7 +10366,7 @@
             <a:endParaRPr/>
           </a:p>
           <a:p>
-            <a:pPr indent="-317500" lvl="1" marL="914400" rtl="0" algn="l">
+            <a:pPr marL="914400" lvl="1" indent="-317500" algn="l" rtl="0">
               <a:spcBef>
                 <a:spcPts val="0"/>
               </a:spcBef>
@@ -10189,7 +10383,7 @@
             <a:endParaRPr/>
           </a:p>
           <a:p>
-            <a:pPr indent="0" lvl="0" marL="0" rtl="0" algn="l">
+            <a:pPr marL="0" lvl="0" indent="0" algn="l" rtl="0">
               <a:spcBef>
                 <a:spcPts val="1600"/>
               </a:spcBef>
@@ -10205,7 +10399,7 @@
             <a:endParaRPr/>
           </a:p>
           <a:p>
-            <a:pPr indent="0" lvl="0" marL="0" rtl="0" algn="l">
+            <a:pPr marL="0" lvl="0" indent="0" algn="l" rtl="0">
               <a:spcBef>
                 <a:spcPts val="1600"/>
               </a:spcBef>
@@ -10244,11 +10438,11 @@
 </file>
 
 <file path=ppt/slides/slide2.xml><?xml version="1.0" encoding="utf-8"?>
-<p:sld xmlns:a="http://schemas.openxmlformats.org/drawingml/2006/main" xmlns:r="http://schemas.openxmlformats.org/officeDocument/2006/relationships" xmlns:mc="http://schemas.openxmlformats.org/markup-compatibility/2006" xmlns:mv="urn:schemas-microsoft-com:mac:vml" xmlns:p="http://schemas.openxmlformats.org/presentationml/2006/main" xmlns:c="http://schemas.openxmlformats.org/drawingml/2006/chart" xmlns:dgm="http://schemas.openxmlformats.org/drawingml/2006/diagram" xmlns:o="urn:schemas-microsoft-com:office:office" xmlns:v="urn:schemas-microsoft-com:vml" xmlns:pvml="urn:schemas-microsoft-com:office:powerpoint" xmlns:com="http://schemas.openxmlformats.org/drawingml/2006/compatibility" xmlns:p14="http://schemas.microsoft.com/office/powerpoint/2010/main" xmlns:p15="http://schemas.microsoft.com/office/powerpoint/2012/main">
+<p:sld xmlns:a="http://schemas.openxmlformats.org/drawingml/2006/main" xmlns:r="http://schemas.openxmlformats.org/officeDocument/2006/relationships" xmlns:p="http://schemas.openxmlformats.org/presentationml/2006/main">
   <p:cSld>
     <p:spTree>
       <p:nvGrpSpPr>
-        <p:cNvPr id="72" name="Shape 72"/>
+        <p:cNvPr id="1" name="Shape 72"/>
         <p:cNvGrpSpPr/>
         <p:nvPr/>
       </p:nvGrpSpPr>
@@ -10263,7 +10457,9 @@
       <p:sp>
         <p:nvSpPr>
           <p:cNvPr id="73" name="Google Shape;73;p14"/>
-          <p:cNvSpPr txBox="1"/>
+          <p:cNvSpPr txBox="1">
+            <a:spLocks noGrp="1"/>
+          </p:cNvSpPr>
           <p:nvPr>
             <p:ph type="title"/>
           </p:nvPr>
@@ -10278,12 +10474,12 @@
           </a:prstGeom>
         </p:spPr>
         <p:txBody>
-          <a:bodyPr anchorCtr="0" anchor="b" bIns="91425" lIns="91425" spcFirstLastPara="1" rIns="91425" wrap="square" tIns="91425">
+          <a:bodyPr spcFirstLastPara="1" wrap="square" lIns="91425" tIns="91425" rIns="91425" bIns="91425" anchor="b" anchorCtr="0">
             <a:noAutofit/>
           </a:bodyPr>
           <a:lstStyle/>
           <a:p>
-            <a:pPr indent="0" lvl="0" marL="0" rtl="0" algn="l">
+            <a:pPr marL="0" lvl="0" indent="0" algn="l" rtl="0">
               <a:spcBef>
                 <a:spcPts val="0"/>
               </a:spcBef>
@@ -10303,9 +10499,11 @@
       <p:sp>
         <p:nvSpPr>
           <p:cNvPr id="74" name="Google Shape;74;p14"/>
-          <p:cNvSpPr txBox="1"/>
+          <p:cNvSpPr txBox="1">
+            <a:spLocks noGrp="1"/>
+          </p:cNvSpPr>
           <p:nvPr>
-            <p:ph idx="1" type="body"/>
+            <p:ph type="body" idx="1"/>
           </p:nvPr>
         </p:nvSpPr>
         <p:spPr>
@@ -10318,12 +10516,12 @@
           </a:prstGeom>
         </p:spPr>
         <p:txBody>
-          <a:bodyPr anchorCtr="0" anchor="t" bIns="91425" lIns="91425" spcFirstLastPara="1" rIns="91425" wrap="square" tIns="91425">
+          <a:bodyPr spcFirstLastPara="1" wrap="square" lIns="91425" tIns="91425" rIns="91425" bIns="91425" anchor="t" anchorCtr="0">
             <a:noAutofit/>
           </a:bodyPr>
           <a:lstStyle/>
           <a:p>
-            <a:pPr indent="0" lvl="0" marL="457200" rtl="0" algn="l">
+            <a:pPr marL="457200" lvl="0" indent="0" algn="l" rtl="0">
               <a:spcBef>
                 <a:spcPts val="0"/>
               </a:spcBef>
@@ -10339,7 +10537,7 @@
             <a:endParaRPr/>
           </a:p>
           <a:p>
-            <a:pPr indent="-342900" lvl="0" marL="457200" rtl="0" algn="l">
+            <a:pPr marL="457200" lvl="0" indent="-342900" algn="l" rtl="0">
               <a:spcBef>
                 <a:spcPts val="1600"/>
               </a:spcBef>
@@ -10356,7 +10554,7 @@
             <a:endParaRPr/>
           </a:p>
           <a:p>
-            <a:pPr indent="0" lvl="0" marL="457200" rtl="0" algn="l">
+            <a:pPr marL="457200" lvl="0" indent="0" algn="l" rtl="0">
               <a:spcBef>
                 <a:spcPts val="1600"/>
               </a:spcBef>
@@ -10372,7 +10570,7 @@
             <a:endParaRPr/>
           </a:p>
           <a:p>
-            <a:pPr indent="-342900" lvl="0" marL="457200" rtl="0" algn="l">
+            <a:pPr marL="457200" lvl="0" indent="-342900" algn="l" rtl="0">
               <a:spcBef>
                 <a:spcPts val="1600"/>
               </a:spcBef>
@@ -10389,7 +10587,7 @@
             <a:endParaRPr/>
           </a:p>
           <a:p>
-            <a:pPr indent="-342900" lvl="0" marL="457200" rtl="0" algn="l">
+            <a:pPr marL="457200" lvl="0" indent="-342900" algn="l" rtl="0">
               <a:spcBef>
                 <a:spcPts val="0"/>
               </a:spcBef>
@@ -10416,11 +10614,11 @@
 </file>
 
 <file path=ppt/slides/slide3.xml><?xml version="1.0" encoding="utf-8"?>
-<p:sld xmlns:a="http://schemas.openxmlformats.org/drawingml/2006/main" xmlns:r="http://schemas.openxmlformats.org/officeDocument/2006/relationships" xmlns:mc="http://schemas.openxmlformats.org/markup-compatibility/2006" xmlns:mv="urn:schemas-microsoft-com:mac:vml" xmlns:p="http://schemas.openxmlformats.org/presentationml/2006/main" xmlns:c="http://schemas.openxmlformats.org/drawingml/2006/chart" xmlns:dgm="http://schemas.openxmlformats.org/drawingml/2006/diagram" xmlns:o="urn:schemas-microsoft-com:office:office" xmlns:v="urn:schemas-microsoft-com:vml" xmlns:pvml="urn:schemas-microsoft-com:office:powerpoint" xmlns:com="http://schemas.openxmlformats.org/drawingml/2006/compatibility" xmlns:p14="http://schemas.microsoft.com/office/powerpoint/2010/main" xmlns:p15="http://schemas.microsoft.com/office/powerpoint/2012/main">
+<p:sld xmlns:a="http://schemas.openxmlformats.org/drawingml/2006/main" xmlns:r="http://schemas.openxmlformats.org/officeDocument/2006/relationships" xmlns:p="http://schemas.openxmlformats.org/presentationml/2006/main">
   <p:cSld>
     <p:spTree>
       <p:nvGrpSpPr>
-        <p:cNvPr id="78" name="Shape 78"/>
+        <p:cNvPr id="1" name="Shape 78"/>
         <p:cNvGrpSpPr/>
         <p:nvPr/>
       </p:nvGrpSpPr>
@@ -10435,7 +10633,9 @@
       <p:sp>
         <p:nvSpPr>
           <p:cNvPr id="79" name="Google Shape;79;p15"/>
-          <p:cNvSpPr txBox="1"/>
+          <p:cNvSpPr txBox="1">
+            <a:spLocks noGrp="1"/>
+          </p:cNvSpPr>
           <p:nvPr>
             <p:ph type="title"/>
           </p:nvPr>
@@ -10450,12 +10650,12 @@
           </a:prstGeom>
         </p:spPr>
         <p:txBody>
-          <a:bodyPr anchorCtr="0" anchor="b" bIns="91425" lIns="91425" spcFirstLastPara="1" rIns="91425" wrap="square" tIns="91425">
+          <a:bodyPr spcFirstLastPara="1" wrap="square" lIns="91425" tIns="91425" rIns="91425" bIns="91425" anchor="b" anchorCtr="0">
             <a:noAutofit/>
           </a:bodyPr>
           <a:lstStyle/>
           <a:p>
-            <a:pPr indent="0" lvl="0" marL="0" rtl="0" algn="l">
+            <a:pPr marL="0" lvl="0" indent="0" algn="l" rtl="0">
               <a:spcBef>
                 <a:spcPts val="0"/>
               </a:spcBef>
@@ -10475,9 +10675,11 @@
       <p:sp>
         <p:nvSpPr>
           <p:cNvPr id="80" name="Google Shape;80;p15"/>
-          <p:cNvSpPr txBox="1"/>
+          <p:cNvSpPr txBox="1">
+            <a:spLocks noGrp="1"/>
+          </p:cNvSpPr>
           <p:nvPr>
-            <p:ph idx="1" type="body"/>
+            <p:ph type="body" idx="1"/>
           </p:nvPr>
         </p:nvSpPr>
         <p:spPr>
@@ -10490,12 +10692,12 @@
           </a:prstGeom>
         </p:spPr>
         <p:txBody>
-          <a:bodyPr anchorCtr="0" anchor="t" bIns="91425" lIns="91425" spcFirstLastPara="1" rIns="91425" wrap="square" tIns="91425">
+          <a:bodyPr spcFirstLastPara="1" wrap="square" lIns="91425" tIns="91425" rIns="91425" bIns="91425" anchor="t" anchorCtr="0">
             <a:noAutofit/>
           </a:bodyPr>
           <a:lstStyle/>
           <a:p>
-            <a:pPr indent="-342900" lvl="0" marL="457200" rtl="0" algn="l">
+            <a:pPr marL="457200" lvl="0" indent="-342900" algn="l" rtl="0">
               <a:spcBef>
                 <a:spcPts val="0"/>
               </a:spcBef>
@@ -10512,7 +10714,7 @@
             <a:endParaRPr/>
           </a:p>
           <a:p>
-            <a:pPr indent="-342900" lvl="0" marL="457200" rtl="0" algn="l">
+            <a:pPr marL="457200" lvl="0" indent="-342900" algn="l" rtl="0">
               <a:spcBef>
                 <a:spcPts val="0"/>
               </a:spcBef>
@@ -10529,7 +10731,7 @@
             <a:endParaRPr/>
           </a:p>
           <a:p>
-            <a:pPr indent="-342900" lvl="0" marL="457200" rtl="0" algn="l">
+            <a:pPr marL="457200" lvl="0" indent="-342900" algn="l" rtl="0">
               <a:spcBef>
                 <a:spcPts val="0"/>
               </a:spcBef>
@@ -10546,7 +10748,7 @@
             <a:endParaRPr/>
           </a:p>
           <a:p>
-            <a:pPr indent="-342900" lvl="0" marL="457200" rtl="0" algn="l">
+            <a:pPr marL="457200" lvl="0" indent="-342900" algn="l" rtl="0">
               <a:spcBef>
                 <a:spcPts val="0"/>
               </a:spcBef>
@@ -10601,11 +10803,11 @@
 </file>
 
 <file path=ppt/slides/slide4.xml><?xml version="1.0" encoding="utf-8"?>
-<p:sld xmlns:a="http://schemas.openxmlformats.org/drawingml/2006/main" xmlns:r="http://schemas.openxmlformats.org/officeDocument/2006/relationships" xmlns:mc="http://schemas.openxmlformats.org/markup-compatibility/2006" xmlns:mv="urn:schemas-microsoft-com:mac:vml" xmlns:p="http://schemas.openxmlformats.org/presentationml/2006/main" xmlns:c="http://schemas.openxmlformats.org/drawingml/2006/chart" xmlns:dgm="http://schemas.openxmlformats.org/drawingml/2006/diagram" xmlns:o="urn:schemas-microsoft-com:office:office" xmlns:v="urn:schemas-microsoft-com:vml" xmlns:pvml="urn:schemas-microsoft-com:office:powerpoint" xmlns:com="http://schemas.openxmlformats.org/drawingml/2006/compatibility" xmlns:p14="http://schemas.microsoft.com/office/powerpoint/2010/main" xmlns:p15="http://schemas.microsoft.com/office/powerpoint/2012/main">
+<p:sld xmlns:a="http://schemas.openxmlformats.org/drawingml/2006/main" xmlns:r="http://schemas.openxmlformats.org/officeDocument/2006/relationships" xmlns:p="http://schemas.openxmlformats.org/presentationml/2006/main">
   <p:cSld>
     <p:spTree>
       <p:nvGrpSpPr>
-        <p:cNvPr id="85" name="Shape 85"/>
+        <p:cNvPr id="1" name="Shape 85"/>
         <p:cNvGrpSpPr/>
         <p:nvPr/>
       </p:nvGrpSpPr>
@@ -10620,7 +10822,9 @@
       <p:sp>
         <p:nvSpPr>
           <p:cNvPr id="86" name="Google Shape;86;p16"/>
-          <p:cNvSpPr txBox="1"/>
+          <p:cNvSpPr txBox="1">
+            <a:spLocks noGrp="1"/>
+          </p:cNvSpPr>
           <p:nvPr>
             <p:ph type="title"/>
           </p:nvPr>
@@ -10635,12 +10839,12 @@
           </a:prstGeom>
         </p:spPr>
         <p:txBody>
-          <a:bodyPr anchorCtr="0" anchor="b" bIns="91425" lIns="91425" spcFirstLastPara="1" rIns="91425" wrap="square" tIns="91425">
+          <a:bodyPr spcFirstLastPara="1" wrap="square" lIns="91425" tIns="91425" rIns="91425" bIns="91425" anchor="b" anchorCtr="0">
             <a:noAutofit/>
           </a:bodyPr>
           <a:lstStyle/>
           <a:p>
-            <a:pPr indent="0" lvl="0" marL="0" rtl="0" algn="l">
+            <a:pPr marL="0" lvl="0" indent="0" algn="l" rtl="0">
               <a:spcBef>
                 <a:spcPts val="0"/>
               </a:spcBef>
@@ -10660,9 +10864,11 @@
       <p:sp>
         <p:nvSpPr>
           <p:cNvPr id="87" name="Google Shape;87;p16"/>
-          <p:cNvSpPr txBox="1"/>
+          <p:cNvSpPr txBox="1">
+            <a:spLocks noGrp="1"/>
+          </p:cNvSpPr>
           <p:nvPr>
-            <p:ph idx="1" type="body"/>
+            <p:ph type="body" idx="1"/>
           </p:nvPr>
         </p:nvSpPr>
         <p:spPr>
@@ -10675,12 +10881,12 @@
           </a:prstGeom>
         </p:spPr>
         <p:txBody>
-          <a:bodyPr anchorCtr="0" anchor="t" bIns="91425" lIns="91425" spcFirstLastPara="1" rIns="91425" wrap="square" tIns="91425">
+          <a:bodyPr spcFirstLastPara="1" wrap="square" lIns="91425" tIns="91425" rIns="91425" bIns="91425" anchor="t" anchorCtr="0">
             <a:noAutofit/>
           </a:bodyPr>
           <a:lstStyle/>
           <a:p>
-            <a:pPr indent="-342900" lvl="0" marL="457200" rtl="0" algn="l">
+            <a:pPr marL="457200" lvl="0" indent="-342900" algn="l" rtl="0">
               <a:spcBef>
                 <a:spcPts val="0"/>
               </a:spcBef>
@@ -10691,13 +10897,13 @@
               <a:buChar char="-"/>
             </a:pPr>
             <a:r>
-              <a:rPr lang="en"/>
+              <a:rPr lang="en" dirty="0"/>
               <a:t>Local photovoltaic system with Fronius inverters (Postgres)</a:t>
             </a:r>
-            <a:endParaRPr/>
-          </a:p>
-          <a:p>
-            <a:pPr indent="-317500" lvl="1" marL="914400" rtl="0" algn="l">
+            <a:endParaRPr dirty="0"/>
+          </a:p>
+          <a:p>
+            <a:pPr marL="914400" lvl="1" indent="-317500" algn="l" rtl="0">
               <a:spcBef>
                 <a:spcPts val="0"/>
               </a:spcBef>
@@ -10708,13 +10914,30 @@
               <a:buChar char="-"/>
             </a:pPr>
             <a:r>
-              <a:rPr lang="en"/>
+              <a:rPr lang="en" dirty="0"/>
               <a:t>Consumption of energy</a:t>
             </a:r>
-            <a:endParaRPr/>
-          </a:p>
-          <a:p>
-            <a:pPr indent="-342900" lvl="0" marL="457200" rtl="0" algn="l">
+            <a:endParaRPr dirty="0"/>
+          </a:p>
+          <a:p>
+            <a:pPr marL="914400" lvl="1" indent="-317500" algn="l" rtl="0">
+              <a:spcBef>
+                <a:spcPts val="0"/>
+              </a:spcBef>
+              <a:spcAft>
+                <a:spcPts val="0"/>
+              </a:spcAft>
+              <a:buSzPts val="1400"/>
+              <a:buChar char="-"/>
+            </a:pPr>
+            <a:r>
+              <a:rPr lang="en" dirty="0"/>
+              <a:t>Testing and forecasts</a:t>
+            </a:r>
+            <a:endParaRPr dirty="0"/>
+          </a:p>
+          <a:p>
+            <a:pPr marL="457200" lvl="0" indent="-342900" algn="l" rtl="0">
               <a:spcBef>
                 <a:spcPts val="0"/>
               </a:spcBef>
@@ -10725,13 +10948,13 @@
               <a:buChar char="-"/>
             </a:pPr>
             <a:r>
-              <a:rPr lang="en"/>
-              <a:t>GFS (Global Forecast System) for weather forecasts (open API)</a:t>
+              <a:rPr lang="en" dirty="0"/>
+              <a:t>SMA (sunnyportal) global photovoltaic systems (crawler for German system)</a:t>
             </a:r>
-            <a:endParaRPr/>
-          </a:p>
-          <a:p>
-            <a:pPr indent="-317500" lvl="1" marL="914400" rtl="0" algn="l">
+            <a:endParaRPr dirty="0"/>
+          </a:p>
+          <a:p>
+            <a:pPr marL="914400" lvl="1" indent="-317500" algn="l" rtl="0">
               <a:spcBef>
                 <a:spcPts val="0"/>
               </a:spcBef>
@@ -10742,44 +10965,20 @@
               <a:buChar char="-"/>
             </a:pPr>
             <a:r>
-              <a:rPr lang="en"/>
-              <a:t>Testing and forecasts</a:t>
+              <a:rPr lang="en" dirty="0"/>
+              <a:t>Production of energy</a:t>
             </a:r>
-            <a:endParaRPr/>
-          </a:p>
-          <a:p>
-            <a:pPr indent="-342900" lvl="0" marL="457200" rtl="0" algn="l">
-              <a:spcBef>
-                <a:spcPts val="0"/>
-              </a:spcBef>
-              <a:spcAft>
-                <a:spcPts val="0"/>
-              </a:spcAft>
-              <a:buSzPts val="1800"/>
-              <a:buChar char="-"/>
-            </a:pPr>
-            <a:r>
-              <a:rPr lang="en"/>
-              <a:t>SMA (sunnyportal) global photovoltaic systems (crawler for German system)</a:t>
-            </a:r>
-            <a:endParaRPr/>
-          </a:p>
-          <a:p>
-            <a:pPr indent="-317500" lvl="1" marL="914400" rtl="0" algn="l">
-              <a:spcBef>
-                <a:spcPts val="0"/>
-              </a:spcBef>
-              <a:spcAft>
-                <a:spcPts val="0"/>
-              </a:spcAft>
+          </a:p>
+          <a:p>
+            <a:pPr indent="-317500">
               <a:buSzPts val="1400"/>
               <a:buChar char="-"/>
             </a:pPr>
             <a:r>
-              <a:rPr lang="en"/>
-              <a:t>Production of energy</a:t>
+              <a:rPr lang="en" dirty="0"/>
+              <a:t>Weatherbit, history weather data and weather forecast for next 120h based on latitude and longitude</a:t>
             </a:r>
-            <a:endParaRPr/>
+            <a:endParaRPr dirty="0"/>
           </a:p>
         </p:txBody>
       </p:sp>
@@ -10792,11 +10991,11 @@
 </file>
 
 <file path=ppt/slides/slide5.xml><?xml version="1.0" encoding="utf-8"?>
-<p:sld xmlns:a="http://schemas.openxmlformats.org/drawingml/2006/main" xmlns:r="http://schemas.openxmlformats.org/officeDocument/2006/relationships" xmlns:mc="http://schemas.openxmlformats.org/markup-compatibility/2006" xmlns:mv="urn:schemas-microsoft-com:mac:vml" xmlns:p="http://schemas.openxmlformats.org/presentationml/2006/main" xmlns:c="http://schemas.openxmlformats.org/drawingml/2006/chart" xmlns:dgm="http://schemas.openxmlformats.org/drawingml/2006/diagram" xmlns:o="urn:schemas-microsoft-com:office:office" xmlns:v="urn:schemas-microsoft-com:vml" xmlns:pvml="urn:schemas-microsoft-com:office:powerpoint" xmlns:com="http://schemas.openxmlformats.org/drawingml/2006/compatibility" xmlns:p14="http://schemas.microsoft.com/office/powerpoint/2010/main" xmlns:p15="http://schemas.microsoft.com/office/powerpoint/2012/main">
+<p:sld xmlns:a="http://schemas.openxmlformats.org/drawingml/2006/main" xmlns:r="http://schemas.openxmlformats.org/officeDocument/2006/relationships" xmlns:p="http://schemas.openxmlformats.org/presentationml/2006/main">
   <p:cSld>
     <p:spTree>
       <p:nvGrpSpPr>
-        <p:cNvPr id="91" name="Shape 91"/>
+        <p:cNvPr id="1" name="Shape 91"/>
         <p:cNvGrpSpPr/>
         <p:nvPr/>
       </p:nvGrpSpPr>
@@ -10811,7 +11010,9 @@
       <p:sp>
         <p:nvSpPr>
           <p:cNvPr id="92" name="Google Shape;92;p17"/>
-          <p:cNvSpPr txBox="1"/>
+          <p:cNvSpPr txBox="1">
+            <a:spLocks noGrp="1"/>
+          </p:cNvSpPr>
           <p:nvPr>
             <p:ph type="title"/>
           </p:nvPr>
@@ -10826,12 +11027,12 @@
           </a:prstGeom>
         </p:spPr>
         <p:txBody>
-          <a:bodyPr anchorCtr="0" anchor="b" bIns="91425" lIns="91425" spcFirstLastPara="1" rIns="91425" wrap="square" tIns="91425">
+          <a:bodyPr spcFirstLastPara="1" wrap="square" lIns="91425" tIns="91425" rIns="91425" bIns="91425" anchor="b" anchorCtr="0">
             <a:noAutofit/>
           </a:bodyPr>
           <a:lstStyle/>
           <a:p>
-            <a:pPr indent="0" lvl="0" marL="0" rtl="0" algn="l">
+            <a:pPr marL="0" lvl="0" indent="0" algn="l" rtl="0">
               <a:spcBef>
                 <a:spcPts val="0"/>
               </a:spcBef>
@@ -10851,9 +11052,11 @@
       <p:sp>
         <p:nvSpPr>
           <p:cNvPr id="93" name="Google Shape;93;p17"/>
-          <p:cNvSpPr txBox="1"/>
+          <p:cNvSpPr txBox="1">
+            <a:spLocks noGrp="1"/>
+          </p:cNvSpPr>
           <p:nvPr>
-            <p:ph idx="1" type="body"/>
+            <p:ph type="body" idx="1"/>
           </p:nvPr>
         </p:nvSpPr>
         <p:spPr>
@@ -10866,12 +11069,12 @@
           </a:prstGeom>
         </p:spPr>
         <p:txBody>
-          <a:bodyPr anchorCtr="0" anchor="t" bIns="91425" lIns="91425" spcFirstLastPara="1" rIns="91425" wrap="square" tIns="91425">
+          <a:bodyPr spcFirstLastPara="1" wrap="square" lIns="91425" tIns="91425" rIns="91425" bIns="91425" anchor="t" anchorCtr="0">
             <a:noAutofit/>
           </a:bodyPr>
           <a:lstStyle/>
           <a:p>
-            <a:pPr indent="-342900" lvl="0" marL="457200" rtl="0" algn="l">
+            <a:pPr marL="457200" lvl="0" indent="-342900" algn="l" rtl="0">
               <a:spcBef>
                 <a:spcPts val="0"/>
               </a:spcBef>
@@ -10888,7 +11091,7 @@
             <a:endParaRPr/>
           </a:p>
           <a:p>
-            <a:pPr indent="-342900" lvl="0" marL="457200" rtl="0" algn="l">
+            <a:pPr marL="457200" lvl="0" indent="-342900" algn="l" rtl="0">
               <a:spcBef>
                 <a:spcPts val="0"/>
               </a:spcBef>
@@ -10905,7 +11108,7 @@
             <a:endParaRPr/>
           </a:p>
           <a:p>
-            <a:pPr indent="-342900" lvl="0" marL="457200" rtl="0" algn="l">
+            <a:pPr marL="457200" lvl="0" indent="-342900" algn="l" rtl="0">
               <a:spcBef>
                 <a:spcPts val="0"/>
               </a:spcBef>
@@ -10960,11 +11163,11 @@
 </file>
 
 <file path=ppt/slides/slide6.xml><?xml version="1.0" encoding="utf-8"?>
-<p:sld xmlns:a="http://schemas.openxmlformats.org/drawingml/2006/main" xmlns:r="http://schemas.openxmlformats.org/officeDocument/2006/relationships" xmlns:mc="http://schemas.openxmlformats.org/markup-compatibility/2006" xmlns:mv="urn:schemas-microsoft-com:mac:vml" xmlns:p="http://schemas.openxmlformats.org/presentationml/2006/main" xmlns:c="http://schemas.openxmlformats.org/drawingml/2006/chart" xmlns:dgm="http://schemas.openxmlformats.org/drawingml/2006/diagram" xmlns:o="urn:schemas-microsoft-com:office:office" xmlns:v="urn:schemas-microsoft-com:vml" xmlns:pvml="urn:schemas-microsoft-com:office:powerpoint" xmlns:com="http://schemas.openxmlformats.org/drawingml/2006/compatibility" xmlns:p14="http://schemas.microsoft.com/office/powerpoint/2010/main" xmlns:p15="http://schemas.microsoft.com/office/powerpoint/2012/main">
+<p:sld xmlns:a="http://schemas.openxmlformats.org/drawingml/2006/main" xmlns:r="http://schemas.openxmlformats.org/officeDocument/2006/relationships" xmlns:p="http://schemas.openxmlformats.org/presentationml/2006/main">
   <p:cSld>
     <p:spTree>
       <p:nvGrpSpPr>
-        <p:cNvPr id="98" name="Shape 98"/>
+        <p:cNvPr id="1" name="Shape 98"/>
         <p:cNvGrpSpPr/>
         <p:nvPr/>
       </p:nvGrpSpPr>
@@ -10979,7 +11182,9 @@
       <p:sp>
         <p:nvSpPr>
           <p:cNvPr id="99" name="Google Shape;99;p18"/>
-          <p:cNvSpPr txBox="1"/>
+          <p:cNvSpPr txBox="1">
+            <a:spLocks noGrp="1"/>
+          </p:cNvSpPr>
           <p:nvPr>
             <p:ph type="title"/>
           </p:nvPr>
@@ -10994,12 +11199,12 @@
           </a:prstGeom>
         </p:spPr>
         <p:txBody>
-          <a:bodyPr anchorCtr="0" anchor="b" bIns="91425" lIns="91425" spcFirstLastPara="1" rIns="91425" wrap="square" tIns="91425">
+          <a:bodyPr spcFirstLastPara="1" wrap="square" lIns="91425" tIns="91425" rIns="91425" bIns="91425" anchor="b" anchorCtr="0">
             <a:noAutofit/>
           </a:bodyPr>
           <a:lstStyle/>
           <a:p>
-            <a:pPr indent="0" lvl="0" marL="0" rtl="0" algn="l">
+            <a:pPr marL="0" lvl="0" indent="0" algn="l" rtl="0">
               <a:spcBef>
                 <a:spcPts val="0"/>
               </a:spcBef>
@@ -11019,9 +11224,11 @@
       <p:sp>
         <p:nvSpPr>
           <p:cNvPr id="100" name="Google Shape;100;p18"/>
-          <p:cNvSpPr txBox="1"/>
+          <p:cNvSpPr txBox="1">
+            <a:spLocks noGrp="1"/>
+          </p:cNvSpPr>
           <p:nvPr>
-            <p:ph idx="1" type="body"/>
+            <p:ph type="body" idx="1"/>
           </p:nvPr>
         </p:nvSpPr>
         <p:spPr>
@@ -11034,12 +11241,12 @@
           </a:prstGeom>
         </p:spPr>
         <p:txBody>
-          <a:bodyPr anchorCtr="0" anchor="t" bIns="91425" lIns="91425" spcFirstLastPara="1" rIns="91425" wrap="square" tIns="91425">
+          <a:bodyPr spcFirstLastPara="1" wrap="square" lIns="91425" tIns="91425" rIns="91425" bIns="91425" anchor="t" anchorCtr="0">
             <a:noAutofit/>
           </a:bodyPr>
           <a:lstStyle/>
           <a:p>
-            <a:pPr indent="-342900" lvl="0" marL="457200" rtl="0" algn="l">
+            <a:pPr marL="457200" lvl="0" indent="-342900" algn="l" rtl="0">
               <a:spcBef>
                 <a:spcPts val="0"/>
               </a:spcBef>
@@ -11050,13 +11257,13 @@
               <a:buChar char="-"/>
             </a:pPr>
             <a:r>
-              <a:rPr lang="en"/>
+              <a:rPr lang="en" dirty="0"/>
               <a:t>Local Static Data from Postgres Database</a:t>
             </a:r>
-            <a:endParaRPr/>
-          </a:p>
-          <a:p>
-            <a:pPr indent="-342900" lvl="0" marL="457200" rtl="0" algn="l">
+            <a:endParaRPr dirty="0"/>
+          </a:p>
+          <a:p>
+            <a:pPr marL="457200" lvl="0" indent="-342900" algn="l" rtl="0">
               <a:spcBef>
                 <a:spcPts val="0"/>
               </a:spcBef>
@@ -11067,13 +11274,13 @@
               <a:buChar char="-"/>
             </a:pPr>
             <a:r>
-              <a:rPr lang="en"/>
-              <a:t>Perpetual extraction of weather forecasts from GFS through API</a:t>
+              <a:rPr lang="en" dirty="0"/>
+              <a:t>Perpetual extraction of weather forecasts from Weatherbit based on lat and long through API</a:t>
             </a:r>
-            <a:endParaRPr/>
-          </a:p>
-          <a:p>
-            <a:pPr indent="-317500" lvl="1" marL="914400" rtl="0" algn="l">
+            <a:endParaRPr dirty="0"/>
+          </a:p>
+          <a:p>
+            <a:pPr marL="914400" lvl="1" indent="-317500" algn="l" rtl="0">
               <a:spcBef>
                 <a:spcPts val="0"/>
               </a:spcBef>
@@ -11084,13 +11291,13 @@
               <a:buChar char="-"/>
             </a:pPr>
             <a:r>
-              <a:rPr lang="en"/>
+              <a:rPr lang="en" dirty="0"/>
               <a:t>Time dependent</a:t>
             </a:r>
-            <a:endParaRPr/>
-          </a:p>
-          <a:p>
-            <a:pPr indent="-342900" lvl="0" marL="457200" rtl="0" algn="l">
+            <a:endParaRPr dirty="0"/>
+          </a:p>
+          <a:p>
+            <a:pPr marL="457200" lvl="0" indent="-342900" algn="l" rtl="0">
               <a:spcBef>
                 <a:spcPts val="0"/>
               </a:spcBef>
@@ -11101,13 +11308,13 @@
               <a:buChar char="-"/>
             </a:pPr>
             <a:r>
-              <a:rPr lang="en"/>
+              <a:rPr lang="en" dirty="0"/>
               <a:t>Perpetual extraction of german photovoltaic system with crawler</a:t>
             </a:r>
-            <a:endParaRPr/>
-          </a:p>
-          <a:p>
-            <a:pPr indent="-317500" lvl="1" marL="914400" rtl="0" algn="l">
+            <a:endParaRPr dirty="0"/>
+          </a:p>
+          <a:p>
+            <a:pPr marL="914400" lvl="1" indent="-317500" algn="l" rtl="0">
               <a:spcBef>
                 <a:spcPts val="0"/>
               </a:spcBef>
@@ -11118,10 +11325,10 @@
               <a:buChar char="-"/>
             </a:pPr>
             <a:r>
-              <a:rPr lang="en"/>
+              <a:rPr lang="en" dirty="0"/>
               <a:t>Time dependent</a:t>
             </a:r>
-            <a:endParaRPr/>
+            <a:endParaRPr dirty="0"/>
           </a:p>
         </p:txBody>
       </p:sp>
@@ -11134,11 +11341,11 @@
 </file>
 
 <file path=ppt/slides/slide7.xml><?xml version="1.0" encoding="utf-8"?>
-<p:sld xmlns:a="http://schemas.openxmlformats.org/drawingml/2006/main" xmlns:r="http://schemas.openxmlformats.org/officeDocument/2006/relationships" xmlns:mc="http://schemas.openxmlformats.org/markup-compatibility/2006" xmlns:mv="urn:schemas-microsoft-com:mac:vml" xmlns:p="http://schemas.openxmlformats.org/presentationml/2006/main" xmlns:c="http://schemas.openxmlformats.org/drawingml/2006/chart" xmlns:dgm="http://schemas.openxmlformats.org/drawingml/2006/diagram" xmlns:o="urn:schemas-microsoft-com:office:office" xmlns:v="urn:schemas-microsoft-com:vml" xmlns:pvml="urn:schemas-microsoft-com:office:powerpoint" xmlns:com="http://schemas.openxmlformats.org/drawingml/2006/compatibility" xmlns:p14="http://schemas.microsoft.com/office/powerpoint/2010/main" xmlns:p15="http://schemas.microsoft.com/office/powerpoint/2012/main">
+<p:sld xmlns:a="http://schemas.openxmlformats.org/drawingml/2006/main" xmlns:r="http://schemas.openxmlformats.org/officeDocument/2006/relationships" xmlns:p="http://schemas.openxmlformats.org/presentationml/2006/main">
   <p:cSld>
     <p:spTree>
       <p:nvGrpSpPr>
-        <p:cNvPr id="104" name="Shape 104"/>
+        <p:cNvPr id="1" name="Shape 104"/>
         <p:cNvGrpSpPr/>
         <p:nvPr/>
       </p:nvGrpSpPr>
@@ -11153,7 +11360,9 @@
       <p:sp>
         <p:nvSpPr>
           <p:cNvPr id="105" name="Google Shape;105;p19"/>
-          <p:cNvSpPr txBox="1"/>
+          <p:cNvSpPr txBox="1">
+            <a:spLocks noGrp="1"/>
+          </p:cNvSpPr>
           <p:nvPr>
             <p:ph type="title"/>
           </p:nvPr>
@@ -11168,12 +11377,12 @@
           </a:prstGeom>
         </p:spPr>
         <p:txBody>
-          <a:bodyPr anchorCtr="0" anchor="b" bIns="91425" lIns="91425" spcFirstLastPara="1" rIns="91425" wrap="square" tIns="91425">
+          <a:bodyPr spcFirstLastPara="1" wrap="square" lIns="91425" tIns="91425" rIns="91425" bIns="91425" anchor="b" anchorCtr="0">
             <a:noAutofit/>
           </a:bodyPr>
           <a:lstStyle/>
           <a:p>
-            <a:pPr indent="0" lvl="0" marL="0" rtl="0" algn="l">
+            <a:pPr marL="0" lvl="0" indent="0" algn="l" rtl="0">
               <a:spcBef>
                 <a:spcPts val="0"/>
               </a:spcBef>
@@ -11193,9 +11402,11 @@
       <p:sp>
         <p:nvSpPr>
           <p:cNvPr id="106" name="Google Shape;106;p19"/>
-          <p:cNvSpPr txBox="1"/>
+          <p:cNvSpPr txBox="1">
+            <a:spLocks noGrp="1"/>
+          </p:cNvSpPr>
           <p:nvPr>
-            <p:ph idx="1" type="body"/>
+            <p:ph type="body" idx="1"/>
           </p:nvPr>
         </p:nvSpPr>
         <p:spPr>
@@ -11208,12 +11419,12 @@
           </a:prstGeom>
         </p:spPr>
         <p:txBody>
-          <a:bodyPr anchorCtr="0" anchor="t" bIns="91425" lIns="91425" spcFirstLastPara="1" rIns="91425" wrap="square" tIns="91425">
+          <a:bodyPr spcFirstLastPara="1" wrap="square" lIns="91425" tIns="91425" rIns="91425" bIns="91425" anchor="t" anchorCtr="0">
             <a:noAutofit/>
           </a:bodyPr>
           <a:lstStyle/>
           <a:p>
-            <a:pPr indent="-342900" lvl="0" marL="457200" rtl="0" algn="l">
+            <a:pPr marL="457200" lvl="0" indent="-342900" algn="l" rtl="0">
               <a:spcBef>
                 <a:spcPts val="0"/>
               </a:spcBef>
@@ -11230,7 +11441,7 @@
             <a:endParaRPr/>
           </a:p>
           <a:p>
-            <a:pPr indent="-342900" lvl="0" marL="457200" rtl="0" algn="l">
+            <a:pPr marL="457200" lvl="0" indent="-342900" algn="l" rtl="0">
               <a:spcBef>
                 <a:spcPts val="0"/>
               </a:spcBef>
@@ -11247,7 +11458,7 @@
             <a:endParaRPr/>
           </a:p>
           <a:p>
-            <a:pPr indent="-342900" lvl="0" marL="457200" rtl="0" algn="l">
+            <a:pPr marL="457200" lvl="0" indent="-342900" algn="l" rtl="0">
               <a:spcBef>
                 <a:spcPts val="0"/>
               </a:spcBef>
@@ -11264,7 +11475,7 @@
             <a:endParaRPr/>
           </a:p>
           <a:p>
-            <a:pPr indent="-342900" lvl="0" marL="457200" rtl="0" algn="l">
+            <a:pPr marL="457200" lvl="0" indent="-342900" algn="l" rtl="0">
               <a:spcBef>
                 <a:spcPts val="0"/>
               </a:spcBef>
@@ -11281,7 +11492,7 @@
             <a:endParaRPr/>
           </a:p>
           <a:p>
-            <a:pPr indent="-342900" lvl="0" marL="457200" rtl="0" algn="l">
+            <a:pPr marL="457200" lvl="0" indent="-342900" algn="l" rtl="0">
               <a:spcBef>
                 <a:spcPts val="0"/>
               </a:spcBef>
@@ -11298,7 +11509,7 @@
             <a:endParaRPr/>
           </a:p>
           <a:p>
-            <a:pPr indent="-342900" lvl="0" marL="457200" rtl="0" algn="l">
+            <a:pPr marL="457200" lvl="0" indent="-342900" algn="l" rtl="0">
               <a:spcBef>
                 <a:spcPts val="0"/>
               </a:spcBef>
@@ -11315,7 +11526,7 @@
             <a:endParaRPr/>
           </a:p>
           <a:p>
-            <a:pPr indent="-342900" lvl="0" marL="457200" rtl="0" algn="l">
+            <a:pPr marL="457200" lvl="0" indent="-342900" algn="l" rtl="0">
               <a:spcBef>
                 <a:spcPts val="0"/>
               </a:spcBef>
@@ -11332,7 +11543,7 @@
             <a:endParaRPr/>
           </a:p>
           <a:p>
-            <a:pPr indent="-317500" lvl="1" marL="914400" rtl="0" algn="l">
+            <a:pPr marL="914400" lvl="1" indent="-317500" algn="l" rtl="0">
               <a:spcBef>
                 <a:spcPts val="0"/>
               </a:spcBef>
@@ -11359,11 +11570,11 @@
 </file>
 
 <file path=ppt/slides/slide8.xml><?xml version="1.0" encoding="utf-8"?>
-<p:sld xmlns:a="http://schemas.openxmlformats.org/drawingml/2006/main" xmlns:r="http://schemas.openxmlformats.org/officeDocument/2006/relationships" xmlns:mc="http://schemas.openxmlformats.org/markup-compatibility/2006" xmlns:mv="urn:schemas-microsoft-com:mac:vml" xmlns:p="http://schemas.openxmlformats.org/presentationml/2006/main" xmlns:c="http://schemas.openxmlformats.org/drawingml/2006/chart" xmlns:dgm="http://schemas.openxmlformats.org/drawingml/2006/diagram" xmlns:o="urn:schemas-microsoft-com:office:office" xmlns:v="urn:schemas-microsoft-com:vml" xmlns:pvml="urn:schemas-microsoft-com:office:powerpoint" xmlns:com="http://schemas.openxmlformats.org/drawingml/2006/compatibility" xmlns:p14="http://schemas.microsoft.com/office/powerpoint/2010/main" xmlns:p15="http://schemas.microsoft.com/office/powerpoint/2012/main">
+<p:sld xmlns:a="http://schemas.openxmlformats.org/drawingml/2006/main" xmlns:r="http://schemas.openxmlformats.org/officeDocument/2006/relationships" xmlns:p="http://schemas.openxmlformats.org/presentationml/2006/main">
   <p:cSld>
     <p:spTree>
       <p:nvGrpSpPr>
-        <p:cNvPr id="110" name="Shape 110"/>
+        <p:cNvPr id="1" name="Shape 110"/>
         <p:cNvGrpSpPr/>
         <p:nvPr/>
       </p:nvGrpSpPr>
@@ -11378,7 +11589,9 @@
       <p:sp>
         <p:nvSpPr>
           <p:cNvPr id="111" name="Google Shape;111;p20"/>
-          <p:cNvSpPr txBox="1"/>
+          <p:cNvSpPr txBox="1">
+            <a:spLocks noGrp="1"/>
+          </p:cNvSpPr>
           <p:nvPr>
             <p:ph type="title"/>
           </p:nvPr>
@@ -11393,12 +11606,12 @@
           </a:prstGeom>
         </p:spPr>
         <p:txBody>
-          <a:bodyPr anchorCtr="0" anchor="b" bIns="91425" lIns="91425" spcFirstLastPara="1" rIns="91425" wrap="square" tIns="91425">
+          <a:bodyPr spcFirstLastPara="1" wrap="square" lIns="91425" tIns="91425" rIns="91425" bIns="91425" anchor="b" anchorCtr="0">
             <a:noAutofit/>
           </a:bodyPr>
           <a:lstStyle/>
           <a:p>
-            <a:pPr indent="0" lvl="0" marL="0" rtl="0" algn="l">
+            <a:pPr marL="0" lvl="0" indent="0" algn="l" rtl="0">
               <a:spcBef>
                 <a:spcPts val="0"/>
               </a:spcBef>
@@ -11564,11 +11777,11 @@
 </file>
 
 <file path=ppt/slides/slide9.xml><?xml version="1.0" encoding="utf-8"?>
-<p:sld xmlns:a="http://schemas.openxmlformats.org/drawingml/2006/main" xmlns:r="http://schemas.openxmlformats.org/officeDocument/2006/relationships" xmlns:mc="http://schemas.openxmlformats.org/markup-compatibility/2006" xmlns:mv="urn:schemas-microsoft-com:mac:vml" xmlns:p="http://schemas.openxmlformats.org/presentationml/2006/main" xmlns:c="http://schemas.openxmlformats.org/drawingml/2006/chart" xmlns:dgm="http://schemas.openxmlformats.org/drawingml/2006/diagram" xmlns:o="urn:schemas-microsoft-com:office:office" xmlns:v="urn:schemas-microsoft-com:vml" xmlns:pvml="urn:schemas-microsoft-com:office:powerpoint" xmlns:com="http://schemas.openxmlformats.org/drawingml/2006/compatibility" xmlns:p14="http://schemas.microsoft.com/office/powerpoint/2010/main" xmlns:p15="http://schemas.microsoft.com/office/powerpoint/2012/main">
+<p:sld xmlns:a="http://schemas.openxmlformats.org/drawingml/2006/main" xmlns:r="http://schemas.openxmlformats.org/officeDocument/2006/relationships" xmlns:p="http://schemas.openxmlformats.org/presentationml/2006/main">
   <p:cSld>
     <p:spTree>
       <p:nvGrpSpPr>
-        <p:cNvPr id="120" name="Shape 120"/>
+        <p:cNvPr id="1" name="Shape 120"/>
         <p:cNvGrpSpPr/>
         <p:nvPr/>
       </p:nvGrpSpPr>
@@ -11583,7 +11796,9 @@
       <p:sp>
         <p:nvSpPr>
           <p:cNvPr id="121" name="Google Shape;121;p21"/>
-          <p:cNvSpPr txBox="1"/>
+          <p:cNvSpPr txBox="1">
+            <a:spLocks noGrp="1"/>
+          </p:cNvSpPr>
           <p:nvPr>
             <p:ph type="title"/>
           </p:nvPr>
@@ -11598,12 +11813,12 @@
           </a:prstGeom>
         </p:spPr>
         <p:txBody>
-          <a:bodyPr anchorCtr="0" anchor="b" bIns="91425" lIns="91425" spcFirstLastPara="1" rIns="91425" wrap="square" tIns="91425">
+          <a:bodyPr spcFirstLastPara="1" wrap="square" lIns="91425" tIns="91425" rIns="91425" bIns="91425" anchor="b" anchorCtr="0">
             <a:noAutofit/>
           </a:bodyPr>
           <a:lstStyle/>
           <a:p>
-            <a:pPr indent="0" lvl="0" marL="0" rtl="0" algn="l">
+            <a:pPr marL="0" lvl="0" indent="0" algn="l" rtl="0">
               <a:spcBef>
                 <a:spcPts val="0"/>
               </a:spcBef>
@@ -11623,9 +11838,11 @@
       <p:sp>
         <p:nvSpPr>
           <p:cNvPr id="122" name="Google Shape;122;p21"/>
-          <p:cNvSpPr txBox="1"/>
+          <p:cNvSpPr txBox="1">
+            <a:spLocks noGrp="1"/>
+          </p:cNvSpPr>
           <p:nvPr>
-            <p:ph idx="1" type="body"/>
+            <p:ph type="body" idx="1"/>
           </p:nvPr>
         </p:nvSpPr>
         <p:spPr>
@@ -11638,12 +11855,12 @@
           </a:prstGeom>
         </p:spPr>
         <p:txBody>
-          <a:bodyPr anchorCtr="0" anchor="t" bIns="91425" lIns="91425" spcFirstLastPara="1" rIns="91425" wrap="square" tIns="91425">
+          <a:bodyPr spcFirstLastPara="1" wrap="square" lIns="91425" tIns="91425" rIns="91425" bIns="91425" anchor="t" anchorCtr="0">
             <a:noAutofit/>
           </a:bodyPr>
           <a:lstStyle/>
           <a:p>
-            <a:pPr indent="-342900" lvl="0" marL="457200" rtl="0" algn="l">
+            <a:pPr marL="457200" lvl="0" indent="-342900" algn="l" rtl="0">
               <a:spcBef>
                 <a:spcPts val="0"/>
               </a:spcBef>
@@ -11660,7 +11877,7 @@
             <a:endParaRPr/>
           </a:p>
           <a:p>
-            <a:pPr indent="-317500" lvl="1" marL="914400" rtl="0" algn="l">
+            <a:pPr marL="914400" lvl="1" indent="-317500" algn="l" rtl="0">
               <a:spcBef>
                 <a:spcPts val="0"/>
               </a:spcBef>
@@ -11677,7 +11894,7 @@
             <a:endParaRPr/>
           </a:p>
           <a:p>
-            <a:pPr indent="-317500" lvl="1" marL="914400" rtl="0" algn="l">
+            <a:pPr marL="914400" lvl="1" indent="-317500" algn="l" rtl="0">
               <a:spcBef>
                 <a:spcPts val="0"/>
               </a:spcBef>
@@ -11694,7 +11911,7 @@
             <a:endParaRPr/>
           </a:p>
           <a:p>
-            <a:pPr indent="0" lvl="0" marL="914400" rtl="0" algn="l">
+            <a:pPr marL="914400" lvl="0" indent="0" algn="l" rtl="0">
               <a:spcBef>
                 <a:spcPts val="1600"/>
               </a:spcBef>
@@ -11703,13 +11920,10 @@
               </a:spcAft>
               <a:buNone/>
             </a:pPr>
-            <a:r>
-              <a:t/>
-            </a:r>
-            <a:endParaRPr/>
-          </a:p>
-          <a:p>
-            <a:pPr indent="-342900" lvl="0" marL="457200" rtl="0" algn="l">
+            <a:endParaRPr/>
+          </a:p>
+          <a:p>
+            <a:pPr marL="457200" lvl="0" indent="-342900" algn="l" rtl="0">
               <a:spcBef>
                 <a:spcPts val="1600"/>
               </a:spcBef>
@@ -11726,7 +11940,7 @@
             <a:endParaRPr/>
           </a:p>
           <a:p>
-            <a:pPr indent="-317500" lvl="1" marL="914400" rtl="0" algn="l">
+            <a:pPr marL="914400" lvl="1" indent="-317500" algn="l" rtl="0">
               <a:spcBef>
                 <a:spcPts val="0"/>
               </a:spcBef>
@@ -11743,7 +11957,7 @@
             <a:endParaRPr/>
           </a:p>
           <a:p>
-            <a:pPr indent="-317500" lvl="1" marL="914400" rtl="0" algn="l">
+            <a:pPr marL="914400" lvl="1" indent="-317500" algn="l" rtl="0">
               <a:spcBef>
                 <a:spcPts val="0"/>
               </a:spcBef>
@@ -11760,7 +11974,7 @@
             <a:endParaRPr/>
           </a:p>
           <a:p>
-            <a:pPr indent="-317500" lvl="1" marL="914400" rtl="0" algn="l">
+            <a:pPr marL="914400" lvl="1" indent="-317500" algn="l" rtl="0">
               <a:spcBef>
                 <a:spcPts val="0"/>
               </a:spcBef>
@@ -11787,7 +12001,7 @@
 </file>
 
 <file path=ppt/theme/theme1.xml><?xml version="1.0" encoding="utf-8"?>
-<a:theme xmlns:a="http://schemas.openxmlformats.org/drawingml/2006/main" xmlns:r="http://schemas.openxmlformats.org/officeDocument/2006/relationships" name="Material">
+<a:theme xmlns:a="http://schemas.openxmlformats.org/drawingml/2006/main" name="Material">
   <a:themeElements>
     <a:clrScheme name="Material">
       <a:dk1>
@@ -12062,11 +12276,13 @@
       </a:bgFillStyleLst>
     </a:fmtScheme>
   </a:themeElements>
+  <a:objectDefaults/>
+  <a:extraClrSchemeLst/>
 </a:theme>
 </file>
 
 <file path=ppt/theme/theme2.xml><?xml version="1.0" encoding="utf-8"?>
-<a:theme xmlns:a="http://schemas.openxmlformats.org/drawingml/2006/main" xmlns:r="http://schemas.openxmlformats.org/officeDocument/2006/relationships">
+<a:theme xmlns:a="http://schemas.openxmlformats.org/drawingml/2006/main">
   <a:themeElements>
     <a:clrScheme name="Default">
       <a:dk1>
@@ -12341,5 +12557,7 @@
       </a:bgFillStyleLst>
     </a:fmtScheme>
   </a:themeElements>
+  <a:objectDefaults/>
+  <a:extraClrSchemeLst/>
 </a:theme>
 </file>